--- a/大一下/protect1/docs/project1设计.pptx
+++ b/大一下/protect1/docs/project1设计.pptx
@@ -13,6 +13,14 @@
     <p:sldId id="261" r:id="rId7"/>
     <p:sldId id="262" r:id="rId8"/>
     <p:sldId id="263" r:id="rId9"/>
+    <p:sldId id="264" r:id="rId10"/>
+    <p:sldId id="265" r:id="rId11"/>
+    <p:sldId id="266" r:id="rId12"/>
+    <p:sldId id="267" r:id="rId13"/>
+    <p:sldId id="268" r:id="rId14"/>
+    <p:sldId id="269" r:id="rId15"/>
+    <p:sldId id="270" r:id="rId16"/>
+    <p:sldId id="271" r:id="rId17"/>
   </p:sldIdLst>
   <p:sldSz cx="12192000" cy="6858000"/>
   <p:notesSz cx="6858000" cy="9144000"/>
@@ -111,6 +119,35 @@
       </a:defRPr>
     </a:lvl9pPr>
   </p:defaultTextStyle>
+  <p:extLst>
+    <p:ext uri="{521415D9-36F7-43E2-AB2F-B90AF26B5E84}">
+      <p14:sectionLst xmlns:p14="http://schemas.microsoft.com/office/powerpoint/2010/main">
+        <p14:section name="默认节" id="{D3D9E653-74EC-4F7E-BCC2-6D49345FE772}">
+          <p14:sldIdLst>
+            <p14:sldId id="256"/>
+            <p14:sldId id="257"/>
+            <p14:sldId id="259"/>
+            <p14:sldId id="258"/>
+            <p14:sldId id="260"/>
+            <p14:sldId id="261"/>
+            <p14:sldId id="262"/>
+            <p14:sldId id="263"/>
+            <p14:sldId id="264"/>
+            <p14:sldId id="265"/>
+            <p14:sldId id="266"/>
+            <p14:sldId id="267"/>
+            <p14:sldId id="268"/>
+            <p14:sldId id="269"/>
+            <p14:sldId id="270"/>
+            <p14:sldId id="271"/>
+          </p14:sldIdLst>
+        </p14:section>
+      </p14:sectionLst>
+    </p:ext>
+    <p:ext uri="{EFAFB233-063F-42B5-8137-9DF3F51BA10A}">
+      <p15:sldGuideLst xmlns:p15="http://schemas.microsoft.com/office/powerpoint/2012/main"/>
+    </p:ext>
+  </p:extLst>
 </p:presentation>
 </file>
 
@@ -261,7 +298,7 @@
           <a:p>
             <a:fld id="{6F8295FB-3C4E-4FC6-9745-0AF6601FFA31}" type="datetimeFigureOut">
               <a:rPr lang="zh-CN" altLang="en-US" smtClean="0"/>
-              <a:t>2018/4/1</a:t>
+              <a:t>2018/4/2</a:t>
             </a:fld>
             <a:endParaRPr lang="zh-CN" altLang="en-US"/>
           </a:p>
@@ -459,7 +496,7 @@
           <a:p>
             <a:fld id="{6F8295FB-3C4E-4FC6-9745-0AF6601FFA31}" type="datetimeFigureOut">
               <a:rPr lang="zh-CN" altLang="en-US" smtClean="0"/>
-              <a:t>2018/4/1</a:t>
+              <a:t>2018/4/2</a:t>
             </a:fld>
             <a:endParaRPr lang="zh-CN" altLang="en-US"/>
           </a:p>
@@ -667,7 +704,7 @@
           <a:p>
             <a:fld id="{6F8295FB-3C4E-4FC6-9745-0AF6601FFA31}" type="datetimeFigureOut">
               <a:rPr lang="zh-CN" altLang="en-US" smtClean="0"/>
-              <a:t>2018/4/1</a:t>
+              <a:t>2018/4/2</a:t>
             </a:fld>
             <a:endParaRPr lang="zh-CN" altLang="en-US"/>
           </a:p>
@@ -865,7 +902,7 @@
           <a:p>
             <a:fld id="{6F8295FB-3C4E-4FC6-9745-0AF6601FFA31}" type="datetimeFigureOut">
               <a:rPr lang="zh-CN" altLang="en-US" smtClean="0"/>
-              <a:t>2018/4/1</a:t>
+              <a:t>2018/4/2</a:t>
             </a:fld>
             <a:endParaRPr lang="zh-CN" altLang="en-US"/>
           </a:p>
@@ -1140,7 +1177,7 @@
           <a:p>
             <a:fld id="{6F8295FB-3C4E-4FC6-9745-0AF6601FFA31}" type="datetimeFigureOut">
               <a:rPr lang="zh-CN" altLang="en-US" smtClean="0"/>
-              <a:t>2018/4/1</a:t>
+              <a:t>2018/4/2</a:t>
             </a:fld>
             <a:endParaRPr lang="zh-CN" altLang="en-US"/>
           </a:p>
@@ -1405,7 +1442,7 @@
           <a:p>
             <a:fld id="{6F8295FB-3C4E-4FC6-9745-0AF6601FFA31}" type="datetimeFigureOut">
               <a:rPr lang="zh-CN" altLang="en-US" smtClean="0"/>
-              <a:t>2018/4/1</a:t>
+              <a:t>2018/4/2</a:t>
             </a:fld>
             <a:endParaRPr lang="zh-CN" altLang="en-US"/>
           </a:p>
@@ -1817,7 +1854,7 @@
           <a:p>
             <a:fld id="{6F8295FB-3C4E-4FC6-9745-0AF6601FFA31}" type="datetimeFigureOut">
               <a:rPr lang="zh-CN" altLang="en-US" smtClean="0"/>
-              <a:t>2018/4/1</a:t>
+              <a:t>2018/4/2</a:t>
             </a:fld>
             <a:endParaRPr lang="zh-CN" altLang="en-US"/>
           </a:p>
@@ -1958,7 +1995,7 @@
           <a:p>
             <a:fld id="{6F8295FB-3C4E-4FC6-9745-0AF6601FFA31}" type="datetimeFigureOut">
               <a:rPr lang="zh-CN" altLang="en-US" smtClean="0"/>
-              <a:t>2018/4/1</a:t>
+              <a:t>2018/4/2</a:t>
             </a:fld>
             <a:endParaRPr lang="zh-CN" altLang="en-US"/>
           </a:p>
@@ -2071,7 +2108,7 @@
           <a:p>
             <a:fld id="{6F8295FB-3C4E-4FC6-9745-0AF6601FFA31}" type="datetimeFigureOut">
               <a:rPr lang="zh-CN" altLang="en-US" smtClean="0"/>
-              <a:t>2018/4/1</a:t>
+              <a:t>2018/4/2</a:t>
             </a:fld>
             <a:endParaRPr lang="zh-CN" altLang="en-US"/>
           </a:p>
@@ -2382,7 +2419,7 @@
           <a:p>
             <a:fld id="{6F8295FB-3C4E-4FC6-9745-0AF6601FFA31}" type="datetimeFigureOut">
               <a:rPr lang="zh-CN" altLang="en-US" smtClean="0"/>
-              <a:t>2018/4/1</a:t>
+              <a:t>2018/4/2</a:t>
             </a:fld>
             <a:endParaRPr lang="zh-CN" altLang="en-US"/>
           </a:p>
@@ -2670,7 +2707,7 @@
           <a:p>
             <a:fld id="{6F8295FB-3C4E-4FC6-9745-0AF6601FFA31}" type="datetimeFigureOut">
               <a:rPr lang="zh-CN" altLang="en-US" smtClean="0"/>
-              <a:t>2018/4/1</a:t>
+              <a:t>2018/4/2</a:t>
             </a:fld>
             <a:endParaRPr lang="zh-CN" altLang="en-US"/>
           </a:p>
@@ -2916,7 +2953,7 @@
           <a:p>
             <a:fld id="{6F8295FB-3C4E-4FC6-9745-0AF6601FFA31}" type="datetimeFigureOut">
               <a:rPr lang="zh-CN" altLang="en-US" smtClean="0"/>
-              <a:t>2018/4/1</a:t>
+              <a:t>2018/4/2</a:t>
             </a:fld>
             <a:endParaRPr lang="zh-CN" altLang="en-US"/>
           </a:p>
@@ -3413,6 +3450,751 @@
 </p:sld>
 </file>
 
+<file path=ppt/slides/slide10.xml><?xml version="1.0" encoding="utf-8"?>
+<p:sld xmlns:a="http://schemas.openxmlformats.org/drawingml/2006/main" xmlns:r="http://schemas.openxmlformats.org/officeDocument/2006/relationships" xmlns:p="http://schemas.openxmlformats.org/presentationml/2006/main">
+  <p:cSld>
+    <p:spTree>
+      <p:nvGrpSpPr>
+        <p:cNvPr id="1" name=""/>
+        <p:cNvGrpSpPr/>
+        <p:nvPr/>
+      </p:nvGrpSpPr>
+      <p:grpSpPr>
+        <a:xfrm>
+          <a:off x="0" y="0"/>
+          <a:ext cx="0" cy="0"/>
+          <a:chOff x="0" y="0"/>
+          <a:chExt cx="0" cy="0"/>
+        </a:xfrm>
+      </p:grpSpPr>
+      <p:sp>
+        <p:nvSpPr>
+          <p:cNvPr id="2" name="标题 1">
+            <a:extLst>
+              <a:ext uri="{FF2B5EF4-FFF2-40B4-BE49-F238E27FC236}">
+                <a16:creationId xmlns:a16="http://schemas.microsoft.com/office/drawing/2014/main" id="{3C6BBBAC-EF5B-4CE3-89C2-AFE5F6DC5DD0}"/>
+              </a:ext>
+            </a:extLst>
+          </p:cNvPr>
+          <p:cNvSpPr>
+            <a:spLocks noGrp="1"/>
+          </p:cNvSpPr>
+          <p:nvPr>
+            <p:ph type="title"/>
+          </p:nvPr>
+        </p:nvSpPr>
+        <p:spPr/>
+        <p:txBody>
+          <a:bodyPr/>
+          <a:lstStyle/>
+          <a:p>
+            <a:r>
+              <a:rPr lang="en-US" altLang="zh-CN" dirty="0" err="1"/>
+              <a:t>Admin.h</a:t>
+            </a:r>
+            <a:r>
+              <a:rPr lang="en-US" altLang="zh-CN" dirty="0"/>
+              <a:t>/.</a:t>
+            </a:r>
+            <a:r>
+              <a:rPr lang="en-US" altLang="zh-CN" dirty="0" err="1"/>
+              <a:t>cpp</a:t>
+            </a:r>
+            <a:endParaRPr lang="zh-CN" altLang="en-US" dirty="0"/>
+          </a:p>
+        </p:txBody>
+      </p:sp>
+      <p:pic>
+        <p:nvPicPr>
+          <p:cNvPr id="9" name="内容占位符 8">
+            <a:extLst>
+              <a:ext uri="{FF2B5EF4-FFF2-40B4-BE49-F238E27FC236}">
+                <a16:creationId xmlns:a16="http://schemas.microsoft.com/office/drawing/2014/main" id="{F2E1F651-85D4-4C97-A97E-1D9E05688EDF}"/>
+              </a:ext>
+            </a:extLst>
+          </p:cNvPr>
+          <p:cNvPicPr>
+            <a:picLocks noGrp="1" noChangeAspect="1"/>
+          </p:cNvPicPr>
+          <p:nvPr>
+            <p:ph idx="1"/>
+          </p:nvPr>
+        </p:nvPicPr>
+        <p:blipFill>
+          <a:blip r:embed="rId2">
+            <a:extLst>
+              <a:ext uri="{28A0092B-C50C-407E-A947-70E740481C1C}">
+                <a14:useLocalDpi xmlns:a14="http://schemas.microsoft.com/office/drawing/2010/main" val="0"/>
+              </a:ext>
+            </a:extLst>
+          </a:blip>
+          <a:stretch>
+            <a:fillRect/>
+          </a:stretch>
+        </p:blipFill>
+        <p:spPr>
+          <a:xfrm>
+            <a:off x="838200" y="1601595"/>
+            <a:ext cx="7245653" cy="2881312"/>
+          </a:xfrm>
+        </p:spPr>
+      </p:pic>
+    </p:spTree>
+    <p:extLst>
+      <p:ext uri="{BB962C8B-B14F-4D97-AF65-F5344CB8AC3E}">
+        <p14:creationId xmlns:p14="http://schemas.microsoft.com/office/powerpoint/2010/main" val="2760947170"/>
+      </p:ext>
+    </p:extLst>
+  </p:cSld>
+  <p:clrMapOvr>
+    <a:masterClrMapping/>
+  </p:clrMapOvr>
+</p:sld>
+</file>
+
+<file path=ppt/slides/slide11.xml><?xml version="1.0" encoding="utf-8"?>
+<p:sld xmlns:a="http://schemas.openxmlformats.org/drawingml/2006/main" xmlns:r="http://schemas.openxmlformats.org/officeDocument/2006/relationships" xmlns:p="http://schemas.openxmlformats.org/presentationml/2006/main">
+  <p:cSld>
+    <p:spTree>
+      <p:nvGrpSpPr>
+        <p:cNvPr id="1" name=""/>
+        <p:cNvGrpSpPr/>
+        <p:nvPr/>
+      </p:nvGrpSpPr>
+      <p:grpSpPr>
+        <a:xfrm>
+          <a:off x="0" y="0"/>
+          <a:ext cx="0" cy="0"/>
+          <a:chOff x="0" y="0"/>
+          <a:chExt cx="0" cy="0"/>
+        </a:xfrm>
+      </p:grpSpPr>
+      <p:sp>
+        <p:nvSpPr>
+          <p:cNvPr id="2" name="标题 1">
+            <a:extLst>
+              <a:ext uri="{FF2B5EF4-FFF2-40B4-BE49-F238E27FC236}">
+                <a16:creationId xmlns:a16="http://schemas.microsoft.com/office/drawing/2014/main" id="{93D20684-3351-4813-82ED-76C14A3420CD}"/>
+              </a:ext>
+            </a:extLst>
+          </p:cNvPr>
+          <p:cNvSpPr>
+            <a:spLocks noGrp="1"/>
+          </p:cNvSpPr>
+          <p:nvPr>
+            <p:ph type="title"/>
+          </p:nvPr>
+        </p:nvSpPr>
+        <p:spPr/>
+        <p:txBody>
+          <a:bodyPr/>
+          <a:lstStyle/>
+          <a:p>
+            <a:r>
+              <a:rPr lang="en-US" altLang="zh-CN" dirty="0" err="1"/>
+              <a:t>Shop.h</a:t>
+            </a:r>
+            <a:r>
+              <a:rPr lang="en-US" altLang="zh-CN" dirty="0"/>
+              <a:t>/.</a:t>
+            </a:r>
+            <a:r>
+              <a:rPr lang="en-US" altLang="zh-CN" dirty="0" err="1"/>
+              <a:t>cpp</a:t>
+            </a:r>
+            <a:r>
+              <a:rPr lang="en-US" altLang="zh-CN" dirty="0"/>
+              <a:t> :class </a:t>
+            </a:r>
+            <a:r>
+              <a:rPr lang="en-US" altLang="zh-CN" dirty="0" err="1"/>
+              <a:t>CStock</a:t>
+            </a:r>
+            <a:endParaRPr lang="zh-CN" altLang="en-US" dirty="0"/>
+          </a:p>
+        </p:txBody>
+      </p:sp>
+      <p:pic>
+        <p:nvPicPr>
+          <p:cNvPr id="5" name="内容占位符 4">
+            <a:extLst>
+              <a:ext uri="{FF2B5EF4-FFF2-40B4-BE49-F238E27FC236}">
+                <a16:creationId xmlns:a16="http://schemas.microsoft.com/office/drawing/2014/main" id="{22786989-5272-4DA4-9C6C-B56A284230EE}"/>
+              </a:ext>
+            </a:extLst>
+          </p:cNvPr>
+          <p:cNvPicPr>
+            <a:picLocks noGrp="1" noChangeAspect="1"/>
+          </p:cNvPicPr>
+          <p:nvPr>
+            <p:ph idx="1"/>
+          </p:nvPr>
+        </p:nvPicPr>
+        <p:blipFill>
+          <a:blip r:embed="rId2">
+            <a:extLst>
+              <a:ext uri="{28A0092B-C50C-407E-A947-70E740481C1C}">
+                <a14:useLocalDpi xmlns:a14="http://schemas.microsoft.com/office/drawing/2010/main" val="0"/>
+              </a:ext>
+            </a:extLst>
+          </a:blip>
+          <a:stretch>
+            <a:fillRect/>
+          </a:stretch>
+        </p:blipFill>
+        <p:spPr>
+          <a:xfrm>
+            <a:off x="758301" y="1690688"/>
+            <a:ext cx="10515600" cy="3947775"/>
+          </a:xfrm>
+        </p:spPr>
+      </p:pic>
+    </p:spTree>
+    <p:extLst>
+      <p:ext uri="{BB962C8B-B14F-4D97-AF65-F5344CB8AC3E}">
+        <p14:creationId xmlns:p14="http://schemas.microsoft.com/office/powerpoint/2010/main" val="1185945376"/>
+      </p:ext>
+    </p:extLst>
+  </p:cSld>
+  <p:clrMapOvr>
+    <a:masterClrMapping/>
+  </p:clrMapOvr>
+</p:sld>
+</file>
+
+<file path=ppt/slides/slide12.xml><?xml version="1.0" encoding="utf-8"?>
+<p:sld xmlns:a="http://schemas.openxmlformats.org/drawingml/2006/main" xmlns:r="http://schemas.openxmlformats.org/officeDocument/2006/relationships" xmlns:p="http://schemas.openxmlformats.org/presentationml/2006/main">
+  <p:cSld>
+    <p:spTree>
+      <p:nvGrpSpPr>
+        <p:cNvPr id="1" name=""/>
+        <p:cNvGrpSpPr/>
+        <p:nvPr/>
+      </p:nvGrpSpPr>
+      <p:grpSpPr>
+        <a:xfrm>
+          <a:off x="0" y="0"/>
+          <a:ext cx="0" cy="0"/>
+          <a:chOff x="0" y="0"/>
+          <a:chExt cx="0" cy="0"/>
+        </a:xfrm>
+      </p:grpSpPr>
+      <p:sp>
+        <p:nvSpPr>
+          <p:cNvPr id="2" name="标题 1">
+            <a:extLst>
+              <a:ext uri="{FF2B5EF4-FFF2-40B4-BE49-F238E27FC236}">
+                <a16:creationId xmlns:a16="http://schemas.microsoft.com/office/drawing/2014/main" id="{DB833F1E-89FA-4D15-88C7-A55E3142D807}"/>
+              </a:ext>
+            </a:extLst>
+          </p:cNvPr>
+          <p:cNvSpPr>
+            <a:spLocks noGrp="1"/>
+          </p:cNvSpPr>
+          <p:nvPr>
+            <p:ph type="title"/>
+          </p:nvPr>
+        </p:nvSpPr>
+        <p:spPr/>
+        <p:txBody>
+          <a:bodyPr/>
+          <a:lstStyle/>
+          <a:p>
+            <a:r>
+              <a:rPr lang="en-US" altLang="zh-CN" dirty="0" err="1"/>
+              <a:t>Shop.h</a:t>
+            </a:r>
+            <a:r>
+              <a:rPr lang="en-US" altLang="zh-CN" dirty="0"/>
+              <a:t>/.</a:t>
+            </a:r>
+            <a:r>
+              <a:rPr lang="en-US" altLang="zh-CN" dirty="0" err="1"/>
+              <a:t>cpp</a:t>
+            </a:r>
+            <a:r>
+              <a:rPr lang="en-US" altLang="zh-CN" dirty="0"/>
+              <a:t> :class </a:t>
+            </a:r>
+            <a:r>
+              <a:rPr lang="en-US" altLang="zh-CN" dirty="0" err="1"/>
+              <a:t>CShoppingCart</a:t>
+            </a:r>
+            <a:r>
+              <a:rPr lang="en-US" altLang="zh-CN" dirty="0"/>
+              <a:t>: public </a:t>
+            </a:r>
+            <a:r>
+              <a:rPr lang="en-US" altLang="zh-CN" dirty="0" err="1"/>
+              <a:t>CStock</a:t>
+            </a:r>
+            <a:endParaRPr lang="zh-CN" altLang="en-US" dirty="0"/>
+          </a:p>
+        </p:txBody>
+      </p:sp>
+      <p:pic>
+        <p:nvPicPr>
+          <p:cNvPr id="5" name="内容占位符 4">
+            <a:extLst>
+              <a:ext uri="{FF2B5EF4-FFF2-40B4-BE49-F238E27FC236}">
+                <a16:creationId xmlns:a16="http://schemas.microsoft.com/office/drawing/2014/main" id="{5D35FBF5-EBB3-423B-8C62-23CF46311052}"/>
+              </a:ext>
+            </a:extLst>
+          </p:cNvPr>
+          <p:cNvPicPr>
+            <a:picLocks noGrp="1" noChangeAspect="1"/>
+          </p:cNvPicPr>
+          <p:nvPr>
+            <p:ph idx="1"/>
+          </p:nvPr>
+        </p:nvPicPr>
+        <p:blipFill>
+          <a:blip r:embed="rId2">
+            <a:extLst>
+              <a:ext uri="{28A0092B-C50C-407E-A947-70E740481C1C}">
+                <a14:useLocalDpi xmlns:a14="http://schemas.microsoft.com/office/drawing/2010/main" val="0"/>
+              </a:ext>
+            </a:extLst>
+          </a:blip>
+          <a:stretch>
+            <a:fillRect/>
+          </a:stretch>
+        </p:blipFill>
+        <p:spPr>
+          <a:xfrm>
+            <a:off x="688917" y="1967830"/>
+            <a:ext cx="10317015" cy="3534268"/>
+          </a:xfrm>
+        </p:spPr>
+      </p:pic>
+    </p:spTree>
+    <p:extLst>
+      <p:ext uri="{BB962C8B-B14F-4D97-AF65-F5344CB8AC3E}">
+        <p14:creationId xmlns:p14="http://schemas.microsoft.com/office/powerpoint/2010/main" val="3376026400"/>
+      </p:ext>
+    </p:extLst>
+  </p:cSld>
+  <p:clrMapOvr>
+    <a:masterClrMapping/>
+  </p:clrMapOvr>
+</p:sld>
+</file>
+
+<file path=ppt/slides/slide13.xml><?xml version="1.0" encoding="utf-8"?>
+<p:sld xmlns:a="http://schemas.openxmlformats.org/drawingml/2006/main" xmlns:r="http://schemas.openxmlformats.org/officeDocument/2006/relationships" xmlns:p="http://schemas.openxmlformats.org/presentationml/2006/main">
+  <p:cSld>
+    <p:spTree>
+      <p:nvGrpSpPr>
+        <p:cNvPr id="1" name=""/>
+        <p:cNvGrpSpPr/>
+        <p:nvPr/>
+      </p:nvGrpSpPr>
+      <p:grpSpPr>
+        <a:xfrm>
+          <a:off x="0" y="0"/>
+          <a:ext cx="0" cy="0"/>
+          <a:chOff x="0" y="0"/>
+          <a:chExt cx="0" cy="0"/>
+        </a:xfrm>
+      </p:grpSpPr>
+      <p:sp>
+        <p:nvSpPr>
+          <p:cNvPr id="2" name="标题 1">
+            <a:extLst>
+              <a:ext uri="{FF2B5EF4-FFF2-40B4-BE49-F238E27FC236}">
+                <a16:creationId xmlns:a16="http://schemas.microsoft.com/office/drawing/2014/main" id="{AF19B7EA-B058-4634-AEE4-5486E6C2014A}"/>
+              </a:ext>
+            </a:extLst>
+          </p:cNvPr>
+          <p:cNvSpPr>
+            <a:spLocks noGrp="1"/>
+          </p:cNvSpPr>
+          <p:nvPr>
+            <p:ph type="title"/>
+          </p:nvPr>
+        </p:nvSpPr>
+        <p:spPr/>
+        <p:txBody>
+          <a:bodyPr/>
+          <a:lstStyle/>
+          <a:p>
+            <a:r>
+              <a:rPr lang="en-US" altLang="zh-CN" dirty="0" err="1"/>
+              <a:t>Shop.h</a:t>
+            </a:r>
+            <a:r>
+              <a:rPr lang="en-US" altLang="zh-CN" dirty="0"/>
+              <a:t>/.</a:t>
+            </a:r>
+            <a:r>
+              <a:rPr lang="en-US" altLang="zh-CN" dirty="0" err="1"/>
+              <a:t>cpp</a:t>
+            </a:r>
+            <a:r>
+              <a:rPr lang="en-US" altLang="zh-CN" dirty="0"/>
+              <a:t> :class  </a:t>
+            </a:r>
+            <a:r>
+              <a:rPr lang="en-US" altLang="zh-CN" dirty="0" err="1"/>
+              <a:t>CSoldlist</a:t>
+            </a:r>
+            <a:endParaRPr lang="zh-CN" altLang="en-US" dirty="0"/>
+          </a:p>
+        </p:txBody>
+      </p:sp>
+      <p:pic>
+        <p:nvPicPr>
+          <p:cNvPr id="9" name="内容占位符 8">
+            <a:extLst>
+              <a:ext uri="{FF2B5EF4-FFF2-40B4-BE49-F238E27FC236}">
+                <a16:creationId xmlns:a16="http://schemas.microsoft.com/office/drawing/2014/main" id="{D5954C63-BCA3-4E2F-8FB5-122CCC83CD82}"/>
+              </a:ext>
+            </a:extLst>
+          </p:cNvPr>
+          <p:cNvPicPr>
+            <a:picLocks noGrp="1" noChangeAspect="1"/>
+          </p:cNvPicPr>
+          <p:nvPr>
+            <p:ph idx="1"/>
+          </p:nvPr>
+        </p:nvPicPr>
+        <p:blipFill>
+          <a:blip r:embed="rId2">
+            <a:extLst>
+              <a:ext uri="{28A0092B-C50C-407E-A947-70E740481C1C}">
+                <a14:useLocalDpi xmlns:a14="http://schemas.microsoft.com/office/drawing/2010/main" val="0"/>
+              </a:ext>
+            </a:extLst>
+          </a:blip>
+          <a:stretch>
+            <a:fillRect/>
+          </a:stretch>
+        </p:blipFill>
+        <p:spPr>
+          <a:xfrm>
+            <a:off x="838200" y="1690688"/>
+            <a:ext cx="9030960" cy="3277057"/>
+          </a:xfrm>
+        </p:spPr>
+      </p:pic>
+      <p:sp>
+        <p:nvSpPr>
+          <p:cNvPr id="10" name="文本框 9">
+            <a:extLst>
+              <a:ext uri="{FF2B5EF4-FFF2-40B4-BE49-F238E27FC236}">
+                <a16:creationId xmlns:a16="http://schemas.microsoft.com/office/drawing/2014/main" id="{D2AE0D0C-A4D0-45BD-9B8F-8367763AFB25}"/>
+              </a:ext>
+            </a:extLst>
+          </p:cNvPr>
+          <p:cNvSpPr txBox="1"/>
+          <p:nvPr/>
+        </p:nvSpPr>
+        <p:spPr>
+          <a:xfrm>
+            <a:off x="941033" y="5846544"/>
+            <a:ext cx="2769833" cy="646331"/>
+          </a:xfrm>
+          <a:prstGeom prst="rect">
+            <a:avLst/>
+          </a:prstGeom>
+          <a:noFill/>
+        </p:spPr>
+        <p:txBody>
+          <a:bodyPr wrap="square" rtlCol="0">
+            <a:spAutoFit/>
+          </a:bodyPr>
+          <a:lstStyle/>
+          <a:p>
+            <a:r>
+              <a:rPr lang="zh-CN" altLang="en-US" dirty="0"/>
+              <a:t>当你把栈空间开到</a:t>
+            </a:r>
+            <a:r>
+              <a:rPr lang="en-US" altLang="zh-CN" dirty="0"/>
+              <a:t>1mb</a:t>
+            </a:r>
+            <a:r>
+              <a:rPr lang="zh-CN" altLang="en-US" dirty="0"/>
+              <a:t>时（原来</a:t>
+            </a:r>
+            <a:r>
+              <a:rPr lang="en-US" altLang="zh-CN" dirty="0"/>
+              <a:t>16kb</a:t>
+            </a:r>
+            <a:r>
+              <a:rPr lang="zh-CN" altLang="en-US" dirty="0"/>
+              <a:t>会炸）</a:t>
+            </a:r>
+          </a:p>
+        </p:txBody>
+      </p:sp>
+    </p:spTree>
+    <p:extLst>
+      <p:ext uri="{BB962C8B-B14F-4D97-AF65-F5344CB8AC3E}">
+        <p14:creationId xmlns:p14="http://schemas.microsoft.com/office/powerpoint/2010/main" val="4231339820"/>
+      </p:ext>
+    </p:extLst>
+  </p:cSld>
+  <p:clrMapOvr>
+    <a:masterClrMapping/>
+  </p:clrMapOvr>
+</p:sld>
+</file>
+
+<file path=ppt/slides/slide14.xml><?xml version="1.0" encoding="utf-8"?>
+<p:sld xmlns:a="http://schemas.openxmlformats.org/drawingml/2006/main" xmlns:r="http://schemas.openxmlformats.org/officeDocument/2006/relationships" xmlns:p="http://schemas.openxmlformats.org/presentationml/2006/main">
+  <p:cSld>
+    <p:spTree>
+      <p:nvGrpSpPr>
+        <p:cNvPr id="1" name=""/>
+        <p:cNvGrpSpPr/>
+        <p:nvPr/>
+      </p:nvGrpSpPr>
+      <p:grpSpPr>
+        <a:xfrm>
+          <a:off x="0" y="0"/>
+          <a:ext cx="0" cy="0"/>
+          <a:chOff x="0" y="0"/>
+          <a:chExt cx="0" cy="0"/>
+        </a:xfrm>
+      </p:grpSpPr>
+      <p:sp>
+        <p:nvSpPr>
+          <p:cNvPr id="2" name="标题 1">
+            <a:extLst>
+              <a:ext uri="{FF2B5EF4-FFF2-40B4-BE49-F238E27FC236}">
+                <a16:creationId xmlns:a16="http://schemas.microsoft.com/office/drawing/2014/main" id="{BE85EFEF-67DE-489F-9734-4657D07E7236}"/>
+              </a:ext>
+            </a:extLst>
+          </p:cNvPr>
+          <p:cNvSpPr>
+            <a:spLocks noGrp="1"/>
+          </p:cNvSpPr>
+          <p:nvPr>
+            <p:ph type="title"/>
+          </p:nvPr>
+        </p:nvSpPr>
+        <p:spPr/>
+        <p:txBody>
+          <a:bodyPr/>
+          <a:lstStyle/>
+          <a:p>
+            <a:r>
+              <a:rPr lang="en-US" altLang="zh-CN" dirty="0"/>
+              <a:t>Main.cpp</a:t>
+            </a:r>
+            <a:endParaRPr lang="zh-CN" altLang="en-US" dirty="0"/>
+          </a:p>
+        </p:txBody>
+      </p:sp>
+      <p:pic>
+        <p:nvPicPr>
+          <p:cNvPr id="9" name="内容占位符 8">
+            <a:extLst>
+              <a:ext uri="{FF2B5EF4-FFF2-40B4-BE49-F238E27FC236}">
+                <a16:creationId xmlns:a16="http://schemas.microsoft.com/office/drawing/2014/main" id="{9576F046-8EC6-4B52-B937-939020846A3F}"/>
+              </a:ext>
+            </a:extLst>
+          </p:cNvPr>
+          <p:cNvPicPr>
+            <a:picLocks noGrp="1" noChangeAspect="1"/>
+          </p:cNvPicPr>
+          <p:nvPr>
+            <p:ph idx="1"/>
+          </p:nvPr>
+        </p:nvPicPr>
+        <p:blipFill>
+          <a:blip r:embed="rId2">
+            <a:extLst>
+              <a:ext uri="{28A0092B-C50C-407E-A947-70E740481C1C}">
+                <a14:useLocalDpi xmlns:a14="http://schemas.microsoft.com/office/drawing/2010/main" val="0"/>
+              </a:ext>
+            </a:extLst>
+          </a:blip>
+          <a:stretch>
+            <a:fillRect/>
+          </a:stretch>
+        </p:blipFill>
+        <p:spPr>
+          <a:xfrm>
+            <a:off x="947587" y="1690688"/>
+            <a:ext cx="4686040" cy="2579471"/>
+          </a:xfrm>
+        </p:spPr>
+      </p:pic>
+    </p:spTree>
+    <p:extLst>
+      <p:ext uri="{BB962C8B-B14F-4D97-AF65-F5344CB8AC3E}">
+        <p14:creationId xmlns:p14="http://schemas.microsoft.com/office/powerpoint/2010/main" val="1948695531"/>
+      </p:ext>
+    </p:extLst>
+  </p:cSld>
+  <p:clrMapOvr>
+    <a:masterClrMapping/>
+  </p:clrMapOvr>
+</p:sld>
+</file>
+
+<file path=ppt/slides/slide15.xml><?xml version="1.0" encoding="utf-8"?>
+<p:sld xmlns:a="http://schemas.openxmlformats.org/drawingml/2006/main" xmlns:r="http://schemas.openxmlformats.org/officeDocument/2006/relationships" xmlns:p="http://schemas.openxmlformats.org/presentationml/2006/main">
+  <p:cSld>
+    <p:spTree>
+      <p:nvGrpSpPr>
+        <p:cNvPr id="1" name=""/>
+        <p:cNvGrpSpPr/>
+        <p:nvPr/>
+      </p:nvGrpSpPr>
+      <p:grpSpPr>
+        <a:xfrm>
+          <a:off x="0" y="0"/>
+          <a:ext cx="0" cy="0"/>
+          <a:chOff x="0" y="0"/>
+          <a:chExt cx="0" cy="0"/>
+        </a:xfrm>
+      </p:grpSpPr>
+      <p:sp>
+        <p:nvSpPr>
+          <p:cNvPr id="2" name="标题 1">
+            <a:extLst>
+              <a:ext uri="{FF2B5EF4-FFF2-40B4-BE49-F238E27FC236}">
+                <a16:creationId xmlns:a16="http://schemas.microsoft.com/office/drawing/2014/main" id="{E9C59EAA-A757-47A6-8A84-C34A63323876}"/>
+              </a:ext>
+            </a:extLst>
+          </p:cNvPr>
+          <p:cNvSpPr>
+            <a:spLocks noGrp="1"/>
+          </p:cNvSpPr>
+          <p:nvPr>
+            <p:ph type="title"/>
+          </p:nvPr>
+        </p:nvSpPr>
+        <p:spPr/>
+        <p:txBody>
+          <a:bodyPr/>
+          <a:lstStyle/>
+          <a:p>
+            <a:endParaRPr lang="zh-CN" altLang="en-US"/>
+          </a:p>
+        </p:txBody>
+      </p:sp>
+      <p:sp>
+        <p:nvSpPr>
+          <p:cNvPr id="3" name="内容占位符 2">
+            <a:extLst>
+              <a:ext uri="{FF2B5EF4-FFF2-40B4-BE49-F238E27FC236}">
+                <a16:creationId xmlns:a16="http://schemas.microsoft.com/office/drawing/2014/main" id="{A7CC6029-94BA-4D7C-B9CD-6C3A71379656}"/>
+              </a:ext>
+            </a:extLst>
+          </p:cNvPr>
+          <p:cNvSpPr>
+            <a:spLocks noGrp="1"/>
+          </p:cNvSpPr>
+          <p:nvPr>
+            <p:ph idx="1"/>
+          </p:nvPr>
+        </p:nvSpPr>
+        <p:spPr/>
+        <p:txBody>
+          <a:bodyPr/>
+          <a:lstStyle/>
+          <a:p>
+            <a:endParaRPr lang="zh-CN" altLang="en-US"/>
+          </a:p>
+        </p:txBody>
+      </p:sp>
+    </p:spTree>
+    <p:extLst>
+      <p:ext uri="{BB962C8B-B14F-4D97-AF65-F5344CB8AC3E}">
+        <p14:creationId xmlns:p14="http://schemas.microsoft.com/office/powerpoint/2010/main" val="3549201543"/>
+      </p:ext>
+    </p:extLst>
+  </p:cSld>
+  <p:clrMapOvr>
+    <a:masterClrMapping/>
+  </p:clrMapOvr>
+</p:sld>
+</file>
+
+<file path=ppt/slides/slide16.xml><?xml version="1.0" encoding="utf-8"?>
+<p:sld xmlns:a="http://schemas.openxmlformats.org/drawingml/2006/main" xmlns:r="http://schemas.openxmlformats.org/officeDocument/2006/relationships" xmlns:p="http://schemas.openxmlformats.org/presentationml/2006/main">
+  <p:cSld>
+    <p:spTree>
+      <p:nvGrpSpPr>
+        <p:cNvPr id="1" name=""/>
+        <p:cNvGrpSpPr/>
+        <p:nvPr/>
+      </p:nvGrpSpPr>
+      <p:grpSpPr>
+        <a:xfrm>
+          <a:off x="0" y="0"/>
+          <a:ext cx="0" cy="0"/>
+          <a:chOff x="0" y="0"/>
+          <a:chExt cx="0" cy="0"/>
+        </a:xfrm>
+      </p:grpSpPr>
+      <p:sp>
+        <p:nvSpPr>
+          <p:cNvPr id="2" name="标题 1">
+            <a:extLst>
+              <a:ext uri="{FF2B5EF4-FFF2-40B4-BE49-F238E27FC236}">
+                <a16:creationId xmlns:a16="http://schemas.microsoft.com/office/drawing/2014/main" id="{418D74D2-FE05-4572-979B-DA2547261CEB}"/>
+              </a:ext>
+            </a:extLst>
+          </p:cNvPr>
+          <p:cNvSpPr>
+            <a:spLocks noGrp="1"/>
+          </p:cNvSpPr>
+          <p:nvPr>
+            <p:ph type="title"/>
+          </p:nvPr>
+        </p:nvSpPr>
+        <p:spPr/>
+        <p:txBody>
+          <a:bodyPr/>
+          <a:lstStyle/>
+          <a:p>
+            <a:endParaRPr lang="zh-CN" altLang="en-US"/>
+          </a:p>
+        </p:txBody>
+      </p:sp>
+      <p:sp>
+        <p:nvSpPr>
+          <p:cNvPr id="3" name="内容占位符 2">
+            <a:extLst>
+              <a:ext uri="{FF2B5EF4-FFF2-40B4-BE49-F238E27FC236}">
+                <a16:creationId xmlns:a16="http://schemas.microsoft.com/office/drawing/2014/main" id="{4B958C4C-7758-49BB-B1F2-21703360937E}"/>
+              </a:ext>
+            </a:extLst>
+          </p:cNvPr>
+          <p:cNvSpPr>
+            <a:spLocks noGrp="1"/>
+          </p:cNvSpPr>
+          <p:nvPr>
+            <p:ph idx="1"/>
+          </p:nvPr>
+        </p:nvSpPr>
+        <p:spPr/>
+        <p:txBody>
+          <a:bodyPr/>
+          <a:lstStyle/>
+          <a:p>
+            <a:endParaRPr lang="zh-CN" altLang="en-US"/>
+          </a:p>
+        </p:txBody>
+      </p:sp>
+    </p:spTree>
+    <p:extLst>
+      <p:ext uri="{BB962C8B-B14F-4D97-AF65-F5344CB8AC3E}">
+        <p14:creationId xmlns:p14="http://schemas.microsoft.com/office/powerpoint/2010/main" val="2538002202"/>
+      </p:ext>
+    </p:extLst>
+  </p:cSld>
+  <p:clrMapOvr>
+    <a:masterClrMapping/>
+  </p:clrMapOvr>
+</p:sld>
+</file>
+
 <file path=ppt/slides/slide2.xml><?xml version="1.0" encoding="utf-8"?>
 <p:sld xmlns:a="http://schemas.openxmlformats.org/drawingml/2006/main" xmlns:r="http://schemas.openxmlformats.org/officeDocument/2006/relationships" xmlns:p="http://schemas.openxmlformats.org/presentationml/2006/main">
   <p:cSld>
@@ -3510,6 +4292,17 @@
             <a:r>
               <a:rPr lang="zh-CN" altLang="en-US" dirty="0"/>
               <a:t>数据结构设计</a:t>
+            </a:r>
+            <a:endParaRPr lang="en-US" altLang="zh-CN" dirty="0"/>
+          </a:p>
+          <a:p>
+            <a:r>
+              <a:rPr lang="en-US" altLang="zh-CN" dirty="0"/>
+              <a:t>4.</a:t>
+            </a:r>
+            <a:r>
+              <a:rPr lang="zh-CN" altLang="en-US" dirty="0"/>
+              <a:t>模块设计</a:t>
             </a:r>
             <a:endParaRPr lang="en-US" altLang="zh-CN" dirty="0"/>
           </a:p>
@@ -4397,32 +5190,733 @@
           <a:bodyPr/>
           <a:lstStyle/>
           <a:p>
+            <a:r>
+              <a:rPr lang="en-US" altLang="zh-CN" dirty="0"/>
+              <a:t>4.</a:t>
+            </a:r>
+            <a:r>
+              <a:rPr lang="zh-CN" altLang="en-US" dirty="0"/>
+              <a:t>模块设计</a:t>
+            </a:r>
+          </a:p>
+        </p:txBody>
+      </p:sp>
+      <p:sp>
+        <p:nvSpPr>
+          <p:cNvPr id="4" name="矩形: 圆角 3">
+            <a:extLst>
+              <a:ext uri="{FF2B5EF4-FFF2-40B4-BE49-F238E27FC236}">
+                <a16:creationId xmlns:a16="http://schemas.microsoft.com/office/drawing/2014/main" id="{EDDDA017-055A-41F1-AB6B-71641D4B880C}"/>
+              </a:ext>
+            </a:extLst>
+          </p:cNvPr>
+          <p:cNvSpPr/>
+          <p:nvPr/>
+        </p:nvSpPr>
+        <p:spPr>
+          <a:xfrm>
+            <a:off x="4527885" y="5404978"/>
+            <a:ext cx="2117557" cy="850232"/>
+          </a:xfrm>
+          <a:prstGeom prst="roundRect">
+            <a:avLst/>
+          </a:prstGeom>
+        </p:spPr>
+        <p:style>
+          <a:lnRef idx="2">
+            <a:schemeClr val="accent1">
+              <a:shade val="50000"/>
+            </a:schemeClr>
+          </a:lnRef>
+          <a:fillRef idx="1">
+            <a:schemeClr val="accent1"/>
+          </a:fillRef>
+          <a:effectRef idx="0">
+            <a:schemeClr val="accent1"/>
+          </a:effectRef>
+          <a:fontRef idx="minor">
+            <a:schemeClr val="lt1"/>
+          </a:fontRef>
+        </p:style>
+        <p:txBody>
+          <a:bodyPr rtlCol="0" anchor="ctr"/>
+          <a:lstStyle/>
+          <a:p>
+            <a:pPr algn="ctr"/>
+            <a:r>
+              <a:rPr lang="en-US" altLang="zh-CN" dirty="0"/>
+              <a:t>Main.cpp</a:t>
+            </a:r>
+            <a:endParaRPr lang="zh-CN" altLang="en-US" dirty="0"/>
+          </a:p>
+        </p:txBody>
+      </p:sp>
+      <p:sp>
+        <p:nvSpPr>
+          <p:cNvPr id="5" name="矩形: 圆角 4">
+            <a:extLst>
+              <a:ext uri="{FF2B5EF4-FFF2-40B4-BE49-F238E27FC236}">
+                <a16:creationId xmlns:a16="http://schemas.microsoft.com/office/drawing/2014/main" id="{CB573A72-2FD6-4DD3-BB2E-3B1EB9804B93}"/>
+              </a:ext>
+            </a:extLst>
+          </p:cNvPr>
+          <p:cNvSpPr/>
+          <p:nvPr/>
+        </p:nvSpPr>
+        <p:spPr>
+          <a:xfrm>
+            <a:off x="5161550" y="2791137"/>
+            <a:ext cx="2117557" cy="593558"/>
+          </a:xfrm>
+          <a:prstGeom prst="roundRect">
+            <a:avLst/>
+          </a:prstGeom>
+        </p:spPr>
+        <p:style>
+          <a:lnRef idx="2">
+            <a:schemeClr val="accent1">
+              <a:shade val="50000"/>
+            </a:schemeClr>
+          </a:lnRef>
+          <a:fillRef idx="1">
+            <a:schemeClr val="accent1"/>
+          </a:fillRef>
+          <a:effectRef idx="0">
+            <a:schemeClr val="accent1"/>
+          </a:effectRef>
+          <a:fontRef idx="minor">
+            <a:schemeClr val="lt1"/>
+          </a:fontRef>
+        </p:style>
+        <p:txBody>
+          <a:bodyPr rtlCol="0" anchor="ctr"/>
+          <a:lstStyle/>
+          <a:p>
+            <a:pPr algn="ctr"/>
+            <a:r>
+              <a:rPr lang="en-US" altLang="zh-CN" dirty="0" err="1"/>
+              <a:t>Struct.h</a:t>
+            </a:r>
+            <a:endParaRPr lang="zh-CN" altLang="en-US" dirty="0"/>
+          </a:p>
+        </p:txBody>
+      </p:sp>
+      <p:sp>
+        <p:nvSpPr>
+          <p:cNvPr id="6" name="矩形: 圆角 5">
+            <a:extLst>
+              <a:ext uri="{FF2B5EF4-FFF2-40B4-BE49-F238E27FC236}">
+                <a16:creationId xmlns:a16="http://schemas.microsoft.com/office/drawing/2014/main" id="{957B0182-43DC-481C-8F5F-84ECFBCAB615}"/>
+              </a:ext>
+            </a:extLst>
+          </p:cNvPr>
+          <p:cNvSpPr/>
+          <p:nvPr/>
+        </p:nvSpPr>
+        <p:spPr>
+          <a:xfrm>
+            <a:off x="994610" y="4296317"/>
+            <a:ext cx="2197768" cy="898358"/>
+          </a:xfrm>
+          <a:prstGeom prst="roundRect">
+            <a:avLst/>
+          </a:prstGeom>
+        </p:spPr>
+        <p:style>
+          <a:lnRef idx="2">
+            <a:schemeClr val="accent1">
+              <a:shade val="50000"/>
+            </a:schemeClr>
+          </a:lnRef>
+          <a:fillRef idx="1">
+            <a:schemeClr val="accent1"/>
+          </a:fillRef>
+          <a:effectRef idx="0">
+            <a:schemeClr val="accent1"/>
+          </a:effectRef>
+          <a:fontRef idx="minor">
+            <a:schemeClr val="lt1"/>
+          </a:fontRef>
+        </p:style>
+        <p:txBody>
+          <a:bodyPr rtlCol="0" anchor="ctr"/>
+          <a:lstStyle/>
+          <a:p>
+            <a:pPr algn="ctr"/>
+            <a:r>
+              <a:rPr lang="en-US" altLang="zh-CN" dirty="0" err="1"/>
+              <a:t>Admin.h</a:t>
+            </a:r>
+            <a:r>
+              <a:rPr lang="en-US" altLang="zh-CN" dirty="0"/>
+              <a:t>/.</a:t>
+            </a:r>
+            <a:r>
+              <a:rPr lang="en-US" altLang="zh-CN" dirty="0" err="1"/>
+              <a:t>cpp</a:t>
+            </a:r>
+            <a:endParaRPr lang="zh-CN" altLang="en-US" dirty="0"/>
+          </a:p>
+        </p:txBody>
+      </p:sp>
+      <p:sp>
+        <p:nvSpPr>
+          <p:cNvPr id="7" name="矩形: 圆角 6">
+            <a:extLst>
+              <a:ext uri="{FF2B5EF4-FFF2-40B4-BE49-F238E27FC236}">
+                <a16:creationId xmlns:a16="http://schemas.microsoft.com/office/drawing/2014/main" id="{6CDF92F2-B77C-465C-8D0F-4F3692EE2418}"/>
+              </a:ext>
+            </a:extLst>
+          </p:cNvPr>
+          <p:cNvSpPr/>
+          <p:nvPr/>
+        </p:nvSpPr>
+        <p:spPr>
+          <a:xfrm>
+            <a:off x="8562474" y="2359589"/>
+            <a:ext cx="2117557" cy="795839"/>
+          </a:xfrm>
+          <a:prstGeom prst="roundRect">
+            <a:avLst/>
+          </a:prstGeom>
+        </p:spPr>
+        <p:style>
+          <a:lnRef idx="2">
+            <a:schemeClr val="accent1">
+              <a:shade val="50000"/>
+            </a:schemeClr>
+          </a:lnRef>
+          <a:fillRef idx="1">
+            <a:schemeClr val="accent1"/>
+          </a:fillRef>
+          <a:effectRef idx="0">
+            <a:schemeClr val="accent1"/>
+          </a:effectRef>
+          <a:fontRef idx="minor">
+            <a:schemeClr val="lt1"/>
+          </a:fontRef>
+        </p:style>
+        <p:txBody>
+          <a:bodyPr rtlCol="0" anchor="ctr"/>
+          <a:lstStyle/>
+          <a:p>
+            <a:pPr algn="ctr"/>
+            <a:r>
+              <a:rPr lang="en-US" altLang="zh-CN" dirty="0" err="1"/>
+              <a:t>Shop.h</a:t>
+            </a:r>
+            <a:r>
+              <a:rPr lang="en-US" altLang="zh-CN" dirty="0"/>
+              <a:t>/.</a:t>
+            </a:r>
+            <a:r>
+              <a:rPr lang="en-US" altLang="zh-CN" dirty="0" err="1"/>
+              <a:t>cpp</a:t>
+            </a:r>
+            <a:endParaRPr lang="zh-CN" altLang="en-US" dirty="0"/>
+          </a:p>
+        </p:txBody>
+      </p:sp>
+      <p:sp>
+        <p:nvSpPr>
+          <p:cNvPr id="8" name="矩形: 圆角 7">
+            <a:extLst>
+              <a:ext uri="{FF2B5EF4-FFF2-40B4-BE49-F238E27FC236}">
+                <a16:creationId xmlns:a16="http://schemas.microsoft.com/office/drawing/2014/main" id="{A43B576A-60CD-4279-AAD1-5485BBB9B47A}"/>
+              </a:ext>
+            </a:extLst>
+          </p:cNvPr>
+          <p:cNvSpPr/>
+          <p:nvPr/>
+        </p:nvSpPr>
+        <p:spPr>
+          <a:xfrm>
+            <a:off x="8795086" y="4296317"/>
+            <a:ext cx="2117557" cy="850232"/>
+          </a:xfrm>
+          <a:prstGeom prst="roundRect">
+            <a:avLst/>
+          </a:prstGeom>
+        </p:spPr>
+        <p:style>
+          <a:lnRef idx="2">
+            <a:schemeClr val="accent1">
+              <a:shade val="50000"/>
+            </a:schemeClr>
+          </a:lnRef>
+          <a:fillRef idx="1">
+            <a:schemeClr val="accent1"/>
+          </a:fillRef>
+          <a:effectRef idx="0">
+            <a:schemeClr val="accent1"/>
+          </a:effectRef>
+          <a:fontRef idx="minor">
+            <a:schemeClr val="lt1"/>
+          </a:fontRef>
+        </p:style>
+        <p:txBody>
+          <a:bodyPr rtlCol="0" anchor="ctr"/>
+          <a:lstStyle/>
+          <a:p>
+            <a:pPr algn="ctr"/>
+            <a:r>
+              <a:rPr lang="en-US" altLang="zh-CN" dirty="0" err="1"/>
+              <a:t>User.h</a:t>
+            </a:r>
+            <a:r>
+              <a:rPr lang="en-US" altLang="zh-CN" dirty="0"/>
+              <a:t>/.</a:t>
+            </a:r>
+            <a:r>
+              <a:rPr lang="en-US" altLang="zh-CN" dirty="0" err="1"/>
+              <a:t>cpp</a:t>
+            </a:r>
+            <a:endParaRPr lang="zh-CN" altLang="en-US" dirty="0"/>
+          </a:p>
+        </p:txBody>
+      </p:sp>
+      <p:cxnSp>
+        <p:nvCxnSpPr>
+          <p:cNvPr id="10" name="连接符: 曲线 9">
+            <a:extLst>
+              <a:ext uri="{FF2B5EF4-FFF2-40B4-BE49-F238E27FC236}">
+                <a16:creationId xmlns:a16="http://schemas.microsoft.com/office/drawing/2014/main" id="{223C6F10-F38F-43D3-AF90-477D2321D098}"/>
+              </a:ext>
+            </a:extLst>
+          </p:cNvPr>
+          <p:cNvCxnSpPr>
+            <a:cxnSpLocks/>
+            <a:stCxn id="5" idx="2"/>
+            <a:endCxn id="6" idx="0"/>
+          </p:cNvCxnSpPr>
+          <p:nvPr/>
+        </p:nvCxnSpPr>
+        <p:spPr>
+          <a:xfrm rot="5400000">
+            <a:off x="3701101" y="1777089"/>
+            <a:ext cx="911622" cy="4126835"/>
+          </a:xfrm>
+          <a:prstGeom prst="curvedConnector3">
+            <a:avLst>
+              <a:gd name="adj1" fmla="val 50000"/>
+            </a:avLst>
+          </a:prstGeom>
+          <a:ln>
+            <a:solidFill>
+              <a:schemeClr val="accent4">
+                <a:lumMod val="50000"/>
+              </a:schemeClr>
+            </a:solidFill>
+            <a:tailEnd type="triangle"/>
+          </a:ln>
+        </p:spPr>
+        <p:style>
+          <a:lnRef idx="1">
+            <a:schemeClr val="accent1"/>
+          </a:lnRef>
+          <a:fillRef idx="0">
+            <a:schemeClr val="accent1"/>
+          </a:fillRef>
+          <a:effectRef idx="0">
+            <a:schemeClr val="accent1"/>
+          </a:effectRef>
+          <a:fontRef idx="minor">
+            <a:schemeClr val="tx1"/>
+          </a:fontRef>
+        </p:style>
+      </p:cxnSp>
+      <p:cxnSp>
+        <p:nvCxnSpPr>
+          <p:cNvPr id="16" name="连接符: 曲线 15">
+            <a:extLst>
+              <a:ext uri="{FF2B5EF4-FFF2-40B4-BE49-F238E27FC236}">
+                <a16:creationId xmlns:a16="http://schemas.microsoft.com/office/drawing/2014/main" id="{EEDC4E21-B34B-4B1D-80C9-D5D26784D09E}"/>
+              </a:ext>
+            </a:extLst>
+          </p:cNvPr>
+          <p:cNvCxnSpPr>
+            <a:stCxn id="5" idx="2"/>
+            <a:endCxn id="8" idx="0"/>
+          </p:cNvCxnSpPr>
+          <p:nvPr/>
+        </p:nvCxnSpPr>
+        <p:spPr>
+          <a:xfrm rot="16200000" flipH="1">
+            <a:off x="7581286" y="2023738"/>
+            <a:ext cx="911622" cy="3633536"/>
+          </a:xfrm>
+          <a:prstGeom prst="curvedConnector3">
+            <a:avLst>
+              <a:gd name="adj1" fmla="val 50000"/>
+            </a:avLst>
+          </a:prstGeom>
+          <a:ln>
+            <a:solidFill>
+              <a:schemeClr val="accent4">
+                <a:lumMod val="50000"/>
+              </a:schemeClr>
+            </a:solidFill>
+            <a:tailEnd type="triangle"/>
+          </a:ln>
+        </p:spPr>
+        <p:style>
+          <a:lnRef idx="1">
+            <a:schemeClr val="accent1"/>
+          </a:lnRef>
+          <a:fillRef idx="0">
+            <a:schemeClr val="accent1"/>
+          </a:fillRef>
+          <a:effectRef idx="0">
+            <a:schemeClr val="accent1"/>
+          </a:effectRef>
+          <a:fontRef idx="minor">
+            <a:schemeClr val="tx1"/>
+          </a:fontRef>
+        </p:style>
+      </p:cxnSp>
+      <p:cxnSp>
+        <p:nvCxnSpPr>
+          <p:cNvPr id="19" name="连接符: 曲线 18">
+            <a:extLst>
+              <a:ext uri="{FF2B5EF4-FFF2-40B4-BE49-F238E27FC236}">
+                <a16:creationId xmlns:a16="http://schemas.microsoft.com/office/drawing/2014/main" id="{D44BCE74-77DA-4E4A-ABC1-3F51875C8902}"/>
+              </a:ext>
+            </a:extLst>
+          </p:cNvPr>
+          <p:cNvCxnSpPr>
+            <a:stCxn id="5" idx="2"/>
+            <a:endCxn id="7" idx="0"/>
+          </p:cNvCxnSpPr>
+          <p:nvPr/>
+        </p:nvCxnSpPr>
+        <p:spPr>
+          <a:xfrm rot="5400000" flipH="1" flipV="1">
+            <a:off x="7408238" y="1171680"/>
+            <a:ext cx="1025106" cy="3400924"/>
+          </a:xfrm>
+          <a:prstGeom prst="curvedConnector5">
+            <a:avLst>
+              <a:gd name="adj1" fmla="val -22300"/>
+              <a:gd name="adj2" fmla="val 50000"/>
+              <a:gd name="adj3" fmla="val 122300"/>
+            </a:avLst>
+          </a:prstGeom>
+          <a:ln>
+            <a:solidFill>
+              <a:schemeClr val="accent4">
+                <a:lumMod val="50000"/>
+              </a:schemeClr>
+            </a:solidFill>
+            <a:tailEnd type="triangle"/>
+          </a:ln>
+        </p:spPr>
+        <p:style>
+          <a:lnRef idx="1">
+            <a:schemeClr val="accent1"/>
+          </a:lnRef>
+          <a:fillRef idx="0">
+            <a:schemeClr val="accent1"/>
+          </a:fillRef>
+          <a:effectRef idx="0">
+            <a:schemeClr val="accent1"/>
+          </a:effectRef>
+          <a:fontRef idx="minor">
+            <a:schemeClr val="tx1"/>
+          </a:fontRef>
+        </p:style>
+      </p:cxnSp>
+      <p:cxnSp>
+        <p:nvCxnSpPr>
+          <p:cNvPr id="21" name="连接符: 曲线 20">
+            <a:extLst>
+              <a:ext uri="{FF2B5EF4-FFF2-40B4-BE49-F238E27FC236}">
+                <a16:creationId xmlns:a16="http://schemas.microsoft.com/office/drawing/2014/main" id="{7AE62848-72D3-4179-B578-9F736BC5803D}"/>
+              </a:ext>
+            </a:extLst>
+          </p:cNvPr>
+          <p:cNvCxnSpPr>
+            <a:cxnSpLocks/>
+            <a:stCxn id="8" idx="1"/>
+            <a:endCxn id="6" idx="3"/>
+          </p:cNvCxnSpPr>
+          <p:nvPr/>
+        </p:nvCxnSpPr>
+        <p:spPr>
+          <a:xfrm rot="10800000" flipV="1">
+            <a:off x="3192378" y="4721432"/>
+            <a:ext cx="5602708" cy="24063"/>
+          </a:xfrm>
+          <a:prstGeom prst="curvedConnector3">
+            <a:avLst>
+              <a:gd name="adj1" fmla="val 50000"/>
+            </a:avLst>
+          </a:prstGeom>
+          <a:ln>
+            <a:solidFill>
+              <a:schemeClr val="accent4">
+                <a:lumMod val="50000"/>
+              </a:schemeClr>
+            </a:solidFill>
+            <a:tailEnd type="triangle"/>
+          </a:ln>
+        </p:spPr>
+        <p:style>
+          <a:lnRef idx="1">
+            <a:schemeClr val="accent1"/>
+          </a:lnRef>
+          <a:fillRef idx="0">
+            <a:schemeClr val="accent1"/>
+          </a:fillRef>
+          <a:effectRef idx="0">
+            <a:schemeClr val="accent1"/>
+          </a:effectRef>
+          <a:fontRef idx="minor">
+            <a:schemeClr val="tx1"/>
+          </a:fontRef>
+        </p:style>
+      </p:cxnSp>
+      <p:cxnSp>
+        <p:nvCxnSpPr>
+          <p:cNvPr id="23" name="连接符: 曲线 22">
+            <a:extLst>
+              <a:ext uri="{FF2B5EF4-FFF2-40B4-BE49-F238E27FC236}">
+                <a16:creationId xmlns:a16="http://schemas.microsoft.com/office/drawing/2014/main" id="{37946CFB-5404-4CAB-8E85-728B2DAD6468}"/>
+              </a:ext>
+            </a:extLst>
+          </p:cNvPr>
+          <p:cNvCxnSpPr>
+            <a:cxnSpLocks/>
+            <a:stCxn id="7" idx="3"/>
+            <a:endCxn id="8" idx="1"/>
+          </p:cNvCxnSpPr>
+          <p:nvPr/>
+        </p:nvCxnSpPr>
+        <p:spPr>
+          <a:xfrm flipH="1">
+            <a:off x="8795086" y="2757509"/>
+            <a:ext cx="1884945" cy="1963924"/>
+          </a:xfrm>
+          <a:prstGeom prst="curvedConnector5">
+            <a:avLst>
+              <a:gd name="adj1" fmla="val -12128"/>
+              <a:gd name="adj2" fmla="val 49308"/>
+              <a:gd name="adj3" fmla="val 112128"/>
+            </a:avLst>
+          </a:prstGeom>
+          <a:ln>
+            <a:solidFill>
+              <a:schemeClr val="accent4">
+                <a:lumMod val="50000"/>
+              </a:schemeClr>
+            </a:solidFill>
+            <a:tailEnd type="triangle"/>
+          </a:ln>
+        </p:spPr>
+        <p:style>
+          <a:lnRef idx="1">
+            <a:schemeClr val="accent1"/>
+          </a:lnRef>
+          <a:fillRef idx="0">
+            <a:schemeClr val="accent1"/>
+          </a:fillRef>
+          <a:effectRef idx="0">
+            <a:schemeClr val="accent1"/>
+          </a:effectRef>
+          <a:fontRef idx="minor">
+            <a:schemeClr val="tx1"/>
+          </a:fontRef>
+        </p:style>
+      </p:cxnSp>
+      <p:cxnSp>
+        <p:nvCxnSpPr>
+          <p:cNvPr id="62" name="连接符: 曲线 61">
+            <a:extLst>
+              <a:ext uri="{FF2B5EF4-FFF2-40B4-BE49-F238E27FC236}">
+                <a16:creationId xmlns:a16="http://schemas.microsoft.com/office/drawing/2014/main" id="{FC11E138-5AE1-483D-99F1-467B0DD542CC}"/>
+              </a:ext>
+            </a:extLst>
+          </p:cNvPr>
+          <p:cNvCxnSpPr>
+            <a:stCxn id="8" idx="2"/>
+            <a:endCxn id="4" idx="0"/>
+          </p:cNvCxnSpPr>
+          <p:nvPr/>
+        </p:nvCxnSpPr>
+        <p:spPr>
+          <a:xfrm rot="5400000">
+            <a:off x="7591051" y="3142163"/>
+            <a:ext cx="258429" cy="4267201"/>
+          </a:xfrm>
+          <a:prstGeom prst="curvedConnector3">
+            <a:avLst/>
+          </a:prstGeom>
+          <a:ln>
+            <a:solidFill>
+              <a:schemeClr val="accent2">
+                <a:lumMod val="50000"/>
+              </a:schemeClr>
+            </a:solidFill>
+            <a:tailEnd type="triangle"/>
+          </a:ln>
+        </p:spPr>
+        <p:style>
+          <a:lnRef idx="1">
+            <a:schemeClr val="accent1"/>
+          </a:lnRef>
+          <a:fillRef idx="0">
+            <a:schemeClr val="accent1"/>
+          </a:fillRef>
+          <a:effectRef idx="0">
+            <a:schemeClr val="accent1"/>
+          </a:effectRef>
+          <a:fontRef idx="minor">
+            <a:schemeClr val="tx1"/>
+          </a:fontRef>
+        </p:style>
+      </p:cxnSp>
+      <p:cxnSp>
+        <p:nvCxnSpPr>
+          <p:cNvPr id="64" name="连接符: 曲线 63">
+            <a:extLst>
+              <a:ext uri="{FF2B5EF4-FFF2-40B4-BE49-F238E27FC236}">
+                <a16:creationId xmlns:a16="http://schemas.microsoft.com/office/drawing/2014/main" id="{AFE68976-9D70-4F49-9E42-74A0A93D6303}"/>
+              </a:ext>
+            </a:extLst>
+          </p:cNvPr>
+          <p:cNvCxnSpPr>
+            <a:stCxn id="6" idx="2"/>
+            <a:endCxn id="4" idx="0"/>
+          </p:cNvCxnSpPr>
+          <p:nvPr/>
+        </p:nvCxnSpPr>
+        <p:spPr>
+          <a:xfrm rot="16200000" flipH="1">
+            <a:off x="3734928" y="3553241"/>
+            <a:ext cx="210303" cy="3493170"/>
+          </a:xfrm>
+          <a:prstGeom prst="curvedConnector3">
+            <a:avLst/>
+          </a:prstGeom>
+          <a:ln>
+            <a:solidFill>
+              <a:schemeClr val="accent4">
+                <a:lumMod val="50000"/>
+              </a:schemeClr>
+            </a:solidFill>
+            <a:tailEnd type="triangle"/>
+          </a:ln>
+        </p:spPr>
+        <p:style>
+          <a:lnRef idx="1">
+            <a:schemeClr val="accent1"/>
+          </a:lnRef>
+          <a:fillRef idx="0">
+            <a:schemeClr val="accent1"/>
+          </a:fillRef>
+          <a:effectRef idx="0">
+            <a:schemeClr val="accent1"/>
+          </a:effectRef>
+          <a:fontRef idx="minor">
+            <a:schemeClr val="tx1"/>
+          </a:fontRef>
+        </p:style>
+      </p:cxnSp>
+      <p:sp>
+        <p:nvSpPr>
+          <p:cNvPr id="89" name="箭头: 直角上 88">
+            <a:extLst>
+              <a:ext uri="{FF2B5EF4-FFF2-40B4-BE49-F238E27FC236}">
+                <a16:creationId xmlns:a16="http://schemas.microsoft.com/office/drawing/2014/main" id="{E1A7D576-6A37-425C-AC93-61D3B46ACBD3}"/>
+              </a:ext>
+            </a:extLst>
+          </p:cNvPr>
+          <p:cNvSpPr/>
+          <p:nvPr/>
+        </p:nvSpPr>
+        <p:spPr>
+          <a:xfrm rot="16200000">
+            <a:off x="6693474" y="2264642"/>
+            <a:ext cx="525378" cy="621443"/>
+          </a:xfrm>
+          <a:prstGeom prst="bentUpArrow">
+            <a:avLst>
+              <a:gd name="adj1" fmla="val 28053"/>
+              <a:gd name="adj2" fmla="val 25000"/>
+              <a:gd name="adj3" fmla="val 50000"/>
+            </a:avLst>
+          </a:prstGeom>
+        </p:spPr>
+        <p:style>
+          <a:lnRef idx="2">
+            <a:schemeClr val="accent1">
+              <a:shade val="50000"/>
+            </a:schemeClr>
+          </a:lnRef>
+          <a:fillRef idx="1">
+            <a:schemeClr val="accent1"/>
+          </a:fillRef>
+          <a:effectRef idx="0">
+            <a:schemeClr val="accent1"/>
+          </a:effectRef>
+          <a:fontRef idx="minor">
+            <a:schemeClr val="lt1"/>
+          </a:fontRef>
+        </p:style>
+        <p:txBody>
+          <a:bodyPr rtlCol="0" anchor="ctr"/>
+          <a:lstStyle/>
+          <a:p>
+            <a:pPr algn="ctr"/>
             <a:endParaRPr lang="zh-CN" altLang="en-US"/>
           </a:p>
         </p:txBody>
       </p:sp>
       <p:sp>
         <p:nvSpPr>
-          <p:cNvPr id="3" name="内容占位符 2">
-            <a:extLst>
-              <a:ext uri="{FF2B5EF4-FFF2-40B4-BE49-F238E27FC236}">
-                <a16:creationId xmlns:a16="http://schemas.microsoft.com/office/drawing/2014/main" id="{73053E98-94AE-43EC-9E10-00A8D91A01D6}"/>
-              </a:ext>
-            </a:extLst>
-          </p:cNvPr>
-          <p:cNvSpPr>
-            <a:spLocks noGrp="1"/>
-          </p:cNvSpPr>
-          <p:nvPr>
-            <p:ph idx="1"/>
-          </p:nvPr>
-        </p:nvSpPr>
-        <p:spPr/>
-        <p:txBody>
-          <a:bodyPr/>
-          <a:lstStyle/>
-          <a:p>
-            <a:endParaRPr lang="zh-CN" altLang="en-US"/>
+          <p:cNvPr id="90" name="矩形 89">
+            <a:extLst>
+              <a:ext uri="{FF2B5EF4-FFF2-40B4-BE49-F238E27FC236}">
+                <a16:creationId xmlns:a16="http://schemas.microsoft.com/office/drawing/2014/main" id="{22B3392E-BE4B-46AC-B5F5-F25ED40A0BB9}"/>
+              </a:ext>
+            </a:extLst>
+          </p:cNvPr>
+          <p:cNvSpPr/>
+          <p:nvPr/>
+        </p:nvSpPr>
+        <p:spPr>
+          <a:xfrm>
+            <a:off x="5546560" y="1306715"/>
+            <a:ext cx="1086659" cy="1227747"/>
+          </a:xfrm>
+          <a:prstGeom prst="rect">
+            <a:avLst/>
+          </a:prstGeom>
+        </p:spPr>
+        <p:style>
+          <a:lnRef idx="2">
+            <a:schemeClr val="accent1">
+              <a:shade val="50000"/>
+            </a:schemeClr>
+          </a:lnRef>
+          <a:fillRef idx="1">
+            <a:schemeClr val="accent1"/>
+          </a:fillRef>
+          <a:effectRef idx="0">
+            <a:schemeClr val="accent1"/>
+          </a:effectRef>
+          <a:fontRef idx="minor">
+            <a:schemeClr val="lt1"/>
+          </a:fontRef>
+        </p:style>
+        <p:txBody>
+          <a:bodyPr rtlCol="0" anchor="ctr"/>
+          <a:lstStyle/>
+          <a:p>
+            <a:pPr algn="ctr"/>
+            <a:r>
+              <a:rPr lang="zh-CN" altLang="en-US" dirty="0"/>
+              <a:t>前面数据结构</a:t>
+            </a:r>
           </a:p>
         </p:txBody>
       </p:sp>
@@ -4430,6 +5924,108 @@
     <p:extLst>
       <p:ext uri="{BB962C8B-B14F-4D97-AF65-F5344CB8AC3E}">
         <p14:creationId xmlns:p14="http://schemas.microsoft.com/office/powerpoint/2010/main" val="1180483237"/>
+      </p:ext>
+    </p:extLst>
+  </p:cSld>
+  <p:clrMapOvr>
+    <a:masterClrMapping/>
+  </p:clrMapOvr>
+</p:sld>
+</file>
+
+<file path=ppt/slides/slide9.xml><?xml version="1.0" encoding="utf-8"?>
+<p:sld xmlns:a="http://schemas.openxmlformats.org/drawingml/2006/main" xmlns:r="http://schemas.openxmlformats.org/officeDocument/2006/relationships" xmlns:p="http://schemas.openxmlformats.org/presentationml/2006/main">
+  <p:cSld>
+    <p:spTree>
+      <p:nvGrpSpPr>
+        <p:cNvPr id="1" name=""/>
+        <p:cNvGrpSpPr/>
+        <p:nvPr/>
+      </p:nvGrpSpPr>
+      <p:grpSpPr>
+        <a:xfrm>
+          <a:off x="0" y="0"/>
+          <a:ext cx="0" cy="0"/>
+          <a:chOff x="0" y="0"/>
+          <a:chExt cx="0" cy="0"/>
+        </a:xfrm>
+      </p:grpSpPr>
+      <p:sp>
+        <p:nvSpPr>
+          <p:cNvPr id="2" name="标题 1">
+            <a:extLst>
+              <a:ext uri="{FF2B5EF4-FFF2-40B4-BE49-F238E27FC236}">
+                <a16:creationId xmlns:a16="http://schemas.microsoft.com/office/drawing/2014/main" id="{7A103EA6-3451-4B6C-9797-F20CCB7CFB9A}"/>
+              </a:ext>
+            </a:extLst>
+          </p:cNvPr>
+          <p:cNvSpPr>
+            <a:spLocks noGrp="1"/>
+          </p:cNvSpPr>
+          <p:nvPr>
+            <p:ph type="title"/>
+          </p:nvPr>
+        </p:nvSpPr>
+        <p:spPr/>
+        <p:txBody>
+          <a:bodyPr/>
+          <a:lstStyle/>
+          <a:p>
+            <a:r>
+              <a:rPr lang="en-US" altLang="zh-CN" dirty="0" err="1"/>
+              <a:t>User.h</a:t>
+            </a:r>
+            <a:r>
+              <a:rPr lang="en-US" altLang="zh-CN" dirty="0"/>
+              <a:t>/.</a:t>
+            </a:r>
+            <a:r>
+              <a:rPr lang="en-US" altLang="zh-CN" dirty="0" err="1"/>
+              <a:t>cpp</a:t>
+            </a:r>
+            <a:endParaRPr lang="zh-CN" altLang="en-US" dirty="0"/>
+          </a:p>
+        </p:txBody>
+      </p:sp>
+      <p:pic>
+        <p:nvPicPr>
+          <p:cNvPr id="9" name="内容占位符 8">
+            <a:extLst>
+              <a:ext uri="{FF2B5EF4-FFF2-40B4-BE49-F238E27FC236}">
+                <a16:creationId xmlns:a16="http://schemas.microsoft.com/office/drawing/2014/main" id="{3F89A3B6-6EBB-4D2F-BDB4-654234F7A7E7}"/>
+              </a:ext>
+            </a:extLst>
+          </p:cNvPr>
+          <p:cNvPicPr>
+            <a:picLocks noGrp="1" noChangeAspect="1"/>
+          </p:cNvPicPr>
+          <p:nvPr>
+            <p:ph idx="1"/>
+          </p:nvPr>
+        </p:nvPicPr>
+        <p:blipFill>
+          <a:blip r:embed="rId2">
+            <a:extLst>
+              <a:ext uri="{28A0092B-C50C-407E-A947-70E740481C1C}">
+                <a14:useLocalDpi xmlns:a14="http://schemas.microsoft.com/office/drawing/2010/main" val="0"/>
+              </a:ext>
+            </a:extLst>
+          </a:blip>
+          <a:stretch>
+            <a:fillRect/>
+          </a:stretch>
+        </p:blipFill>
+        <p:spPr>
+          <a:xfrm>
+            <a:off x="964722" y="1408374"/>
+            <a:ext cx="7593352" cy="5154924"/>
+          </a:xfrm>
+        </p:spPr>
+      </p:pic>
+    </p:spTree>
+    <p:extLst>
+      <p:ext uri="{BB962C8B-B14F-4D97-AF65-F5344CB8AC3E}">
+        <p14:creationId xmlns:p14="http://schemas.microsoft.com/office/powerpoint/2010/main" val="444168247"/>
       </p:ext>
     </p:extLst>
   </p:cSld>

--- a/大一下/protect1/docs/project1设计.pptx
+++ b/大一下/protect1/docs/project1设计.pptx
@@ -11,16 +11,23 @@
     <p:sldId id="258" r:id="rId5"/>
     <p:sldId id="260" r:id="rId6"/>
     <p:sldId id="261" r:id="rId7"/>
-    <p:sldId id="262" r:id="rId8"/>
-    <p:sldId id="263" r:id="rId9"/>
-    <p:sldId id="264" r:id="rId10"/>
-    <p:sldId id="265" r:id="rId11"/>
-    <p:sldId id="266" r:id="rId12"/>
-    <p:sldId id="267" r:id="rId13"/>
-    <p:sldId id="268" r:id="rId14"/>
-    <p:sldId id="269" r:id="rId15"/>
-    <p:sldId id="270" r:id="rId16"/>
-    <p:sldId id="271" r:id="rId17"/>
+    <p:sldId id="272" r:id="rId8"/>
+    <p:sldId id="262" r:id="rId9"/>
+    <p:sldId id="263" r:id="rId10"/>
+    <p:sldId id="273" r:id="rId11"/>
+    <p:sldId id="264" r:id="rId12"/>
+    <p:sldId id="265" r:id="rId13"/>
+    <p:sldId id="266" r:id="rId14"/>
+    <p:sldId id="267" r:id="rId15"/>
+    <p:sldId id="268" r:id="rId16"/>
+    <p:sldId id="269" r:id="rId17"/>
+    <p:sldId id="270" r:id="rId18"/>
+    <p:sldId id="271" r:id="rId19"/>
+    <p:sldId id="274" r:id="rId20"/>
+    <p:sldId id="275" r:id="rId21"/>
+    <p:sldId id="277" r:id="rId22"/>
+    <p:sldId id="278" r:id="rId23"/>
+    <p:sldId id="276" r:id="rId24"/>
   </p:sldIdLst>
   <p:sldSz cx="12192000" cy="6858000"/>
   <p:notesSz cx="6858000" cy="9144000"/>
@@ -130,8 +137,10 @@
             <p14:sldId id="258"/>
             <p14:sldId id="260"/>
             <p14:sldId id="261"/>
+            <p14:sldId id="272"/>
             <p14:sldId id="262"/>
             <p14:sldId id="263"/>
+            <p14:sldId id="273"/>
             <p14:sldId id="264"/>
             <p14:sldId id="265"/>
             <p14:sldId id="266"/>
@@ -140,6 +149,11 @@
             <p14:sldId id="269"/>
             <p14:sldId id="270"/>
             <p14:sldId id="271"/>
+            <p14:sldId id="274"/>
+            <p14:sldId id="275"/>
+            <p14:sldId id="277"/>
+            <p14:sldId id="278"/>
+            <p14:sldId id="276"/>
           </p14:sldIdLst>
         </p14:section>
       </p14:sectionLst>
@@ -298,7 +312,7 @@
           <a:p>
             <a:fld id="{6F8295FB-3C4E-4FC6-9745-0AF6601FFA31}" type="datetimeFigureOut">
               <a:rPr lang="zh-CN" altLang="en-US" smtClean="0"/>
-              <a:t>2018/4/2</a:t>
+              <a:t>2018/4/18</a:t>
             </a:fld>
             <a:endParaRPr lang="zh-CN" altLang="en-US"/>
           </a:p>
@@ -496,7 +510,7 @@
           <a:p>
             <a:fld id="{6F8295FB-3C4E-4FC6-9745-0AF6601FFA31}" type="datetimeFigureOut">
               <a:rPr lang="zh-CN" altLang="en-US" smtClean="0"/>
-              <a:t>2018/4/2</a:t>
+              <a:t>2018/4/18</a:t>
             </a:fld>
             <a:endParaRPr lang="zh-CN" altLang="en-US"/>
           </a:p>
@@ -704,7 +718,7 @@
           <a:p>
             <a:fld id="{6F8295FB-3C4E-4FC6-9745-0AF6601FFA31}" type="datetimeFigureOut">
               <a:rPr lang="zh-CN" altLang="en-US" smtClean="0"/>
-              <a:t>2018/4/2</a:t>
+              <a:t>2018/4/18</a:t>
             </a:fld>
             <a:endParaRPr lang="zh-CN" altLang="en-US"/>
           </a:p>
@@ -902,7 +916,7 @@
           <a:p>
             <a:fld id="{6F8295FB-3C4E-4FC6-9745-0AF6601FFA31}" type="datetimeFigureOut">
               <a:rPr lang="zh-CN" altLang="en-US" smtClean="0"/>
-              <a:t>2018/4/2</a:t>
+              <a:t>2018/4/18</a:t>
             </a:fld>
             <a:endParaRPr lang="zh-CN" altLang="en-US"/>
           </a:p>
@@ -1177,7 +1191,7 @@
           <a:p>
             <a:fld id="{6F8295FB-3C4E-4FC6-9745-0AF6601FFA31}" type="datetimeFigureOut">
               <a:rPr lang="zh-CN" altLang="en-US" smtClean="0"/>
-              <a:t>2018/4/2</a:t>
+              <a:t>2018/4/18</a:t>
             </a:fld>
             <a:endParaRPr lang="zh-CN" altLang="en-US"/>
           </a:p>
@@ -1442,7 +1456,7 @@
           <a:p>
             <a:fld id="{6F8295FB-3C4E-4FC6-9745-0AF6601FFA31}" type="datetimeFigureOut">
               <a:rPr lang="zh-CN" altLang="en-US" smtClean="0"/>
-              <a:t>2018/4/2</a:t>
+              <a:t>2018/4/18</a:t>
             </a:fld>
             <a:endParaRPr lang="zh-CN" altLang="en-US"/>
           </a:p>
@@ -1854,7 +1868,7 @@
           <a:p>
             <a:fld id="{6F8295FB-3C4E-4FC6-9745-0AF6601FFA31}" type="datetimeFigureOut">
               <a:rPr lang="zh-CN" altLang="en-US" smtClean="0"/>
-              <a:t>2018/4/2</a:t>
+              <a:t>2018/4/18</a:t>
             </a:fld>
             <a:endParaRPr lang="zh-CN" altLang="en-US"/>
           </a:p>
@@ -1995,7 +2009,7 @@
           <a:p>
             <a:fld id="{6F8295FB-3C4E-4FC6-9745-0AF6601FFA31}" type="datetimeFigureOut">
               <a:rPr lang="zh-CN" altLang="en-US" smtClean="0"/>
-              <a:t>2018/4/2</a:t>
+              <a:t>2018/4/18</a:t>
             </a:fld>
             <a:endParaRPr lang="zh-CN" altLang="en-US"/>
           </a:p>
@@ -2108,7 +2122,7 @@
           <a:p>
             <a:fld id="{6F8295FB-3C4E-4FC6-9745-0AF6601FFA31}" type="datetimeFigureOut">
               <a:rPr lang="zh-CN" altLang="en-US" smtClean="0"/>
-              <a:t>2018/4/2</a:t>
+              <a:t>2018/4/18</a:t>
             </a:fld>
             <a:endParaRPr lang="zh-CN" altLang="en-US"/>
           </a:p>
@@ -2419,7 +2433,7 @@
           <a:p>
             <a:fld id="{6F8295FB-3C4E-4FC6-9745-0AF6601FFA31}" type="datetimeFigureOut">
               <a:rPr lang="zh-CN" altLang="en-US" smtClean="0"/>
-              <a:t>2018/4/2</a:t>
+              <a:t>2018/4/18</a:t>
             </a:fld>
             <a:endParaRPr lang="zh-CN" altLang="en-US"/>
           </a:p>
@@ -2707,7 +2721,7 @@
           <a:p>
             <a:fld id="{6F8295FB-3C4E-4FC6-9745-0AF6601FFA31}" type="datetimeFigureOut">
               <a:rPr lang="zh-CN" altLang="en-US" smtClean="0"/>
-              <a:t>2018/4/2</a:t>
+              <a:t>2018/4/18</a:t>
             </a:fld>
             <a:endParaRPr lang="zh-CN" altLang="en-US"/>
           </a:p>
@@ -2953,7 +2967,7 @@
           <a:p>
             <a:fld id="{6F8295FB-3C4E-4FC6-9745-0AF6601FFA31}" type="datetimeFigureOut">
               <a:rPr lang="zh-CN" altLang="en-US" smtClean="0"/>
-              <a:t>2018/4/2</a:t>
+              <a:t>2018/4/18</a:t>
             </a:fld>
             <a:endParaRPr lang="zh-CN" altLang="en-US"/>
           </a:p>
@@ -3472,7 +3486,7 @@
           <p:cNvPr id="2" name="标题 1">
             <a:extLst>
               <a:ext uri="{FF2B5EF4-FFF2-40B4-BE49-F238E27FC236}">
-                <a16:creationId xmlns:a16="http://schemas.microsoft.com/office/drawing/2014/main" id="{3C6BBBAC-EF5B-4CE3-89C2-AFE5F6DC5DD0}"/>
+                <a16:creationId xmlns:a16="http://schemas.microsoft.com/office/drawing/2014/main" id="{954F4787-C4D9-4441-8222-E561E7988CFD}"/>
               </a:ext>
             </a:extLst>
           </p:cNvPr>
@@ -3489,27 +3503,22 @@
           <a:lstStyle/>
           <a:p>
             <a:r>
-              <a:rPr lang="en-US" altLang="zh-CN" dirty="0" err="1"/>
-              <a:t>Admin.h</a:t>
-            </a:r>
-            <a:r>
               <a:rPr lang="en-US" altLang="zh-CN" dirty="0"/>
-              <a:t>/.</a:t>
-            </a:r>
-            <a:r>
-              <a:rPr lang="en-US" altLang="zh-CN" dirty="0" err="1"/>
-              <a:t>cpp</a:t>
-            </a:r>
-            <a:endParaRPr lang="zh-CN" altLang="en-US" dirty="0"/>
+              <a:t>UI</a:t>
+            </a:r>
+            <a:r>
+              <a:rPr lang="zh-CN" altLang="en-US" dirty="0"/>
+              <a:t>模块设计</a:t>
+            </a:r>
           </a:p>
         </p:txBody>
       </p:sp>
       <p:pic>
         <p:nvPicPr>
-          <p:cNvPr id="9" name="内容占位符 8">
-            <a:extLst>
-              <a:ext uri="{FF2B5EF4-FFF2-40B4-BE49-F238E27FC236}">
-                <a16:creationId xmlns:a16="http://schemas.microsoft.com/office/drawing/2014/main" id="{F2E1F651-85D4-4C97-A97E-1D9E05688EDF}"/>
+          <p:cNvPr id="5" name="内容占位符 4">
+            <a:extLst>
+              <a:ext uri="{FF2B5EF4-FFF2-40B4-BE49-F238E27FC236}">
+                <a16:creationId xmlns:a16="http://schemas.microsoft.com/office/drawing/2014/main" id="{AFB073A4-1037-4DA0-89D4-6BD9D02B6975}"/>
               </a:ext>
             </a:extLst>
           </p:cNvPr>
@@ -3534,15 +3543,932 @@
         </p:blipFill>
         <p:spPr>
           <a:xfrm>
-            <a:off x="838200" y="1601595"/>
-            <a:ext cx="7245653" cy="2881312"/>
+            <a:off x="987420" y="1541540"/>
+            <a:ext cx="2235174" cy="4828732"/>
           </a:xfrm>
         </p:spPr>
       </p:pic>
+      <p:sp>
+        <p:nvSpPr>
+          <p:cNvPr id="6" name="矩形: 圆角 5">
+            <a:extLst>
+              <a:ext uri="{FF2B5EF4-FFF2-40B4-BE49-F238E27FC236}">
+                <a16:creationId xmlns:a16="http://schemas.microsoft.com/office/drawing/2014/main" id="{44A87B24-301E-459C-A59C-58D99AC9C2B9}"/>
+              </a:ext>
+            </a:extLst>
+          </p:cNvPr>
+          <p:cNvSpPr/>
+          <p:nvPr/>
+        </p:nvSpPr>
+        <p:spPr>
+          <a:xfrm>
+            <a:off x="4172506" y="761576"/>
+            <a:ext cx="1775534" cy="532660"/>
+          </a:xfrm>
+          <a:prstGeom prst="roundRect">
+            <a:avLst/>
+          </a:prstGeom>
+        </p:spPr>
+        <p:style>
+          <a:lnRef idx="2">
+            <a:schemeClr val="accent1">
+              <a:shade val="50000"/>
+            </a:schemeClr>
+          </a:lnRef>
+          <a:fillRef idx="1">
+            <a:schemeClr val="accent1"/>
+          </a:fillRef>
+          <a:effectRef idx="0">
+            <a:schemeClr val="accent1"/>
+          </a:effectRef>
+          <a:fontRef idx="minor">
+            <a:schemeClr val="lt1"/>
+          </a:fontRef>
+        </p:style>
+        <p:txBody>
+          <a:bodyPr rtlCol="0" anchor="ctr"/>
+          <a:lstStyle/>
+          <a:p>
+            <a:pPr algn="ctr"/>
+            <a:r>
+              <a:rPr lang="en-US" altLang="zh-CN" dirty="0"/>
+              <a:t>Main.cpp</a:t>
+            </a:r>
+          </a:p>
+        </p:txBody>
+      </p:sp>
+      <p:sp>
+        <p:nvSpPr>
+          <p:cNvPr id="7" name="矩形: 圆角 6">
+            <a:extLst>
+              <a:ext uri="{FF2B5EF4-FFF2-40B4-BE49-F238E27FC236}">
+                <a16:creationId xmlns:a16="http://schemas.microsoft.com/office/drawing/2014/main" id="{ADCFE614-5D25-4A30-AA0A-D007E21075B1}"/>
+              </a:ext>
+            </a:extLst>
+          </p:cNvPr>
+          <p:cNvSpPr/>
+          <p:nvPr/>
+        </p:nvSpPr>
+        <p:spPr>
+          <a:xfrm>
+            <a:off x="6991165" y="705135"/>
+            <a:ext cx="2015232" cy="648070"/>
+          </a:xfrm>
+          <a:prstGeom prst="roundRect">
+            <a:avLst/>
+          </a:prstGeom>
+        </p:spPr>
+        <p:style>
+          <a:lnRef idx="2">
+            <a:schemeClr val="accent1">
+              <a:shade val="50000"/>
+            </a:schemeClr>
+          </a:lnRef>
+          <a:fillRef idx="1">
+            <a:schemeClr val="accent1"/>
+          </a:fillRef>
+          <a:effectRef idx="0">
+            <a:schemeClr val="accent1"/>
+          </a:effectRef>
+          <a:fontRef idx="minor">
+            <a:schemeClr val="lt1"/>
+          </a:fontRef>
+        </p:style>
+        <p:txBody>
+          <a:bodyPr rtlCol="0" anchor="ctr"/>
+          <a:lstStyle/>
+          <a:p>
+            <a:pPr algn="ctr"/>
+            <a:r>
+              <a:rPr lang="en-US" altLang="zh-CN" dirty="0"/>
+              <a:t>Qtproject1.h/</a:t>
+            </a:r>
+            <a:r>
+              <a:rPr lang="en-US" altLang="zh-CN" dirty="0" err="1"/>
+              <a:t>cpp</a:t>
+            </a:r>
+            <a:endParaRPr lang="zh-CN" altLang="en-US" dirty="0"/>
+          </a:p>
+        </p:txBody>
+      </p:sp>
+      <p:sp>
+        <p:nvSpPr>
+          <p:cNvPr id="8" name="矩形: 圆角 7">
+            <a:extLst>
+              <a:ext uri="{FF2B5EF4-FFF2-40B4-BE49-F238E27FC236}">
+                <a16:creationId xmlns:a16="http://schemas.microsoft.com/office/drawing/2014/main" id="{DCEDBFC0-706F-40D0-88C8-08ADD9AF9633}"/>
+              </a:ext>
+            </a:extLst>
+          </p:cNvPr>
+          <p:cNvSpPr/>
+          <p:nvPr/>
+        </p:nvSpPr>
+        <p:spPr>
+          <a:xfrm>
+            <a:off x="5672831" y="2249212"/>
+            <a:ext cx="2982899" cy="648070"/>
+          </a:xfrm>
+          <a:prstGeom prst="roundRect">
+            <a:avLst/>
+          </a:prstGeom>
+        </p:spPr>
+        <p:style>
+          <a:lnRef idx="2">
+            <a:schemeClr val="accent1">
+              <a:shade val="50000"/>
+            </a:schemeClr>
+          </a:lnRef>
+          <a:fillRef idx="1">
+            <a:schemeClr val="accent1"/>
+          </a:fillRef>
+          <a:effectRef idx="0">
+            <a:schemeClr val="accent1"/>
+          </a:effectRef>
+          <a:fontRef idx="minor">
+            <a:schemeClr val="lt1"/>
+          </a:fontRef>
+        </p:style>
+        <p:txBody>
+          <a:bodyPr rtlCol="0" anchor="ctr"/>
+          <a:lstStyle/>
+          <a:p>
+            <a:pPr algn="ctr"/>
+            <a:r>
+              <a:rPr lang="en-US" altLang="zh-CN" dirty="0" err="1"/>
+              <a:t>Qtproject_login_new.h</a:t>
+            </a:r>
+            <a:r>
+              <a:rPr lang="en-US" altLang="zh-CN" dirty="0"/>
+              <a:t>/</a:t>
+            </a:r>
+            <a:r>
+              <a:rPr lang="en-US" altLang="zh-CN" dirty="0" err="1"/>
+              <a:t>cpp</a:t>
+            </a:r>
+            <a:endParaRPr lang="zh-CN" altLang="en-US" dirty="0"/>
+          </a:p>
+        </p:txBody>
+      </p:sp>
+      <p:cxnSp>
+        <p:nvCxnSpPr>
+          <p:cNvPr id="10" name="直接箭头连接符 9">
+            <a:extLst>
+              <a:ext uri="{FF2B5EF4-FFF2-40B4-BE49-F238E27FC236}">
+                <a16:creationId xmlns:a16="http://schemas.microsoft.com/office/drawing/2014/main" id="{F866A839-1D92-4A98-BAC2-C25F9D15A935}"/>
+              </a:ext>
+            </a:extLst>
+          </p:cNvPr>
+          <p:cNvCxnSpPr>
+            <a:cxnSpLocks/>
+            <a:stCxn id="6" idx="2"/>
+            <a:endCxn id="7" idx="1"/>
+          </p:cNvCxnSpPr>
+          <p:nvPr/>
+        </p:nvCxnSpPr>
+        <p:spPr>
+          <a:xfrm flipV="1">
+            <a:off x="5060273" y="1029170"/>
+            <a:ext cx="1930892" cy="265066"/>
+          </a:xfrm>
+          <a:prstGeom prst="straightConnector1">
+            <a:avLst/>
+          </a:prstGeom>
+          <a:ln>
+            <a:tailEnd type="triangle"/>
+          </a:ln>
+        </p:spPr>
+        <p:style>
+          <a:lnRef idx="1">
+            <a:schemeClr val="accent1"/>
+          </a:lnRef>
+          <a:fillRef idx="0">
+            <a:schemeClr val="accent1"/>
+          </a:fillRef>
+          <a:effectRef idx="0">
+            <a:schemeClr val="accent1"/>
+          </a:effectRef>
+          <a:fontRef idx="minor">
+            <a:schemeClr val="tx1"/>
+          </a:fontRef>
+        </p:style>
+      </p:cxnSp>
+      <p:cxnSp>
+        <p:nvCxnSpPr>
+          <p:cNvPr id="12" name="直接箭头连接符 11">
+            <a:extLst>
+              <a:ext uri="{FF2B5EF4-FFF2-40B4-BE49-F238E27FC236}">
+                <a16:creationId xmlns:a16="http://schemas.microsoft.com/office/drawing/2014/main" id="{20F941A0-0361-4BF2-BB1A-EC2622211A4C}"/>
+              </a:ext>
+            </a:extLst>
+          </p:cNvPr>
+          <p:cNvCxnSpPr>
+            <a:stCxn id="7" idx="2"/>
+            <a:endCxn id="8" idx="0"/>
+          </p:cNvCxnSpPr>
+          <p:nvPr/>
+        </p:nvCxnSpPr>
+        <p:spPr>
+          <a:xfrm flipH="1">
+            <a:off x="7164281" y="1353205"/>
+            <a:ext cx="834500" cy="896007"/>
+          </a:xfrm>
+          <a:prstGeom prst="straightConnector1">
+            <a:avLst/>
+          </a:prstGeom>
+          <a:ln>
+            <a:tailEnd type="triangle"/>
+          </a:ln>
+        </p:spPr>
+        <p:style>
+          <a:lnRef idx="1">
+            <a:schemeClr val="accent1"/>
+          </a:lnRef>
+          <a:fillRef idx="0">
+            <a:schemeClr val="accent1"/>
+          </a:fillRef>
+          <a:effectRef idx="0">
+            <a:schemeClr val="accent1"/>
+          </a:effectRef>
+          <a:fontRef idx="minor">
+            <a:schemeClr val="tx1"/>
+          </a:fontRef>
+        </p:style>
+      </p:cxnSp>
+      <p:sp>
+        <p:nvSpPr>
+          <p:cNvPr id="18" name="矩形: 圆角 17">
+            <a:extLst>
+              <a:ext uri="{FF2B5EF4-FFF2-40B4-BE49-F238E27FC236}">
+                <a16:creationId xmlns:a16="http://schemas.microsoft.com/office/drawing/2014/main" id="{BCC264C3-5C74-4968-B0B7-56A8AF6D4F04}"/>
+              </a:ext>
+            </a:extLst>
+          </p:cNvPr>
+          <p:cNvSpPr/>
+          <p:nvPr/>
+        </p:nvSpPr>
+        <p:spPr>
+          <a:xfrm>
+            <a:off x="3452306" y="3805235"/>
+            <a:ext cx="2396970" cy="648070"/>
+          </a:xfrm>
+          <a:prstGeom prst="roundRect">
+            <a:avLst/>
+          </a:prstGeom>
+        </p:spPr>
+        <p:style>
+          <a:lnRef idx="2">
+            <a:schemeClr val="accent1">
+              <a:shade val="50000"/>
+            </a:schemeClr>
+          </a:lnRef>
+          <a:fillRef idx="1">
+            <a:schemeClr val="accent1"/>
+          </a:fillRef>
+          <a:effectRef idx="0">
+            <a:schemeClr val="accent1"/>
+          </a:effectRef>
+          <a:fontRef idx="minor">
+            <a:schemeClr val="lt1"/>
+          </a:fontRef>
+        </p:style>
+        <p:txBody>
+          <a:bodyPr rtlCol="0" anchor="ctr"/>
+          <a:lstStyle/>
+          <a:p>
+            <a:pPr algn="ctr"/>
+            <a:r>
+              <a:rPr lang="en-US" altLang="zh-CN" dirty="0" err="1"/>
+              <a:t>Usermenu.h</a:t>
+            </a:r>
+            <a:r>
+              <a:rPr lang="en-US" altLang="zh-CN" dirty="0"/>
+              <a:t>/</a:t>
+            </a:r>
+            <a:r>
+              <a:rPr lang="en-US" altLang="zh-CN" dirty="0" err="1"/>
+              <a:t>cpp</a:t>
+            </a:r>
+            <a:endParaRPr lang="zh-CN" altLang="en-US" dirty="0"/>
+          </a:p>
+        </p:txBody>
+      </p:sp>
+      <p:sp>
+        <p:nvSpPr>
+          <p:cNvPr id="19" name="矩形: 圆角 18">
+            <a:extLst>
+              <a:ext uri="{FF2B5EF4-FFF2-40B4-BE49-F238E27FC236}">
+                <a16:creationId xmlns:a16="http://schemas.microsoft.com/office/drawing/2014/main" id="{B80FFD23-389E-4E04-B533-1AE66A7BE21F}"/>
+              </a:ext>
+            </a:extLst>
+          </p:cNvPr>
+          <p:cNvSpPr/>
+          <p:nvPr/>
+        </p:nvSpPr>
+        <p:spPr>
+          <a:xfrm>
+            <a:off x="9321553" y="3843108"/>
+            <a:ext cx="2636668" cy="648070"/>
+          </a:xfrm>
+          <a:prstGeom prst="roundRect">
+            <a:avLst/>
+          </a:prstGeom>
+        </p:spPr>
+        <p:style>
+          <a:lnRef idx="2">
+            <a:schemeClr val="accent1">
+              <a:shade val="50000"/>
+            </a:schemeClr>
+          </a:lnRef>
+          <a:fillRef idx="1">
+            <a:schemeClr val="accent1"/>
+          </a:fillRef>
+          <a:effectRef idx="0">
+            <a:schemeClr val="accent1"/>
+          </a:effectRef>
+          <a:fontRef idx="minor">
+            <a:schemeClr val="lt1"/>
+          </a:fontRef>
+        </p:style>
+        <p:txBody>
+          <a:bodyPr rtlCol="0" anchor="ctr"/>
+          <a:lstStyle/>
+          <a:p>
+            <a:pPr algn="ctr"/>
+            <a:r>
+              <a:rPr lang="en-US" altLang="zh-CN" dirty="0" err="1"/>
+              <a:t>Adminmenu.h</a:t>
+            </a:r>
+            <a:r>
+              <a:rPr lang="en-US" altLang="zh-CN" dirty="0"/>
+              <a:t>/</a:t>
+            </a:r>
+            <a:r>
+              <a:rPr lang="en-US" altLang="zh-CN" dirty="0" err="1"/>
+              <a:t>cpp</a:t>
+            </a:r>
+            <a:endParaRPr lang="zh-CN" altLang="en-US" dirty="0"/>
+          </a:p>
+        </p:txBody>
+      </p:sp>
+      <p:cxnSp>
+        <p:nvCxnSpPr>
+          <p:cNvPr id="21" name="直接箭头连接符 20">
+            <a:extLst>
+              <a:ext uri="{FF2B5EF4-FFF2-40B4-BE49-F238E27FC236}">
+                <a16:creationId xmlns:a16="http://schemas.microsoft.com/office/drawing/2014/main" id="{E24B095E-7032-4CE9-81CA-D8D06D12BD72}"/>
+              </a:ext>
+            </a:extLst>
+          </p:cNvPr>
+          <p:cNvCxnSpPr>
+            <a:stCxn id="8" idx="2"/>
+            <a:endCxn id="18" idx="0"/>
+          </p:cNvCxnSpPr>
+          <p:nvPr/>
+        </p:nvCxnSpPr>
+        <p:spPr>
+          <a:xfrm flipH="1">
+            <a:off x="4650791" y="2897282"/>
+            <a:ext cx="2513490" cy="907953"/>
+          </a:xfrm>
+          <a:prstGeom prst="straightConnector1">
+            <a:avLst/>
+          </a:prstGeom>
+          <a:ln>
+            <a:tailEnd type="triangle"/>
+          </a:ln>
+        </p:spPr>
+        <p:style>
+          <a:lnRef idx="1">
+            <a:schemeClr val="accent1"/>
+          </a:lnRef>
+          <a:fillRef idx="0">
+            <a:schemeClr val="accent1"/>
+          </a:fillRef>
+          <a:effectRef idx="0">
+            <a:schemeClr val="accent1"/>
+          </a:effectRef>
+          <a:fontRef idx="minor">
+            <a:schemeClr val="tx1"/>
+          </a:fontRef>
+        </p:style>
+      </p:cxnSp>
+      <p:cxnSp>
+        <p:nvCxnSpPr>
+          <p:cNvPr id="23" name="直接箭头连接符 22">
+            <a:extLst>
+              <a:ext uri="{FF2B5EF4-FFF2-40B4-BE49-F238E27FC236}">
+                <a16:creationId xmlns:a16="http://schemas.microsoft.com/office/drawing/2014/main" id="{CC126655-FE25-4B3B-8903-BA026CCB9327}"/>
+              </a:ext>
+            </a:extLst>
+          </p:cNvPr>
+          <p:cNvCxnSpPr>
+            <a:stCxn id="8" idx="2"/>
+            <a:endCxn id="19" idx="0"/>
+          </p:cNvCxnSpPr>
+          <p:nvPr/>
+        </p:nvCxnSpPr>
+        <p:spPr>
+          <a:xfrm>
+            <a:off x="7164281" y="2897282"/>
+            <a:ext cx="3475606" cy="945826"/>
+          </a:xfrm>
+          <a:prstGeom prst="straightConnector1">
+            <a:avLst/>
+          </a:prstGeom>
+          <a:ln>
+            <a:tailEnd type="triangle"/>
+          </a:ln>
+        </p:spPr>
+        <p:style>
+          <a:lnRef idx="1">
+            <a:schemeClr val="accent1"/>
+          </a:lnRef>
+          <a:fillRef idx="0">
+            <a:schemeClr val="accent1"/>
+          </a:fillRef>
+          <a:effectRef idx="0">
+            <a:schemeClr val="accent1"/>
+          </a:effectRef>
+          <a:fontRef idx="minor">
+            <a:schemeClr val="tx1"/>
+          </a:fontRef>
+        </p:style>
+      </p:cxnSp>
+      <p:sp>
+        <p:nvSpPr>
+          <p:cNvPr id="24" name="矩形: 圆角 23">
+            <a:extLst>
+              <a:ext uri="{FF2B5EF4-FFF2-40B4-BE49-F238E27FC236}">
+                <a16:creationId xmlns:a16="http://schemas.microsoft.com/office/drawing/2014/main" id="{2754B5DD-CC6D-4D3F-AFF2-2CBEE1059627}"/>
+              </a:ext>
+            </a:extLst>
+          </p:cNvPr>
+          <p:cNvSpPr/>
+          <p:nvPr/>
+        </p:nvSpPr>
+        <p:spPr>
+          <a:xfrm>
+            <a:off x="6742592" y="5274739"/>
+            <a:ext cx="1913138" cy="554091"/>
+          </a:xfrm>
+          <a:prstGeom prst="roundRect">
+            <a:avLst/>
+          </a:prstGeom>
+        </p:spPr>
+        <p:style>
+          <a:lnRef idx="2">
+            <a:schemeClr val="accent1">
+              <a:shade val="50000"/>
+            </a:schemeClr>
+          </a:lnRef>
+          <a:fillRef idx="1">
+            <a:schemeClr val="accent1"/>
+          </a:fillRef>
+          <a:effectRef idx="0">
+            <a:schemeClr val="accent1"/>
+          </a:effectRef>
+          <a:fontRef idx="minor">
+            <a:schemeClr val="lt1"/>
+          </a:fontRef>
+        </p:style>
+        <p:txBody>
+          <a:bodyPr rtlCol="0" anchor="ctr"/>
+          <a:lstStyle/>
+          <a:p>
+            <a:pPr algn="ctr"/>
+            <a:r>
+              <a:rPr lang="en-US" altLang="zh-CN" dirty="0" err="1"/>
+              <a:t>Input_new.h</a:t>
+            </a:r>
+            <a:r>
+              <a:rPr lang="en-US" altLang="zh-CN" dirty="0"/>
+              <a:t>/</a:t>
+            </a:r>
+            <a:r>
+              <a:rPr lang="en-US" altLang="zh-CN" dirty="0" err="1"/>
+              <a:t>cpp</a:t>
+            </a:r>
+            <a:endParaRPr lang="zh-CN" altLang="en-US" dirty="0"/>
+          </a:p>
+        </p:txBody>
+      </p:sp>
+      <p:cxnSp>
+        <p:nvCxnSpPr>
+          <p:cNvPr id="26" name="直接连接符 25">
+            <a:extLst>
+              <a:ext uri="{FF2B5EF4-FFF2-40B4-BE49-F238E27FC236}">
+                <a16:creationId xmlns:a16="http://schemas.microsoft.com/office/drawing/2014/main" id="{3C196333-9511-42BE-979C-8605AC6B5DD2}"/>
+              </a:ext>
+            </a:extLst>
+          </p:cNvPr>
+          <p:cNvCxnSpPr>
+            <a:stCxn id="18" idx="3"/>
+            <a:endCxn id="24" idx="0"/>
+          </p:cNvCxnSpPr>
+          <p:nvPr/>
+        </p:nvCxnSpPr>
+        <p:spPr>
+          <a:xfrm>
+            <a:off x="5849276" y="4129270"/>
+            <a:ext cx="1849885" cy="1145469"/>
+          </a:xfrm>
+          <a:prstGeom prst="line">
+            <a:avLst/>
+          </a:prstGeom>
+        </p:spPr>
+        <p:style>
+          <a:lnRef idx="1">
+            <a:schemeClr val="accent1"/>
+          </a:lnRef>
+          <a:fillRef idx="0">
+            <a:schemeClr val="accent1"/>
+          </a:fillRef>
+          <a:effectRef idx="0">
+            <a:schemeClr val="accent1"/>
+          </a:effectRef>
+          <a:fontRef idx="minor">
+            <a:schemeClr val="tx1"/>
+          </a:fontRef>
+        </p:style>
+      </p:cxnSp>
+      <p:cxnSp>
+        <p:nvCxnSpPr>
+          <p:cNvPr id="28" name="直接连接符 27">
+            <a:extLst>
+              <a:ext uri="{FF2B5EF4-FFF2-40B4-BE49-F238E27FC236}">
+                <a16:creationId xmlns:a16="http://schemas.microsoft.com/office/drawing/2014/main" id="{0973D9AB-6094-4A6A-80F7-65948EAEAFA2}"/>
+              </a:ext>
+            </a:extLst>
+          </p:cNvPr>
+          <p:cNvCxnSpPr>
+            <a:stCxn id="19" idx="1"/>
+            <a:endCxn id="24" idx="0"/>
+          </p:cNvCxnSpPr>
+          <p:nvPr/>
+        </p:nvCxnSpPr>
+        <p:spPr>
+          <a:xfrm flipH="1">
+            <a:off x="7699161" y="4167143"/>
+            <a:ext cx="1622392" cy="1107596"/>
+          </a:xfrm>
+          <a:prstGeom prst="line">
+            <a:avLst/>
+          </a:prstGeom>
+        </p:spPr>
+        <p:style>
+          <a:lnRef idx="1">
+            <a:schemeClr val="accent1"/>
+          </a:lnRef>
+          <a:fillRef idx="0">
+            <a:schemeClr val="accent1"/>
+          </a:fillRef>
+          <a:effectRef idx="0">
+            <a:schemeClr val="accent1"/>
+          </a:effectRef>
+          <a:fontRef idx="minor">
+            <a:schemeClr val="tx1"/>
+          </a:fontRef>
+        </p:style>
+      </p:cxnSp>
+      <p:sp>
+        <p:nvSpPr>
+          <p:cNvPr id="35" name="左大括号 34">
+            <a:extLst>
+              <a:ext uri="{FF2B5EF4-FFF2-40B4-BE49-F238E27FC236}">
+                <a16:creationId xmlns:a16="http://schemas.microsoft.com/office/drawing/2014/main" id="{D00AA3DF-A511-4060-8DC2-E543C12CBB3A}"/>
+              </a:ext>
+            </a:extLst>
+          </p:cNvPr>
+          <p:cNvSpPr/>
+          <p:nvPr/>
+        </p:nvSpPr>
+        <p:spPr>
+          <a:xfrm>
+            <a:off x="9118108" y="552189"/>
+            <a:ext cx="168678" cy="951433"/>
+          </a:xfrm>
+          <a:prstGeom prst="leftBrace">
+            <a:avLst/>
+          </a:prstGeom>
+        </p:spPr>
+        <p:style>
+          <a:lnRef idx="1">
+            <a:schemeClr val="accent1"/>
+          </a:lnRef>
+          <a:fillRef idx="0">
+            <a:schemeClr val="accent1"/>
+          </a:fillRef>
+          <a:effectRef idx="0">
+            <a:schemeClr val="accent1"/>
+          </a:effectRef>
+          <a:fontRef idx="minor">
+            <a:schemeClr val="tx1"/>
+          </a:fontRef>
+        </p:style>
+        <p:txBody>
+          <a:bodyPr rtlCol="0" anchor="ctr"/>
+          <a:lstStyle/>
+          <a:p>
+            <a:pPr algn="ctr"/>
+            <a:endParaRPr lang="zh-CN" altLang="en-US"/>
+          </a:p>
+        </p:txBody>
+      </p:sp>
+      <p:sp>
+        <p:nvSpPr>
+          <p:cNvPr id="41" name="文本框 40">
+            <a:extLst>
+              <a:ext uri="{FF2B5EF4-FFF2-40B4-BE49-F238E27FC236}">
+                <a16:creationId xmlns:a16="http://schemas.microsoft.com/office/drawing/2014/main" id="{2B4E47B3-56AB-40D3-AD6D-78DB90B0FC93}"/>
+              </a:ext>
+            </a:extLst>
+          </p:cNvPr>
+          <p:cNvSpPr txBox="1"/>
+          <p:nvPr/>
+        </p:nvSpPr>
+        <p:spPr>
+          <a:xfrm>
+            <a:off x="9282346" y="506043"/>
+            <a:ext cx="1786631" cy="1077218"/>
+          </a:xfrm>
+          <a:prstGeom prst="rect">
+            <a:avLst/>
+          </a:prstGeom>
+          <a:noFill/>
+        </p:spPr>
+        <p:txBody>
+          <a:bodyPr wrap="square" rtlCol="0">
+            <a:spAutoFit/>
+          </a:bodyPr>
+          <a:lstStyle/>
+          <a:p>
+            <a:r>
+              <a:rPr lang="zh-CN" altLang="en-US" sz="1600" dirty="0"/>
+              <a:t>选择登陆选项</a:t>
+            </a:r>
+            <a:endParaRPr lang="en-US" altLang="zh-CN" sz="1600" dirty="0"/>
+          </a:p>
+          <a:p>
+            <a:r>
+              <a:rPr lang="zh-CN" altLang="en-US" sz="1600" dirty="0"/>
+              <a:t>生成登陆界面</a:t>
+            </a:r>
+            <a:endParaRPr lang="en-US" altLang="zh-CN" sz="1600" dirty="0"/>
+          </a:p>
+          <a:p>
+            <a:r>
+              <a:rPr lang="zh-CN" altLang="en-US" sz="1600" dirty="0"/>
+              <a:t>生成用户或管理员界面</a:t>
+            </a:r>
+          </a:p>
+        </p:txBody>
+      </p:sp>
+      <p:sp>
+        <p:nvSpPr>
+          <p:cNvPr id="42" name="左大括号 41">
+            <a:extLst>
+              <a:ext uri="{FF2B5EF4-FFF2-40B4-BE49-F238E27FC236}">
+                <a16:creationId xmlns:a16="http://schemas.microsoft.com/office/drawing/2014/main" id="{1CCB5E4C-900E-430E-9FAF-01450BF96CC8}"/>
+              </a:ext>
+            </a:extLst>
+          </p:cNvPr>
+          <p:cNvSpPr/>
+          <p:nvPr/>
+        </p:nvSpPr>
+        <p:spPr>
+          <a:xfrm>
+            <a:off x="8864353" y="2146479"/>
+            <a:ext cx="173115" cy="896007"/>
+          </a:xfrm>
+          <a:prstGeom prst="leftBrace">
+            <a:avLst/>
+          </a:prstGeom>
+        </p:spPr>
+        <p:style>
+          <a:lnRef idx="1">
+            <a:schemeClr val="accent1"/>
+          </a:lnRef>
+          <a:fillRef idx="0">
+            <a:schemeClr val="accent1"/>
+          </a:fillRef>
+          <a:effectRef idx="0">
+            <a:schemeClr val="accent1"/>
+          </a:effectRef>
+          <a:fontRef idx="minor">
+            <a:schemeClr val="tx1"/>
+          </a:fontRef>
+        </p:style>
+        <p:txBody>
+          <a:bodyPr rtlCol="0" anchor="ctr"/>
+          <a:lstStyle/>
+          <a:p>
+            <a:pPr algn="ctr"/>
+            <a:endParaRPr lang="zh-CN" altLang="en-US"/>
+          </a:p>
+        </p:txBody>
+      </p:sp>
+      <p:sp>
+        <p:nvSpPr>
+          <p:cNvPr id="43" name="文本框 42">
+            <a:extLst>
+              <a:ext uri="{FF2B5EF4-FFF2-40B4-BE49-F238E27FC236}">
+                <a16:creationId xmlns:a16="http://schemas.microsoft.com/office/drawing/2014/main" id="{F0DF69F5-1113-462D-83BC-5C62F4BD1C62}"/>
+              </a:ext>
+            </a:extLst>
+          </p:cNvPr>
+          <p:cNvSpPr txBox="1"/>
+          <p:nvPr/>
+        </p:nvSpPr>
+        <p:spPr>
+          <a:xfrm>
+            <a:off x="9015273" y="2178983"/>
+            <a:ext cx="1775534" cy="830997"/>
+          </a:xfrm>
+          <a:prstGeom prst="rect">
+            <a:avLst/>
+          </a:prstGeom>
+          <a:noFill/>
+        </p:spPr>
+        <p:txBody>
+          <a:bodyPr wrap="square" rtlCol="0">
+            <a:spAutoFit/>
+          </a:bodyPr>
+          <a:lstStyle/>
+          <a:p>
+            <a:r>
+              <a:rPr lang="zh-CN" altLang="en-US" sz="1600" dirty="0"/>
+              <a:t>显示登陆界面</a:t>
+            </a:r>
+            <a:endParaRPr lang="en-US" altLang="zh-CN" sz="1600" dirty="0"/>
+          </a:p>
+          <a:p>
+            <a:r>
+              <a:rPr lang="zh-CN" altLang="en-US" sz="1600" dirty="0"/>
+              <a:t>进行验证工作</a:t>
+            </a:r>
+            <a:endParaRPr lang="en-US" altLang="zh-CN" sz="1600" dirty="0"/>
+          </a:p>
+          <a:p>
+            <a:r>
+              <a:rPr lang="zh-CN" altLang="en-US" sz="1600" dirty="0"/>
+              <a:t>返回验证结果</a:t>
+            </a:r>
+          </a:p>
+        </p:txBody>
+      </p:sp>
+      <p:sp>
+        <p:nvSpPr>
+          <p:cNvPr id="44" name="左大括号 43">
+            <a:extLst>
+              <a:ext uri="{FF2B5EF4-FFF2-40B4-BE49-F238E27FC236}">
+                <a16:creationId xmlns:a16="http://schemas.microsoft.com/office/drawing/2014/main" id="{DCEFDEB5-113B-4C7B-A8AD-D08A7EBA07F3}"/>
+              </a:ext>
+            </a:extLst>
+          </p:cNvPr>
+          <p:cNvSpPr/>
+          <p:nvPr/>
+        </p:nvSpPr>
+        <p:spPr>
+          <a:xfrm rot="5400000">
+            <a:off x="7587869" y="5289155"/>
+            <a:ext cx="222582" cy="1504837"/>
+          </a:xfrm>
+          <a:prstGeom prst="leftBrace">
+            <a:avLst/>
+          </a:prstGeom>
+        </p:spPr>
+        <p:style>
+          <a:lnRef idx="1">
+            <a:schemeClr val="accent1"/>
+          </a:lnRef>
+          <a:fillRef idx="0">
+            <a:schemeClr val="accent1"/>
+          </a:fillRef>
+          <a:effectRef idx="0">
+            <a:schemeClr val="accent1"/>
+          </a:effectRef>
+          <a:fontRef idx="minor">
+            <a:schemeClr val="tx1"/>
+          </a:fontRef>
+        </p:style>
+        <p:txBody>
+          <a:bodyPr rtlCol="0" anchor="ctr"/>
+          <a:lstStyle/>
+          <a:p>
+            <a:pPr algn="ctr"/>
+            <a:endParaRPr lang="zh-CN" altLang="en-US"/>
+          </a:p>
+        </p:txBody>
+      </p:sp>
+      <p:sp>
+        <p:nvSpPr>
+          <p:cNvPr id="45" name="文本框 44">
+            <a:extLst>
+              <a:ext uri="{FF2B5EF4-FFF2-40B4-BE49-F238E27FC236}">
+                <a16:creationId xmlns:a16="http://schemas.microsoft.com/office/drawing/2014/main" id="{A73B4F90-A545-49E3-84EC-AFDA21FD47AE}"/>
+              </a:ext>
+            </a:extLst>
+          </p:cNvPr>
+          <p:cNvSpPr txBox="1"/>
+          <p:nvPr/>
+        </p:nvSpPr>
+        <p:spPr>
+          <a:xfrm>
+            <a:off x="6810283" y="6152865"/>
+            <a:ext cx="1845447" cy="338554"/>
+          </a:xfrm>
+          <a:prstGeom prst="rect">
+            <a:avLst/>
+          </a:prstGeom>
+          <a:noFill/>
+        </p:spPr>
+        <p:txBody>
+          <a:bodyPr wrap="square" rtlCol="0">
+            <a:spAutoFit/>
+          </a:bodyPr>
+          <a:lstStyle/>
+          <a:p>
+            <a:r>
+              <a:rPr lang="zh-CN" altLang="en-US" sz="1600" dirty="0"/>
+              <a:t>包含一切输入窗口</a:t>
+            </a:r>
+          </a:p>
+        </p:txBody>
+      </p:sp>
+      <p:sp>
+        <p:nvSpPr>
+          <p:cNvPr id="47" name="文本框 46">
+            <a:extLst>
+              <a:ext uri="{FF2B5EF4-FFF2-40B4-BE49-F238E27FC236}">
+                <a16:creationId xmlns:a16="http://schemas.microsoft.com/office/drawing/2014/main" id="{A86E8E5A-BD9C-4A89-8B00-A7B446A31668}"/>
+              </a:ext>
+            </a:extLst>
+          </p:cNvPr>
+          <p:cNvSpPr txBox="1"/>
+          <p:nvPr/>
+        </p:nvSpPr>
+        <p:spPr>
+          <a:xfrm>
+            <a:off x="5862592" y="4004878"/>
+            <a:ext cx="1523628" cy="338554"/>
+          </a:xfrm>
+          <a:prstGeom prst="rect">
+            <a:avLst/>
+          </a:prstGeom>
+          <a:noFill/>
+        </p:spPr>
+        <p:txBody>
+          <a:bodyPr wrap="square" rtlCol="0">
+            <a:spAutoFit/>
+          </a:bodyPr>
+          <a:lstStyle/>
+          <a:p>
+            <a:r>
+              <a:rPr lang="zh-CN" altLang="en-US" sz="1600" dirty="0"/>
+              <a:t>用户界面</a:t>
+            </a:r>
+          </a:p>
+        </p:txBody>
+      </p:sp>
+      <p:sp>
+        <p:nvSpPr>
+          <p:cNvPr id="48" name="文本框 47">
+            <a:extLst>
+              <a:ext uri="{FF2B5EF4-FFF2-40B4-BE49-F238E27FC236}">
+                <a16:creationId xmlns:a16="http://schemas.microsoft.com/office/drawing/2014/main" id="{6445E5E7-D5D3-472D-AD04-E194F17DF5C4}"/>
+              </a:ext>
+            </a:extLst>
+          </p:cNvPr>
+          <p:cNvSpPr txBox="1"/>
+          <p:nvPr/>
+        </p:nvSpPr>
+        <p:spPr>
+          <a:xfrm>
+            <a:off x="9903040" y="4676236"/>
+            <a:ext cx="1523628" cy="338554"/>
+          </a:xfrm>
+          <a:prstGeom prst="rect">
+            <a:avLst/>
+          </a:prstGeom>
+          <a:noFill/>
+        </p:spPr>
+        <p:txBody>
+          <a:bodyPr wrap="square" rtlCol="0">
+            <a:spAutoFit/>
+          </a:bodyPr>
+          <a:lstStyle/>
+          <a:p>
+            <a:r>
+              <a:rPr lang="zh-CN" altLang="en-US" sz="1600" dirty="0"/>
+              <a:t>管理员界面</a:t>
+            </a:r>
+          </a:p>
+        </p:txBody>
+      </p:sp>
     </p:spTree>
     <p:extLst>
       <p:ext uri="{BB962C8B-B14F-4D97-AF65-F5344CB8AC3E}">
-        <p14:creationId xmlns:p14="http://schemas.microsoft.com/office/powerpoint/2010/main" val="2760947170"/>
+        <p14:creationId xmlns:p14="http://schemas.microsoft.com/office/powerpoint/2010/main" val="2545745266"/>
       </p:ext>
     </p:extLst>
   </p:cSld>
@@ -3574,7 +4500,7 @@
           <p:cNvPr id="2" name="标题 1">
             <a:extLst>
               <a:ext uri="{FF2B5EF4-FFF2-40B4-BE49-F238E27FC236}">
-                <a16:creationId xmlns:a16="http://schemas.microsoft.com/office/drawing/2014/main" id="{93D20684-3351-4813-82ED-76C14A3420CD}"/>
+                <a16:creationId xmlns:a16="http://schemas.microsoft.com/office/drawing/2014/main" id="{7A103EA6-3451-4B6C-9797-F20CCB7CFB9A}"/>
               </a:ext>
             </a:extLst>
           </p:cNvPr>
@@ -3592,7 +4518,7 @@
           <a:p>
             <a:r>
               <a:rPr lang="en-US" altLang="zh-CN" dirty="0" err="1"/>
-              <a:t>Shop.h</a:t>
+              <a:t>User.h</a:t>
             </a:r>
             <a:r>
               <a:rPr lang="en-US" altLang="zh-CN" dirty="0"/>
@@ -3604,22 +4530,21 @@
             </a:r>
             <a:r>
               <a:rPr lang="en-US" altLang="zh-CN" dirty="0"/>
-              <a:t> :class </a:t>
-            </a:r>
-            <a:r>
-              <a:rPr lang="en-US" altLang="zh-CN" dirty="0" err="1"/>
-              <a:t>CStock</a:t>
-            </a:r>
-            <a:endParaRPr lang="zh-CN" altLang="en-US" dirty="0"/>
+              <a:t> </a:t>
+            </a:r>
+            <a:r>
+              <a:rPr lang="zh-CN" altLang="en-US" dirty="0"/>
+              <a:t>：用户类</a:t>
+            </a:r>
           </a:p>
         </p:txBody>
       </p:sp>
       <p:pic>
         <p:nvPicPr>
-          <p:cNvPr id="5" name="内容占位符 4">
-            <a:extLst>
-              <a:ext uri="{FF2B5EF4-FFF2-40B4-BE49-F238E27FC236}">
-                <a16:creationId xmlns:a16="http://schemas.microsoft.com/office/drawing/2014/main" id="{22786989-5272-4DA4-9C6C-B56A284230EE}"/>
+          <p:cNvPr id="6" name="内容占位符 5">
+            <a:extLst>
+              <a:ext uri="{FF2B5EF4-FFF2-40B4-BE49-F238E27FC236}">
+                <a16:creationId xmlns:a16="http://schemas.microsoft.com/office/drawing/2014/main" id="{10851D76-20A4-44E1-86B8-3B2776D8CE44}"/>
               </a:ext>
             </a:extLst>
           </p:cNvPr>
@@ -3644,15 +4569,15 @@
         </p:blipFill>
         <p:spPr>
           <a:xfrm>
-            <a:off x="758301" y="1690688"/>
-            <a:ext cx="10515600" cy="3947775"/>
+            <a:off x="936275" y="1550418"/>
+            <a:ext cx="7790475" cy="5115796"/>
           </a:xfrm>
         </p:spPr>
       </p:pic>
     </p:spTree>
     <p:extLst>
       <p:ext uri="{BB962C8B-B14F-4D97-AF65-F5344CB8AC3E}">
-        <p14:creationId xmlns:p14="http://schemas.microsoft.com/office/powerpoint/2010/main" val="1185945376"/>
+        <p14:creationId xmlns:p14="http://schemas.microsoft.com/office/powerpoint/2010/main" val="444168247"/>
       </p:ext>
     </p:extLst>
   </p:cSld>
@@ -3684,7 +4609,7 @@
           <p:cNvPr id="2" name="标题 1">
             <a:extLst>
               <a:ext uri="{FF2B5EF4-FFF2-40B4-BE49-F238E27FC236}">
-                <a16:creationId xmlns:a16="http://schemas.microsoft.com/office/drawing/2014/main" id="{DB833F1E-89FA-4D15-88C7-A55E3142D807}"/>
+                <a16:creationId xmlns:a16="http://schemas.microsoft.com/office/drawing/2014/main" id="{3C6BBBAC-EF5B-4CE3-89C2-AFE5F6DC5DD0}"/>
               </a:ext>
             </a:extLst>
           </p:cNvPr>
@@ -3702,7 +4627,7 @@
           <a:p>
             <a:r>
               <a:rPr lang="en-US" altLang="zh-CN" dirty="0" err="1"/>
-              <a:t>Shop.h</a:t>
+              <a:t>Admin.h</a:t>
             </a:r>
             <a:r>
               <a:rPr lang="en-US" altLang="zh-CN" dirty="0"/>
@@ -3713,31 +4638,18 @@
               <a:t>cpp</a:t>
             </a:r>
             <a:r>
-              <a:rPr lang="en-US" altLang="zh-CN" dirty="0"/>
-              <a:t> :class </a:t>
-            </a:r>
-            <a:r>
-              <a:rPr lang="en-US" altLang="zh-CN" dirty="0" err="1"/>
-              <a:t>CShoppingCart</a:t>
-            </a:r>
-            <a:r>
-              <a:rPr lang="en-US" altLang="zh-CN" dirty="0"/>
-              <a:t>: public </a:t>
-            </a:r>
-            <a:r>
-              <a:rPr lang="en-US" altLang="zh-CN" dirty="0" err="1"/>
-              <a:t>CStock</a:t>
-            </a:r>
-            <a:endParaRPr lang="zh-CN" altLang="en-US" dirty="0"/>
+              <a:rPr lang="zh-CN" altLang="en-US" dirty="0"/>
+              <a:t>：管理员类</a:t>
+            </a:r>
           </a:p>
         </p:txBody>
       </p:sp>
       <p:pic>
         <p:nvPicPr>
-          <p:cNvPr id="5" name="内容占位符 4">
-            <a:extLst>
-              <a:ext uri="{FF2B5EF4-FFF2-40B4-BE49-F238E27FC236}">
-                <a16:creationId xmlns:a16="http://schemas.microsoft.com/office/drawing/2014/main" id="{5D35FBF5-EBB3-423B-8C62-23CF46311052}"/>
+          <p:cNvPr id="6" name="内容占位符 5">
+            <a:extLst>
+              <a:ext uri="{FF2B5EF4-FFF2-40B4-BE49-F238E27FC236}">
+                <a16:creationId xmlns:a16="http://schemas.microsoft.com/office/drawing/2014/main" id="{534D68E1-EECB-4807-AE82-6F1B42EFEE57}"/>
               </a:ext>
             </a:extLst>
           </p:cNvPr>
@@ -3762,15 +4674,15 @@
         </p:blipFill>
         <p:spPr>
           <a:xfrm>
-            <a:off x="688917" y="1967830"/>
-            <a:ext cx="10317015" cy="3534268"/>
+            <a:off x="838200" y="1790471"/>
+            <a:ext cx="6263936" cy="4175957"/>
           </a:xfrm>
         </p:spPr>
       </p:pic>
     </p:spTree>
     <p:extLst>
       <p:ext uri="{BB962C8B-B14F-4D97-AF65-F5344CB8AC3E}">
-        <p14:creationId xmlns:p14="http://schemas.microsoft.com/office/powerpoint/2010/main" val="3376026400"/>
+        <p14:creationId xmlns:p14="http://schemas.microsoft.com/office/powerpoint/2010/main" val="2760947170"/>
       </p:ext>
     </p:extLst>
   </p:cSld>
@@ -3802,7 +4714,7 @@
           <p:cNvPr id="2" name="标题 1">
             <a:extLst>
               <a:ext uri="{FF2B5EF4-FFF2-40B4-BE49-F238E27FC236}">
-                <a16:creationId xmlns:a16="http://schemas.microsoft.com/office/drawing/2014/main" id="{AF19B7EA-B058-4634-AEE4-5486E6C2014A}"/>
+                <a16:creationId xmlns:a16="http://schemas.microsoft.com/office/drawing/2014/main" id="{93D20684-3351-4813-82ED-76C14A3420CD}"/>
               </a:ext>
             </a:extLst>
           </p:cNvPr>
@@ -3832,22 +4744,25 @@
             </a:r>
             <a:r>
               <a:rPr lang="en-US" altLang="zh-CN" dirty="0"/>
-              <a:t> :class  </a:t>
+              <a:t> :class </a:t>
             </a:r>
             <a:r>
               <a:rPr lang="en-US" altLang="zh-CN" dirty="0" err="1"/>
-              <a:t>CSoldlist</a:t>
-            </a:r>
-            <a:endParaRPr lang="zh-CN" altLang="en-US" dirty="0"/>
+              <a:t>Cstock</a:t>
+            </a:r>
+            <a:r>
+              <a:rPr lang="zh-CN" altLang="en-US" dirty="0"/>
+              <a:t>：库存类</a:t>
+            </a:r>
           </a:p>
         </p:txBody>
       </p:sp>
       <p:pic>
         <p:nvPicPr>
-          <p:cNvPr id="9" name="内容占位符 8">
-            <a:extLst>
-              <a:ext uri="{FF2B5EF4-FFF2-40B4-BE49-F238E27FC236}">
-                <a16:creationId xmlns:a16="http://schemas.microsoft.com/office/drawing/2014/main" id="{D5954C63-BCA3-4E2F-8FB5-122CCC83CD82}"/>
+          <p:cNvPr id="7" name="内容占位符 6">
+            <a:extLst>
+              <a:ext uri="{FF2B5EF4-FFF2-40B4-BE49-F238E27FC236}">
+                <a16:creationId xmlns:a16="http://schemas.microsoft.com/office/drawing/2014/main" id="{710DEED2-580C-4E45-BE7A-63B52B07E0DF}"/>
               </a:ext>
             </a:extLst>
           </p:cNvPr>
@@ -3872,66 +4787,15 @@
         </p:blipFill>
         <p:spPr>
           <a:xfrm>
-            <a:off x="838200" y="1690688"/>
-            <a:ext cx="9030960" cy="3277057"/>
+            <a:off x="65841" y="2230425"/>
+            <a:ext cx="11889607" cy="3442405"/>
           </a:xfrm>
         </p:spPr>
       </p:pic>
-      <p:sp>
-        <p:nvSpPr>
-          <p:cNvPr id="10" name="文本框 9">
-            <a:extLst>
-              <a:ext uri="{FF2B5EF4-FFF2-40B4-BE49-F238E27FC236}">
-                <a16:creationId xmlns:a16="http://schemas.microsoft.com/office/drawing/2014/main" id="{D2AE0D0C-A4D0-45BD-9B8F-8367763AFB25}"/>
-              </a:ext>
-            </a:extLst>
-          </p:cNvPr>
-          <p:cNvSpPr txBox="1"/>
-          <p:nvPr/>
-        </p:nvSpPr>
-        <p:spPr>
-          <a:xfrm>
-            <a:off x="941033" y="5846544"/>
-            <a:ext cx="2769833" cy="646331"/>
-          </a:xfrm>
-          <a:prstGeom prst="rect">
-            <a:avLst/>
-          </a:prstGeom>
-          <a:noFill/>
-        </p:spPr>
-        <p:txBody>
-          <a:bodyPr wrap="square" rtlCol="0">
-            <a:spAutoFit/>
-          </a:bodyPr>
-          <a:lstStyle/>
-          <a:p>
-            <a:r>
-              <a:rPr lang="zh-CN" altLang="en-US" dirty="0"/>
-              <a:t>当你把栈空间开到</a:t>
-            </a:r>
-            <a:r>
-              <a:rPr lang="en-US" altLang="zh-CN" dirty="0"/>
-              <a:t>1mb</a:t>
-            </a:r>
-            <a:r>
-              <a:rPr lang="zh-CN" altLang="en-US" dirty="0"/>
-              <a:t>时（原来</a:t>
-            </a:r>
-            <a:r>
-              <a:rPr lang="en-US" altLang="zh-CN" dirty="0"/>
-              <a:t>16kb</a:t>
-            </a:r>
-            <a:r>
-              <a:rPr lang="zh-CN" altLang="en-US" dirty="0"/>
-              <a:t>会炸）</a:t>
-            </a:r>
-          </a:p>
-        </p:txBody>
-      </p:sp>
     </p:spTree>
     <p:extLst>
       <p:ext uri="{BB962C8B-B14F-4D97-AF65-F5344CB8AC3E}">
-        <p14:creationId xmlns:p14="http://schemas.microsoft.com/office/powerpoint/2010/main" val="4231339820"/>
+        <p14:creationId xmlns:p14="http://schemas.microsoft.com/office/powerpoint/2010/main" val="1185945376"/>
       </p:ext>
     </p:extLst>
   </p:cSld>
@@ -3963,7 +4827,7 @@
           <p:cNvPr id="2" name="标题 1">
             <a:extLst>
               <a:ext uri="{FF2B5EF4-FFF2-40B4-BE49-F238E27FC236}">
-                <a16:creationId xmlns:a16="http://schemas.microsoft.com/office/drawing/2014/main" id="{BE85EFEF-67DE-489F-9734-4657D07E7236}"/>
+                <a16:creationId xmlns:a16="http://schemas.microsoft.com/office/drawing/2014/main" id="{DB833F1E-89FA-4D15-88C7-A55E3142D807}"/>
               </a:ext>
             </a:extLst>
           </p:cNvPr>
@@ -3980,19 +4844,50 @@
           <a:lstStyle/>
           <a:p>
             <a:r>
+              <a:rPr lang="en-US" altLang="zh-CN" dirty="0" err="1"/>
+              <a:t>Shop.h</a:t>
+            </a:r>
+            <a:r>
               <a:rPr lang="en-US" altLang="zh-CN" dirty="0"/>
-              <a:t>Main.cpp</a:t>
-            </a:r>
-            <a:endParaRPr lang="zh-CN" altLang="en-US" dirty="0"/>
+              <a:t>/.</a:t>
+            </a:r>
+            <a:r>
+              <a:rPr lang="en-US" altLang="zh-CN" dirty="0" err="1"/>
+              <a:t>cpp</a:t>
+            </a:r>
+            <a:r>
+              <a:rPr lang="en-US" altLang="zh-CN" dirty="0"/>
+              <a:t> :class </a:t>
+            </a:r>
+            <a:r>
+              <a:rPr lang="en-US" altLang="zh-CN" dirty="0" err="1"/>
+              <a:t>CShoppingCart</a:t>
+            </a:r>
+            <a:r>
+              <a:rPr lang="en-US" altLang="zh-CN" dirty="0"/>
+              <a:t>: public </a:t>
+            </a:r>
+            <a:r>
+              <a:rPr lang="en-US" altLang="zh-CN" dirty="0" err="1"/>
+              <a:t>Cstock</a:t>
+            </a:r>
+            <a:r>
+              <a:rPr lang="en-US" altLang="zh-CN" dirty="0"/>
+              <a:t> </a:t>
+            </a:r>
+            <a:r>
+              <a:rPr lang="zh-CN" altLang="en-US" dirty="0"/>
+              <a:t>：购物车类</a:t>
+            </a:r>
           </a:p>
         </p:txBody>
       </p:sp>
       <p:pic>
         <p:nvPicPr>
-          <p:cNvPr id="9" name="内容占位符 8">
-            <a:extLst>
-              <a:ext uri="{FF2B5EF4-FFF2-40B4-BE49-F238E27FC236}">
-                <a16:creationId xmlns:a16="http://schemas.microsoft.com/office/drawing/2014/main" id="{9576F046-8EC6-4B52-B937-939020846A3F}"/>
+          <p:cNvPr id="7" name="内容占位符 6">
+            <a:extLst>
+              <a:ext uri="{FF2B5EF4-FFF2-40B4-BE49-F238E27FC236}">
+                <a16:creationId xmlns:a16="http://schemas.microsoft.com/office/drawing/2014/main" id="{75074E10-9920-4ABB-B5E4-A675743253E5}"/>
               </a:ext>
             </a:extLst>
           </p:cNvPr>
@@ -4017,15 +4912,15 @@
         </p:blipFill>
         <p:spPr>
           <a:xfrm>
-            <a:off x="947587" y="1690688"/>
-            <a:ext cx="4686040" cy="2579471"/>
+            <a:off x="676016" y="2282237"/>
+            <a:ext cx="10839968" cy="3869988"/>
           </a:xfrm>
         </p:spPr>
       </p:pic>
     </p:spTree>
     <p:extLst>
       <p:ext uri="{BB962C8B-B14F-4D97-AF65-F5344CB8AC3E}">
-        <p14:creationId xmlns:p14="http://schemas.microsoft.com/office/powerpoint/2010/main" val="1948695531"/>
+        <p14:creationId xmlns:p14="http://schemas.microsoft.com/office/powerpoint/2010/main" val="3376026400"/>
       </p:ext>
     </p:extLst>
   </p:cSld>
@@ -4057,7 +4952,7 @@
           <p:cNvPr id="2" name="标题 1">
             <a:extLst>
               <a:ext uri="{FF2B5EF4-FFF2-40B4-BE49-F238E27FC236}">
-                <a16:creationId xmlns:a16="http://schemas.microsoft.com/office/drawing/2014/main" id="{E9C59EAA-A757-47A6-8A84-C34A63323876}"/>
+                <a16:creationId xmlns:a16="http://schemas.microsoft.com/office/drawing/2014/main" id="{AF19B7EA-B058-4634-AEE4-5486E6C2014A}"/>
               </a:ext>
             </a:extLst>
           </p:cNvPr>
@@ -4073,39 +4968,155 @@
           <a:bodyPr/>
           <a:lstStyle/>
           <a:p>
-            <a:endParaRPr lang="zh-CN" altLang="en-US"/>
-          </a:p>
-        </p:txBody>
-      </p:sp>
-      <p:sp>
-        <p:nvSpPr>
-          <p:cNvPr id="3" name="内容占位符 2">
-            <a:extLst>
-              <a:ext uri="{FF2B5EF4-FFF2-40B4-BE49-F238E27FC236}">
-                <a16:creationId xmlns:a16="http://schemas.microsoft.com/office/drawing/2014/main" id="{A7CC6029-94BA-4D7C-B9CD-6C3A71379656}"/>
-              </a:ext>
-            </a:extLst>
-          </p:cNvPr>
-          <p:cNvSpPr>
-            <a:spLocks noGrp="1"/>
-          </p:cNvSpPr>
+            <a:r>
+              <a:rPr lang="en-US" altLang="zh-CN" dirty="0" err="1"/>
+              <a:t>Shop.h</a:t>
+            </a:r>
+            <a:r>
+              <a:rPr lang="en-US" altLang="zh-CN" dirty="0"/>
+              <a:t>/.</a:t>
+            </a:r>
+            <a:r>
+              <a:rPr lang="en-US" altLang="zh-CN" dirty="0" err="1"/>
+              <a:t>cpp</a:t>
+            </a:r>
+            <a:r>
+              <a:rPr lang="en-US" altLang="zh-CN" dirty="0"/>
+              <a:t> :class  </a:t>
+            </a:r>
+            <a:r>
+              <a:rPr lang="en-US" altLang="zh-CN" dirty="0" err="1"/>
+              <a:t>CSoldlist</a:t>
+            </a:r>
+            <a:endParaRPr lang="zh-CN" altLang="en-US" dirty="0"/>
+          </a:p>
+        </p:txBody>
+      </p:sp>
+      <p:sp>
+        <p:nvSpPr>
+          <p:cNvPr id="10" name="文本框 9">
+            <a:extLst>
+              <a:ext uri="{FF2B5EF4-FFF2-40B4-BE49-F238E27FC236}">
+                <a16:creationId xmlns:a16="http://schemas.microsoft.com/office/drawing/2014/main" id="{D2AE0D0C-A4D0-45BD-9B8F-8367763AFB25}"/>
+              </a:ext>
+            </a:extLst>
+          </p:cNvPr>
+          <p:cNvSpPr txBox="1"/>
+          <p:nvPr/>
+        </p:nvSpPr>
+        <p:spPr>
+          <a:xfrm>
+            <a:off x="941033" y="5846544"/>
+            <a:ext cx="2769833" cy="646331"/>
+          </a:xfrm>
+          <a:prstGeom prst="rect">
+            <a:avLst/>
+          </a:prstGeom>
+          <a:noFill/>
+        </p:spPr>
+        <p:txBody>
+          <a:bodyPr wrap="square" rtlCol="0">
+            <a:spAutoFit/>
+          </a:bodyPr>
+          <a:lstStyle/>
+          <a:p>
+            <a:r>
+              <a:rPr lang="zh-CN" altLang="en-US" dirty="0"/>
+              <a:t>当你把栈空间开到</a:t>
+            </a:r>
+            <a:r>
+              <a:rPr lang="en-US" altLang="zh-CN" dirty="0"/>
+              <a:t>1mb</a:t>
+            </a:r>
+            <a:r>
+              <a:rPr lang="zh-CN" altLang="en-US" dirty="0"/>
+              <a:t>时（原来</a:t>
+            </a:r>
+            <a:r>
+              <a:rPr lang="en-US" altLang="zh-CN" dirty="0"/>
+              <a:t>16kb</a:t>
+            </a:r>
+            <a:r>
+              <a:rPr lang="zh-CN" altLang="en-US" dirty="0"/>
+              <a:t>会炸）</a:t>
+            </a:r>
+          </a:p>
+        </p:txBody>
+      </p:sp>
+      <p:pic>
+        <p:nvPicPr>
+          <p:cNvPr id="6" name="内容占位符 5">
+            <a:extLst>
+              <a:ext uri="{FF2B5EF4-FFF2-40B4-BE49-F238E27FC236}">
+                <a16:creationId xmlns:a16="http://schemas.microsoft.com/office/drawing/2014/main" id="{158ACC47-D7B4-47D0-98B8-4A10A5D4FFF1}"/>
+              </a:ext>
+            </a:extLst>
+          </p:cNvPr>
+          <p:cNvPicPr>
+            <a:picLocks noGrp="1" noChangeAspect="1"/>
+          </p:cNvPicPr>
           <p:nvPr>
             <p:ph idx="1"/>
           </p:nvPr>
-        </p:nvSpPr>
-        <p:spPr/>
-        <p:txBody>
-          <a:bodyPr/>
-          <a:lstStyle/>
-          <a:p>
-            <a:endParaRPr lang="zh-CN" altLang="en-US"/>
+        </p:nvPicPr>
+        <p:blipFill>
+          <a:blip r:embed="rId2">
+            <a:extLst>
+              <a:ext uri="{28A0092B-C50C-407E-A947-70E740481C1C}">
+                <a14:useLocalDpi xmlns:a14="http://schemas.microsoft.com/office/drawing/2010/main" val="0"/>
+              </a:ext>
+            </a:extLst>
+          </a:blip>
+          <a:stretch>
+            <a:fillRect/>
+          </a:stretch>
+        </p:blipFill>
+        <p:spPr>
+          <a:xfrm>
+            <a:off x="475555" y="2711424"/>
+            <a:ext cx="11240889" cy="2289810"/>
+          </a:xfrm>
+        </p:spPr>
+      </p:pic>
+      <p:sp>
+        <p:nvSpPr>
+          <p:cNvPr id="3" name="文本框 2">
+            <a:extLst>
+              <a:ext uri="{FF2B5EF4-FFF2-40B4-BE49-F238E27FC236}">
+                <a16:creationId xmlns:a16="http://schemas.microsoft.com/office/drawing/2014/main" id="{588C14C0-53BD-4F82-B4F4-9F3EBD3D6E0E}"/>
+              </a:ext>
+            </a:extLst>
+          </p:cNvPr>
+          <p:cNvSpPr txBox="1"/>
+          <p:nvPr/>
+        </p:nvSpPr>
+        <p:spPr>
+          <a:xfrm>
+            <a:off x="4048217" y="5930283"/>
+            <a:ext cx="2047783" cy="646331"/>
+          </a:xfrm>
+          <a:prstGeom prst="rect">
+            <a:avLst/>
+          </a:prstGeom>
+          <a:noFill/>
+        </p:spPr>
+        <p:txBody>
+          <a:bodyPr wrap="square" rtlCol="0">
+            <a:spAutoFit/>
+          </a:bodyPr>
+          <a:lstStyle/>
+          <a:p>
+            <a:r>
+              <a:rPr lang="zh-CN" altLang="en-US" dirty="0"/>
+              <a:t>事实上这种类应被建立在堆上。</a:t>
+            </a:r>
           </a:p>
         </p:txBody>
       </p:sp>
     </p:spTree>
     <p:extLst>
       <p:ext uri="{BB962C8B-B14F-4D97-AF65-F5344CB8AC3E}">
-        <p14:creationId xmlns:p14="http://schemas.microsoft.com/office/powerpoint/2010/main" val="3549201543"/>
+        <p14:creationId xmlns:p14="http://schemas.microsoft.com/office/powerpoint/2010/main" val="4231339820"/>
       </p:ext>
     </p:extLst>
   </p:cSld>
@@ -4137,6 +5148,373 @@
           <p:cNvPr id="2" name="标题 1">
             <a:extLst>
               <a:ext uri="{FF2B5EF4-FFF2-40B4-BE49-F238E27FC236}">
+                <a16:creationId xmlns:a16="http://schemas.microsoft.com/office/drawing/2014/main" id="{BE85EFEF-67DE-489F-9734-4657D07E7236}"/>
+              </a:ext>
+            </a:extLst>
+          </p:cNvPr>
+          <p:cNvSpPr>
+            <a:spLocks noGrp="1"/>
+          </p:cNvSpPr>
+          <p:nvPr>
+            <p:ph type="title"/>
+          </p:nvPr>
+        </p:nvSpPr>
+        <p:spPr/>
+        <p:txBody>
+          <a:bodyPr/>
+          <a:lstStyle/>
+          <a:p>
+            <a:r>
+              <a:rPr lang="en-US" altLang="zh-CN" dirty="0"/>
+              <a:t>Main.cpp</a:t>
+            </a:r>
+            <a:r>
+              <a:rPr lang="zh-CN" altLang="en-US" dirty="0"/>
+              <a:t>：用于控制台的版本</a:t>
+            </a:r>
+          </a:p>
+        </p:txBody>
+      </p:sp>
+      <p:pic>
+        <p:nvPicPr>
+          <p:cNvPr id="9" name="内容占位符 8">
+            <a:extLst>
+              <a:ext uri="{FF2B5EF4-FFF2-40B4-BE49-F238E27FC236}">
+                <a16:creationId xmlns:a16="http://schemas.microsoft.com/office/drawing/2014/main" id="{9576F046-8EC6-4B52-B937-939020846A3F}"/>
+              </a:ext>
+            </a:extLst>
+          </p:cNvPr>
+          <p:cNvPicPr>
+            <a:picLocks noGrp="1" noChangeAspect="1"/>
+          </p:cNvPicPr>
+          <p:nvPr>
+            <p:ph idx="1"/>
+          </p:nvPr>
+        </p:nvPicPr>
+        <p:blipFill>
+          <a:blip r:embed="rId2">
+            <a:extLst>
+              <a:ext uri="{28A0092B-C50C-407E-A947-70E740481C1C}">
+                <a14:useLocalDpi xmlns:a14="http://schemas.microsoft.com/office/drawing/2010/main" val="0"/>
+              </a:ext>
+            </a:extLst>
+          </a:blip>
+          <a:stretch>
+            <a:fillRect/>
+          </a:stretch>
+        </p:blipFill>
+        <p:spPr>
+          <a:xfrm>
+            <a:off x="947587" y="1690688"/>
+            <a:ext cx="4686040" cy="2579471"/>
+          </a:xfrm>
+        </p:spPr>
+      </p:pic>
+    </p:spTree>
+    <p:extLst>
+      <p:ext uri="{BB962C8B-B14F-4D97-AF65-F5344CB8AC3E}">
+        <p14:creationId xmlns:p14="http://schemas.microsoft.com/office/powerpoint/2010/main" val="1948695531"/>
+      </p:ext>
+    </p:extLst>
+  </p:cSld>
+  <p:clrMapOvr>
+    <a:masterClrMapping/>
+  </p:clrMapOvr>
+</p:sld>
+</file>
+
+<file path=ppt/slides/slide17.xml><?xml version="1.0" encoding="utf-8"?>
+<p:sld xmlns:a="http://schemas.openxmlformats.org/drawingml/2006/main" xmlns:r="http://schemas.openxmlformats.org/officeDocument/2006/relationships" xmlns:p="http://schemas.openxmlformats.org/presentationml/2006/main">
+  <p:cSld>
+    <p:spTree>
+      <p:nvGrpSpPr>
+        <p:cNvPr id="1" name=""/>
+        <p:cNvGrpSpPr/>
+        <p:nvPr/>
+      </p:nvGrpSpPr>
+      <p:grpSpPr>
+        <a:xfrm>
+          <a:off x="0" y="0"/>
+          <a:ext cx="0" cy="0"/>
+          <a:chOff x="0" y="0"/>
+          <a:chExt cx="0" cy="0"/>
+        </a:xfrm>
+      </p:grpSpPr>
+      <p:sp>
+        <p:nvSpPr>
+          <p:cNvPr id="2" name="标题 1">
+            <a:extLst>
+              <a:ext uri="{FF2B5EF4-FFF2-40B4-BE49-F238E27FC236}">
+                <a16:creationId xmlns:a16="http://schemas.microsoft.com/office/drawing/2014/main" id="{E9C59EAA-A757-47A6-8A84-C34A63323876}"/>
+              </a:ext>
+            </a:extLst>
+          </p:cNvPr>
+          <p:cNvSpPr>
+            <a:spLocks noGrp="1"/>
+          </p:cNvSpPr>
+          <p:nvPr>
+            <p:ph type="title"/>
+          </p:nvPr>
+        </p:nvSpPr>
+        <p:spPr/>
+        <p:txBody>
+          <a:bodyPr/>
+          <a:lstStyle/>
+          <a:p>
+            <a:r>
+              <a:rPr lang="zh-CN" altLang="en-US" dirty="0"/>
+              <a:t>界面设计（控制台应用程序）</a:t>
+            </a:r>
+          </a:p>
+        </p:txBody>
+      </p:sp>
+      <p:pic>
+        <p:nvPicPr>
+          <p:cNvPr id="5" name="内容占位符 4">
+            <a:extLst>
+              <a:ext uri="{FF2B5EF4-FFF2-40B4-BE49-F238E27FC236}">
+                <a16:creationId xmlns:a16="http://schemas.microsoft.com/office/drawing/2014/main" id="{D11C73AD-0835-4C83-96DC-2796EDD045D4}"/>
+              </a:ext>
+            </a:extLst>
+          </p:cNvPr>
+          <p:cNvPicPr>
+            <a:picLocks noGrp="1" noChangeAspect="1"/>
+          </p:cNvPicPr>
+          <p:nvPr>
+            <p:ph idx="1"/>
+          </p:nvPr>
+        </p:nvPicPr>
+        <p:blipFill>
+          <a:blip r:embed="rId2">
+            <a:extLst>
+              <a:ext uri="{28A0092B-C50C-407E-A947-70E740481C1C}">
+                <a14:useLocalDpi xmlns:a14="http://schemas.microsoft.com/office/drawing/2010/main" val="0"/>
+              </a:ext>
+            </a:extLst>
+          </a:blip>
+          <a:stretch>
+            <a:fillRect/>
+          </a:stretch>
+        </p:blipFill>
+        <p:spPr>
+          <a:xfrm>
+            <a:off x="566378" y="1715916"/>
+            <a:ext cx="4821201" cy="1325563"/>
+          </a:xfrm>
+        </p:spPr>
+      </p:pic>
+      <p:pic>
+        <p:nvPicPr>
+          <p:cNvPr id="9" name="图片 8">
+            <a:extLst>
+              <a:ext uri="{FF2B5EF4-FFF2-40B4-BE49-F238E27FC236}">
+                <a16:creationId xmlns:a16="http://schemas.microsoft.com/office/drawing/2014/main" id="{7B25981A-440B-4C9C-8280-AF187A4807C2}"/>
+              </a:ext>
+            </a:extLst>
+          </p:cNvPr>
+          <p:cNvPicPr>
+            <a:picLocks noChangeAspect="1"/>
+          </p:cNvPicPr>
+          <p:nvPr/>
+        </p:nvPicPr>
+        <p:blipFill>
+          <a:blip r:embed="rId3">
+            <a:extLst>
+              <a:ext uri="{28A0092B-C50C-407E-A947-70E740481C1C}">
+                <a14:useLocalDpi xmlns:a14="http://schemas.microsoft.com/office/drawing/2010/main" val="0"/>
+              </a:ext>
+            </a:extLst>
+          </a:blip>
+          <a:stretch>
+            <a:fillRect/>
+          </a:stretch>
+        </p:blipFill>
+        <p:spPr>
+          <a:xfrm>
+            <a:off x="566378" y="3716874"/>
+            <a:ext cx="8202170" cy="895475"/>
+          </a:xfrm>
+          <a:prstGeom prst="rect">
+            <a:avLst/>
+          </a:prstGeom>
+        </p:spPr>
+      </p:pic>
+      <p:pic>
+        <p:nvPicPr>
+          <p:cNvPr id="11" name="图片 10">
+            <a:extLst>
+              <a:ext uri="{FF2B5EF4-FFF2-40B4-BE49-F238E27FC236}">
+                <a16:creationId xmlns:a16="http://schemas.microsoft.com/office/drawing/2014/main" id="{FD8D4EE7-1535-426F-880D-9640BC80E8FC}"/>
+              </a:ext>
+            </a:extLst>
+          </p:cNvPr>
+          <p:cNvPicPr>
+            <a:picLocks noChangeAspect="1"/>
+          </p:cNvPicPr>
+          <p:nvPr/>
+        </p:nvPicPr>
+        <p:blipFill>
+          <a:blip r:embed="rId4">
+            <a:extLst>
+              <a:ext uri="{28A0092B-C50C-407E-A947-70E740481C1C}">
+                <a14:useLocalDpi xmlns:a14="http://schemas.microsoft.com/office/drawing/2010/main" val="0"/>
+              </a:ext>
+            </a:extLst>
+          </a:blip>
+          <a:stretch>
+            <a:fillRect/>
+          </a:stretch>
+        </p:blipFill>
+        <p:spPr>
+          <a:xfrm>
+            <a:off x="566378" y="5287744"/>
+            <a:ext cx="7090907" cy="895474"/>
+          </a:xfrm>
+          <a:prstGeom prst="rect">
+            <a:avLst/>
+          </a:prstGeom>
+        </p:spPr>
+      </p:pic>
+      <p:sp>
+        <p:nvSpPr>
+          <p:cNvPr id="12" name="文本框 11">
+            <a:extLst>
+              <a:ext uri="{FF2B5EF4-FFF2-40B4-BE49-F238E27FC236}">
+                <a16:creationId xmlns:a16="http://schemas.microsoft.com/office/drawing/2014/main" id="{4F8D4D52-BA79-4F23-AE8A-632D6E2B424D}"/>
+              </a:ext>
+            </a:extLst>
+          </p:cNvPr>
+          <p:cNvSpPr txBox="1"/>
+          <p:nvPr/>
+        </p:nvSpPr>
+        <p:spPr>
+          <a:xfrm>
+            <a:off x="6578354" y="2073695"/>
+            <a:ext cx="2627790" cy="584775"/>
+          </a:xfrm>
+          <a:prstGeom prst="rect">
+            <a:avLst/>
+          </a:prstGeom>
+          <a:noFill/>
+        </p:spPr>
+        <p:txBody>
+          <a:bodyPr wrap="square" rtlCol="0">
+            <a:spAutoFit/>
+          </a:bodyPr>
+          <a:lstStyle/>
+          <a:p>
+            <a:r>
+              <a:rPr lang="zh-CN" altLang="en-US" sz="3200" dirty="0"/>
+              <a:t>功能选择界面</a:t>
+            </a:r>
+          </a:p>
+        </p:txBody>
+      </p:sp>
+      <p:sp>
+        <p:nvSpPr>
+          <p:cNvPr id="13" name="文本框 12">
+            <a:extLst>
+              <a:ext uri="{FF2B5EF4-FFF2-40B4-BE49-F238E27FC236}">
+                <a16:creationId xmlns:a16="http://schemas.microsoft.com/office/drawing/2014/main" id="{C76C0DEB-739C-4516-B539-275260CDD90F}"/>
+              </a:ext>
+            </a:extLst>
+          </p:cNvPr>
+          <p:cNvSpPr txBox="1"/>
+          <p:nvPr/>
+        </p:nvSpPr>
+        <p:spPr>
+          <a:xfrm>
+            <a:off x="9072979" y="3872223"/>
+            <a:ext cx="2379215" cy="584775"/>
+          </a:xfrm>
+          <a:prstGeom prst="rect">
+            <a:avLst/>
+          </a:prstGeom>
+          <a:noFill/>
+        </p:spPr>
+        <p:txBody>
+          <a:bodyPr wrap="square" rtlCol="0">
+            <a:spAutoFit/>
+          </a:bodyPr>
+          <a:lstStyle/>
+          <a:p>
+            <a:r>
+              <a:rPr lang="zh-CN" altLang="en-US" sz="3200" dirty="0"/>
+              <a:t>用户菜单</a:t>
+            </a:r>
+          </a:p>
+        </p:txBody>
+      </p:sp>
+      <p:sp>
+        <p:nvSpPr>
+          <p:cNvPr id="14" name="文本框 13">
+            <a:extLst>
+              <a:ext uri="{FF2B5EF4-FFF2-40B4-BE49-F238E27FC236}">
+                <a16:creationId xmlns:a16="http://schemas.microsoft.com/office/drawing/2014/main" id="{1EEC7CC4-1881-4579-B3E6-4A7EC2B294B7}"/>
+              </a:ext>
+            </a:extLst>
+          </p:cNvPr>
+          <p:cNvSpPr txBox="1"/>
+          <p:nvPr/>
+        </p:nvSpPr>
+        <p:spPr>
+          <a:xfrm>
+            <a:off x="8309499" y="5378363"/>
+            <a:ext cx="2494625" cy="584775"/>
+          </a:xfrm>
+          <a:prstGeom prst="rect">
+            <a:avLst/>
+          </a:prstGeom>
+          <a:noFill/>
+        </p:spPr>
+        <p:txBody>
+          <a:bodyPr wrap="square" rtlCol="0">
+            <a:spAutoFit/>
+          </a:bodyPr>
+          <a:lstStyle/>
+          <a:p>
+            <a:r>
+              <a:rPr lang="zh-CN" altLang="en-US" sz="3200" dirty="0"/>
+              <a:t>管理员菜单</a:t>
+            </a:r>
+          </a:p>
+        </p:txBody>
+      </p:sp>
+    </p:spTree>
+    <p:extLst>
+      <p:ext uri="{BB962C8B-B14F-4D97-AF65-F5344CB8AC3E}">
+        <p14:creationId xmlns:p14="http://schemas.microsoft.com/office/powerpoint/2010/main" val="3549201543"/>
+      </p:ext>
+    </p:extLst>
+  </p:cSld>
+  <p:clrMapOvr>
+    <a:masterClrMapping/>
+  </p:clrMapOvr>
+</p:sld>
+</file>
+
+<file path=ppt/slides/slide18.xml><?xml version="1.0" encoding="utf-8"?>
+<p:sld xmlns:a="http://schemas.openxmlformats.org/drawingml/2006/main" xmlns:r="http://schemas.openxmlformats.org/officeDocument/2006/relationships" xmlns:p="http://schemas.openxmlformats.org/presentationml/2006/main">
+  <p:cSld>
+    <p:spTree>
+      <p:nvGrpSpPr>
+        <p:cNvPr id="1" name=""/>
+        <p:cNvGrpSpPr/>
+        <p:nvPr/>
+      </p:nvGrpSpPr>
+      <p:grpSpPr>
+        <a:xfrm>
+          <a:off x="0" y="0"/>
+          <a:ext cx="0" cy="0"/>
+          <a:chOff x="0" y="0"/>
+          <a:chExt cx="0" cy="0"/>
+        </a:xfrm>
+      </p:grpSpPr>
+      <p:sp>
+        <p:nvSpPr>
+          <p:cNvPr id="2" name="标题 1">
+            <a:extLst>
+              <a:ext uri="{FF2B5EF4-FFF2-40B4-BE49-F238E27FC236}">
                 <a16:creationId xmlns:a16="http://schemas.microsoft.com/office/drawing/2014/main" id="{418D74D2-FE05-4572-979B-DA2547261CEB}"/>
               </a:ext>
             </a:extLst>
@@ -4153,39 +5531,261 @@
           <a:bodyPr/>
           <a:lstStyle/>
           <a:p>
-            <a:endParaRPr lang="zh-CN" altLang="en-US"/>
-          </a:p>
-        </p:txBody>
-      </p:sp>
-      <p:sp>
-        <p:nvSpPr>
-          <p:cNvPr id="3" name="内容占位符 2">
-            <a:extLst>
-              <a:ext uri="{FF2B5EF4-FFF2-40B4-BE49-F238E27FC236}">
-                <a16:creationId xmlns:a16="http://schemas.microsoft.com/office/drawing/2014/main" id="{4B958C4C-7758-49BB-B1F2-21703360937E}"/>
-              </a:ext>
-            </a:extLst>
-          </p:cNvPr>
-          <p:cNvSpPr>
-            <a:spLocks noGrp="1"/>
-          </p:cNvSpPr>
+            <a:r>
+              <a:rPr lang="en-US" altLang="zh-CN" dirty="0"/>
+              <a:t>UI</a:t>
+            </a:r>
+            <a:r>
+              <a:rPr lang="zh-CN" altLang="en-US" dirty="0"/>
+              <a:t>界面设计：</a:t>
+            </a:r>
+          </a:p>
+        </p:txBody>
+      </p:sp>
+      <p:pic>
+        <p:nvPicPr>
+          <p:cNvPr id="5" name="内容占位符 4" descr="网店信息管理系统 - [预览] - Qt Designer">
+            <a:extLst>
+              <a:ext uri="{FF2B5EF4-FFF2-40B4-BE49-F238E27FC236}">
+                <a16:creationId xmlns:a16="http://schemas.microsoft.com/office/drawing/2014/main" id="{5E38E419-5FA2-404F-A394-79EC6B7DEFDC}"/>
+              </a:ext>
+            </a:extLst>
+          </p:cNvPr>
+          <p:cNvPicPr>
+            <a:picLocks noGrp="1" noChangeAspect="1"/>
+          </p:cNvPicPr>
           <p:nvPr>
             <p:ph idx="1"/>
           </p:nvPr>
-        </p:nvSpPr>
-        <p:spPr/>
-        <p:txBody>
-          <a:bodyPr/>
-          <a:lstStyle/>
-          <a:p>
-            <a:endParaRPr lang="zh-CN" altLang="en-US"/>
-          </a:p>
-        </p:txBody>
-      </p:sp>
+        </p:nvPicPr>
+        <p:blipFill>
+          <a:blip r:embed="rId2">
+            <a:extLst>
+              <a:ext uri="{28A0092B-C50C-407E-A947-70E740481C1C}">
+                <a14:useLocalDpi xmlns:a14="http://schemas.microsoft.com/office/drawing/2010/main" val="0"/>
+              </a:ext>
+            </a:extLst>
+          </a:blip>
+          <a:stretch>
+            <a:fillRect/>
+          </a:stretch>
+        </p:blipFill>
+        <p:spPr>
+          <a:xfrm>
+            <a:off x="207885" y="1506029"/>
+            <a:ext cx="6955845" cy="4351338"/>
+          </a:xfrm>
+        </p:spPr>
+      </p:pic>
+      <p:pic>
+        <p:nvPicPr>
+          <p:cNvPr id="7" name="图片 6" descr="qtproject_login_new - [预览] - Qt Designer">
+            <a:extLst>
+              <a:ext uri="{FF2B5EF4-FFF2-40B4-BE49-F238E27FC236}">
+                <a16:creationId xmlns:a16="http://schemas.microsoft.com/office/drawing/2014/main" id="{4DD87569-6BAC-4968-A016-BBCB0A5C0DA0}"/>
+              </a:ext>
+            </a:extLst>
+          </p:cNvPr>
+          <p:cNvPicPr>
+            <a:picLocks noChangeAspect="1"/>
+          </p:cNvPicPr>
+          <p:nvPr/>
+        </p:nvPicPr>
+        <p:blipFill>
+          <a:blip r:embed="rId3">
+            <a:extLst>
+              <a:ext uri="{28A0092B-C50C-407E-A947-70E740481C1C}">
+                <a14:useLocalDpi xmlns:a14="http://schemas.microsoft.com/office/drawing/2010/main" val="0"/>
+              </a:ext>
+            </a:extLst>
+          </a:blip>
+          <a:stretch>
+            <a:fillRect/>
+          </a:stretch>
+        </p:blipFill>
+        <p:spPr>
+          <a:xfrm>
+            <a:off x="6723706" y="855239"/>
+            <a:ext cx="4248743" cy="2324424"/>
+          </a:xfrm>
+          <a:prstGeom prst="rect">
+            <a:avLst/>
+          </a:prstGeom>
+        </p:spPr>
+      </p:pic>
+      <p:pic>
+        <p:nvPicPr>
+          <p:cNvPr id="9" name="图片 8" descr="input_new - [预览] - Qt Designer">
+            <a:extLst>
+              <a:ext uri="{FF2B5EF4-FFF2-40B4-BE49-F238E27FC236}">
+                <a16:creationId xmlns:a16="http://schemas.microsoft.com/office/drawing/2014/main" id="{7BEDCC16-7C78-4E4E-97E4-A35A32A0D2E9}"/>
+              </a:ext>
+            </a:extLst>
+          </p:cNvPr>
+          <p:cNvPicPr>
+            <a:picLocks noChangeAspect="1"/>
+          </p:cNvPicPr>
+          <p:nvPr/>
+        </p:nvPicPr>
+        <p:blipFill>
+          <a:blip r:embed="rId4">
+            <a:extLst>
+              <a:ext uri="{28A0092B-C50C-407E-A947-70E740481C1C}">
+                <a14:useLocalDpi xmlns:a14="http://schemas.microsoft.com/office/drawing/2010/main" val="0"/>
+              </a:ext>
+            </a:extLst>
+          </a:blip>
+          <a:stretch>
+            <a:fillRect/>
+          </a:stretch>
+        </p:blipFill>
+        <p:spPr>
+          <a:xfrm>
+            <a:off x="6609688" y="4489838"/>
+            <a:ext cx="4744112" cy="1724266"/>
+          </a:xfrm>
+          <a:prstGeom prst="rect">
+            <a:avLst/>
+          </a:prstGeom>
+        </p:spPr>
+      </p:pic>
     </p:spTree>
     <p:extLst>
       <p:ext uri="{BB962C8B-B14F-4D97-AF65-F5344CB8AC3E}">
         <p14:creationId xmlns:p14="http://schemas.microsoft.com/office/powerpoint/2010/main" val="2538002202"/>
+      </p:ext>
+    </p:extLst>
+  </p:cSld>
+  <p:clrMapOvr>
+    <a:masterClrMapping/>
+  </p:clrMapOvr>
+</p:sld>
+</file>
+
+<file path=ppt/slides/slide19.xml><?xml version="1.0" encoding="utf-8"?>
+<p:sld xmlns:a="http://schemas.openxmlformats.org/drawingml/2006/main" xmlns:r="http://schemas.openxmlformats.org/officeDocument/2006/relationships" xmlns:p="http://schemas.openxmlformats.org/presentationml/2006/main">
+  <p:cSld>
+    <p:spTree>
+      <p:nvGrpSpPr>
+        <p:cNvPr id="1" name=""/>
+        <p:cNvGrpSpPr/>
+        <p:nvPr/>
+      </p:nvGrpSpPr>
+      <p:grpSpPr>
+        <a:xfrm>
+          <a:off x="0" y="0"/>
+          <a:ext cx="0" cy="0"/>
+          <a:chOff x="0" y="0"/>
+          <a:chExt cx="0" cy="0"/>
+        </a:xfrm>
+      </p:grpSpPr>
+      <p:sp>
+        <p:nvSpPr>
+          <p:cNvPr id="2" name="标题 1">
+            <a:extLst>
+              <a:ext uri="{FF2B5EF4-FFF2-40B4-BE49-F238E27FC236}">
+                <a16:creationId xmlns:a16="http://schemas.microsoft.com/office/drawing/2014/main" id="{C23D1982-6388-4652-A294-81BE0C06A0EE}"/>
+              </a:ext>
+            </a:extLst>
+          </p:cNvPr>
+          <p:cNvSpPr>
+            <a:spLocks noGrp="1"/>
+          </p:cNvSpPr>
+          <p:nvPr>
+            <p:ph type="title"/>
+          </p:nvPr>
+        </p:nvSpPr>
+        <p:spPr/>
+        <p:txBody>
+          <a:bodyPr/>
+          <a:lstStyle/>
+          <a:p>
+            <a:r>
+              <a:rPr lang="en-US" altLang="zh-CN" dirty="0"/>
+              <a:t>UI</a:t>
+            </a:r>
+            <a:r>
+              <a:rPr lang="zh-CN" altLang="en-US" dirty="0"/>
+              <a:t>界面设计：</a:t>
+            </a:r>
+          </a:p>
+        </p:txBody>
+      </p:sp>
+      <p:pic>
+        <p:nvPicPr>
+          <p:cNvPr id="5" name="内容占位符 4" descr="用户菜单 - [预览] - Qt Designer">
+            <a:extLst>
+              <a:ext uri="{FF2B5EF4-FFF2-40B4-BE49-F238E27FC236}">
+                <a16:creationId xmlns:a16="http://schemas.microsoft.com/office/drawing/2014/main" id="{1ECD18E6-DC5E-4605-990F-F37542DFFEF0}"/>
+              </a:ext>
+            </a:extLst>
+          </p:cNvPr>
+          <p:cNvPicPr>
+            <a:picLocks noGrp="1" noChangeAspect="1"/>
+          </p:cNvPicPr>
+          <p:nvPr>
+            <p:ph idx="1"/>
+          </p:nvPr>
+        </p:nvPicPr>
+        <p:blipFill>
+          <a:blip r:embed="rId2">
+            <a:extLst>
+              <a:ext uri="{28A0092B-C50C-407E-A947-70E740481C1C}">
+                <a14:useLocalDpi xmlns:a14="http://schemas.microsoft.com/office/drawing/2010/main" val="0"/>
+              </a:ext>
+            </a:extLst>
+          </a:blip>
+          <a:stretch>
+            <a:fillRect/>
+          </a:stretch>
+        </p:blipFill>
+        <p:spPr>
+          <a:xfrm>
+            <a:off x="5740628" y="1027906"/>
+            <a:ext cx="6303676" cy="4351338"/>
+          </a:xfrm>
+        </p:spPr>
+      </p:pic>
+      <p:pic>
+        <p:nvPicPr>
+          <p:cNvPr id="7" name="图片 6" descr="管理员菜单 - [预览] - Qt Designer">
+            <a:extLst>
+              <a:ext uri="{FF2B5EF4-FFF2-40B4-BE49-F238E27FC236}">
+                <a16:creationId xmlns:a16="http://schemas.microsoft.com/office/drawing/2014/main" id="{4E1569F4-14E2-40F3-9AF1-EFC7A063A3B7}"/>
+              </a:ext>
+            </a:extLst>
+          </p:cNvPr>
+          <p:cNvPicPr>
+            <a:picLocks noChangeAspect="1"/>
+          </p:cNvPicPr>
+          <p:nvPr/>
+        </p:nvPicPr>
+        <p:blipFill>
+          <a:blip r:embed="rId3">
+            <a:extLst>
+              <a:ext uri="{28A0092B-C50C-407E-A947-70E740481C1C}">
+                <a14:useLocalDpi xmlns:a14="http://schemas.microsoft.com/office/drawing/2010/main" val="0"/>
+              </a:ext>
+            </a:extLst>
+          </a:blip>
+          <a:stretch>
+            <a:fillRect/>
+          </a:stretch>
+        </p:blipFill>
+        <p:spPr>
+          <a:xfrm>
+            <a:off x="289738" y="1969826"/>
+            <a:ext cx="6829251" cy="4703900"/>
+          </a:xfrm>
+          <a:prstGeom prst="rect">
+            <a:avLst/>
+          </a:prstGeom>
+        </p:spPr>
+      </p:pic>
+    </p:spTree>
+    <p:extLst>
+      <p:ext uri="{BB962C8B-B14F-4D97-AF65-F5344CB8AC3E}">
+        <p14:creationId xmlns:p14="http://schemas.microsoft.com/office/powerpoint/2010/main" val="3853134547"/>
       </p:ext>
     </p:extLst>
   </p:cSld>
@@ -4307,6 +5907,28 @@
             <a:endParaRPr lang="en-US" altLang="zh-CN" dirty="0"/>
           </a:p>
           <a:p>
+            <a:r>
+              <a:rPr lang="en-US" altLang="zh-CN" dirty="0"/>
+              <a:t>5.</a:t>
+            </a:r>
+            <a:r>
+              <a:rPr lang="zh-CN" altLang="en-US" dirty="0"/>
+              <a:t>简单的设计模式运用</a:t>
+            </a:r>
+            <a:endParaRPr lang="en-US" altLang="zh-CN" dirty="0"/>
+          </a:p>
+          <a:p>
+            <a:r>
+              <a:rPr lang="en-US" altLang="zh-CN" dirty="0"/>
+              <a:t>6.</a:t>
+            </a:r>
+            <a:r>
+              <a:rPr lang="zh-CN" altLang="en-US" dirty="0"/>
+              <a:t>功能拓展</a:t>
+            </a:r>
+            <a:endParaRPr lang="en-US" altLang="zh-CN" dirty="0"/>
+          </a:p>
+          <a:p>
             <a:endParaRPr lang="zh-CN" altLang="en-US" dirty="0"/>
           </a:p>
         </p:txBody>
@@ -4315,6 +5937,605 @@
     <p:extLst>
       <p:ext uri="{BB962C8B-B14F-4D97-AF65-F5344CB8AC3E}">
         <p14:creationId xmlns:p14="http://schemas.microsoft.com/office/powerpoint/2010/main" val="2600227157"/>
+      </p:ext>
+    </p:extLst>
+  </p:cSld>
+  <p:clrMapOvr>
+    <a:masterClrMapping/>
+  </p:clrMapOvr>
+</p:sld>
+</file>
+
+<file path=ppt/slides/slide20.xml><?xml version="1.0" encoding="utf-8"?>
+<p:sld xmlns:a="http://schemas.openxmlformats.org/drawingml/2006/main" xmlns:r="http://schemas.openxmlformats.org/officeDocument/2006/relationships" xmlns:p="http://schemas.openxmlformats.org/presentationml/2006/main">
+  <p:cSld>
+    <p:spTree>
+      <p:nvGrpSpPr>
+        <p:cNvPr id="1" name=""/>
+        <p:cNvGrpSpPr/>
+        <p:nvPr/>
+      </p:nvGrpSpPr>
+      <p:grpSpPr>
+        <a:xfrm>
+          <a:off x="0" y="0"/>
+          <a:ext cx="0" cy="0"/>
+          <a:chOff x="0" y="0"/>
+          <a:chExt cx="0" cy="0"/>
+        </a:xfrm>
+      </p:grpSpPr>
+      <p:sp>
+        <p:nvSpPr>
+          <p:cNvPr id="2" name="标题 1">
+            <a:extLst>
+              <a:ext uri="{FF2B5EF4-FFF2-40B4-BE49-F238E27FC236}">
+                <a16:creationId xmlns:a16="http://schemas.microsoft.com/office/drawing/2014/main" id="{881E3ECC-9889-4F5D-A18E-7B11CE2D66B8}"/>
+              </a:ext>
+            </a:extLst>
+          </p:cNvPr>
+          <p:cNvSpPr>
+            <a:spLocks noGrp="1"/>
+          </p:cNvSpPr>
+          <p:nvPr>
+            <p:ph type="title"/>
+          </p:nvPr>
+        </p:nvSpPr>
+        <p:spPr/>
+        <p:txBody>
+          <a:bodyPr/>
+          <a:lstStyle/>
+          <a:p>
+            <a:r>
+              <a:rPr lang="en-US" altLang="zh-CN" dirty="0"/>
+              <a:t>5.</a:t>
+            </a:r>
+            <a:r>
+              <a:rPr lang="zh-CN" altLang="en-US" dirty="0"/>
+              <a:t>简单的设计模式运用：单例模式</a:t>
+            </a:r>
+          </a:p>
+        </p:txBody>
+      </p:sp>
+      <p:pic>
+        <p:nvPicPr>
+          <p:cNvPr id="5" name="内容占位符 4">
+            <a:extLst>
+              <a:ext uri="{FF2B5EF4-FFF2-40B4-BE49-F238E27FC236}">
+                <a16:creationId xmlns:a16="http://schemas.microsoft.com/office/drawing/2014/main" id="{C3F8BA59-E8F6-4B68-986C-C1CCB7ED5680}"/>
+              </a:ext>
+            </a:extLst>
+          </p:cNvPr>
+          <p:cNvPicPr>
+            <a:picLocks noGrp="1" noChangeAspect="1"/>
+          </p:cNvPicPr>
+          <p:nvPr>
+            <p:ph idx="1"/>
+          </p:nvPr>
+        </p:nvPicPr>
+        <p:blipFill>
+          <a:blip r:embed="rId2">
+            <a:extLst>
+              <a:ext uri="{28A0092B-C50C-407E-A947-70E740481C1C}">
+                <a14:useLocalDpi xmlns:a14="http://schemas.microsoft.com/office/drawing/2010/main" val="0"/>
+              </a:ext>
+            </a:extLst>
+          </a:blip>
+          <a:stretch>
+            <a:fillRect/>
+          </a:stretch>
+        </p:blipFill>
+        <p:spPr>
+          <a:xfrm>
+            <a:off x="977666" y="1842353"/>
+            <a:ext cx="4582164" cy="1634843"/>
+          </a:xfrm>
+        </p:spPr>
+      </p:pic>
+      <p:pic>
+        <p:nvPicPr>
+          <p:cNvPr id="7" name="图片 6">
+            <a:extLst>
+              <a:ext uri="{FF2B5EF4-FFF2-40B4-BE49-F238E27FC236}">
+                <a16:creationId xmlns:a16="http://schemas.microsoft.com/office/drawing/2014/main" id="{57D319C0-7514-41D6-AAA0-84D4FA1B76C1}"/>
+              </a:ext>
+            </a:extLst>
+          </p:cNvPr>
+          <p:cNvPicPr>
+            <a:picLocks noChangeAspect="1"/>
+          </p:cNvPicPr>
+          <p:nvPr/>
+        </p:nvPicPr>
+        <p:blipFill>
+          <a:blip r:embed="rId3">
+            <a:extLst>
+              <a:ext uri="{28A0092B-C50C-407E-A947-70E740481C1C}">
+                <a14:useLocalDpi xmlns:a14="http://schemas.microsoft.com/office/drawing/2010/main" val="0"/>
+              </a:ext>
+            </a:extLst>
+          </a:blip>
+          <a:stretch>
+            <a:fillRect/>
+          </a:stretch>
+        </p:blipFill>
+        <p:spPr>
+          <a:xfrm>
+            <a:off x="977666" y="3524777"/>
+            <a:ext cx="4582164" cy="276264"/>
+          </a:xfrm>
+          <a:prstGeom prst="rect">
+            <a:avLst/>
+          </a:prstGeom>
+        </p:spPr>
+      </p:pic>
+      <p:sp>
+        <p:nvSpPr>
+          <p:cNvPr id="8" name="文本框 7">
+            <a:extLst>
+              <a:ext uri="{FF2B5EF4-FFF2-40B4-BE49-F238E27FC236}">
+                <a16:creationId xmlns:a16="http://schemas.microsoft.com/office/drawing/2014/main" id="{8E01995F-6FB0-43A1-9CA8-CD8FAE048767}"/>
+              </a:ext>
+            </a:extLst>
+          </p:cNvPr>
+          <p:cNvSpPr txBox="1"/>
+          <p:nvPr/>
+        </p:nvSpPr>
+        <p:spPr>
+          <a:xfrm>
+            <a:off x="1091953" y="3950563"/>
+            <a:ext cx="4467877" cy="646331"/>
+          </a:xfrm>
+          <a:prstGeom prst="rect">
+            <a:avLst/>
+          </a:prstGeom>
+          <a:noFill/>
+        </p:spPr>
+        <p:txBody>
+          <a:bodyPr wrap="square" rtlCol="0">
+            <a:spAutoFit/>
+          </a:bodyPr>
+          <a:lstStyle/>
+          <a:p>
+            <a:r>
+              <a:rPr lang="zh-CN" altLang="en-US" dirty="0"/>
+              <a:t>运用该设计模式，保证了在程序运行的整个时间中只会有唯一的用户类，管理员类。</a:t>
+            </a:r>
+          </a:p>
+        </p:txBody>
+      </p:sp>
+      <p:sp>
+        <p:nvSpPr>
+          <p:cNvPr id="9" name="文本框 8">
+            <a:extLst>
+              <a:ext uri="{FF2B5EF4-FFF2-40B4-BE49-F238E27FC236}">
+                <a16:creationId xmlns:a16="http://schemas.microsoft.com/office/drawing/2014/main" id="{ABB91758-C493-464E-B6E3-BE9C3365185B}"/>
+              </a:ext>
+            </a:extLst>
+          </p:cNvPr>
+          <p:cNvSpPr txBox="1"/>
+          <p:nvPr/>
+        </p:nvSpPr>
+        <p:spPr>
+          <a:xfrm>
+            <a:off x="6356411" y="2324448"/>
+            <a:ext cx="2645546" cy="1200329"/>
+          </a:xfrm>
+          <a:prstGeom prst="rect">
+            <a:avLst/>
+          </a:prstGeom>
+          <a:noFill/>
+        </p:spPr>
+        <p:txBody>
+          <a:bodyPr wrap="square" rtlCol="0">
+            <a:spAutoFit/>
+          </a:bodyPr>
+          <a:lstStyle/>
+          <a:p>
+            <a:r>
+              <a:rPr lang="zh-CN" altLang="en-US" dirty="0"/>
+              <a:t>核心：</a:t>
+            </a:r>
+            <a:endParaRPr lang="en-US" altLang="zh-CN" dirty="0"/>
+          </a:p>
+          <a:p>
+            <a:r>
+              <a:rPr lang="zh-CN" altLang="en-US" dirty="0"/>
+              <a:t>保证一个类仅有一个实例，并提供一个访问它的全局访问点。</a:t>
+            </a:r>
+          </a:p>
+        </p:txBody>
+      </p:sp>
+    </p:spTree>
+    <p:extLst>
+      <p:ext uri="{BB962C8B-B14F-4D97-AF65-F5344CB8AC3E}">
+        <p14:creationId xmlns:p14="http://schemas.microsoft.com/office/powerpoint/2010/main" val="1128416812"/>
+      </p:ext>
+    </p:extLst>
+  </p:cSld>
+  <p:clrMapOvr>
+    <a:masterClrMapping/>
+  </p:clrMapOvr>
+</p:sld>
+</file>
+
+<file path=ppt/slides/slide21.xml><?xml version="1.0" encoding="utf-8"?>
+<p:sld xmlns:a="http://schemas.openxmlformats.org/drawingml/2006/main" xmlns:r="http://schemas.openxmlformats.org/officeDocument/2006/relationships" xmlns:p="http://schemas.openxmlformats.org/presentationml/2006/main">
+  <p:cSld>
+    <p:spTree>
+      <p:nvGrpSpPr>
+        <p:cNvPr id="1" name=""/>
+        <p:cNvGrpSpPr/>
+        <p:nvPr/>
+      </p:nvGrpSpPr>
+      <p:grpSpPr>
+        <a:xfrm>
+          <a:off x="0" y="0"/>
+          <a:ext cx="0" cy="0"/>
+          <a:chOff x="0" y="0"/>
+          <a:chExt cx="0" cy="0"/>
+        </a:xfrm>
+      </p:grpSpPr>
+      <p:sp>
+        <p:nvSpPr>
+          <p:cNvPr id="2" name="标题 1">
+            <a:extLst>
+              <a:ext uri="{FF2B5EF4-FFF2-40B4-BE49-F238E27FC236}">
+                <a16:creationId xmlns:a16="http://schemas.microsoft.com/office/drawing/2014/main" id="{FFA442B5-BF42-416A-BB04-3A5A3A9DAA2D}"/>
+              </a:ext>
+            </a:extLst>
+          </p:cNvPr>
+          <p:cNvSpPr>
+            <a:spLocks noGrp="1"/>
+          </p:cNvSpPr>
+          <p:nvPr>
+            <p:ph type="title"/>
+          </p:nvPr>
+        </p:nvSpPr>
+        <p:spPr/>
+        <p:txBody>
+          <a:bodyPr/>
+          <a:lstStyle/>
+          <a:p>
+            <a:r>
+              <a:rPr lang="en-US" altLang="zh-CN" dirty="0"/>
+              <a:t>5.</a:t>
+            </a:r>
+            <a:r>
+              <a:rPr lang="zh-CN" altLang="en-US" dirty="0"/>
+              <a:t>简单的设计模式运用：单例模式</a:t>
+            </a:r>
+          </a:p>
+        </p:txBody>
+      </p:sp>
+      <p:sp>
+        <p:nvSpPr>
+          <p:cNvPr id="3" name="内容占位符 2">
+            <a:extLst>
+              <a:ext uri="{FF2B5EF4-FFF2-40B4-BE49-F238E27FC236}">
+                <a16:creationId xmlns:a16="http://schemas.microsoft.com/office/drawing/2014/main" id="{FB80F38B-777D-4B8B-AC03-C1590E50EAD8}"/>
+              </a:ext>
+            </a:extLst>
+          </p:cNvPr>
+          <p:cNvSpPr>
+            <a:spLocks noGrp="1"/>
+          </p:cNvSpPr>
+          <p:nvPr>
+            <p:ph idx="1"/>
+          </p:nvPr>
+        </p:nvSpPr>
+        <p:spPr/>
+        <p:txBody>
+          <a:bodyPr>
+            <a:normAutofit fontScale="55000" lnSpcReduction="20000"/>
+          </a:bodyPr>
+          <a:lstStyle/>
+          <a:p>
+            <a:r>
+              <a:rPr lang="zh-CN" altLang="en-US" dirty="0"/>
+              <a:t>有的时候，总是容易把全局变量和单例模式给弄混了，下面就剖析一下全局变量和单例模式相比的缺点</a:t>
+            </a:r>
+          </a:p>
+          <a:p>
+            <a:endParaRPr lang="zh-CN" altLang="en-US" dirty="0"/>
+          </a:p>
+          <a:p>
+            <a:r>
+              <a:rPr lang="zh-CN" altLang="en-US" dirty="0"/>
+              <a:t>首先，全局变量呢就是对一个对象的静态引用，全局变量确实可以提供单例模式实现的全局访问这个功能，</a:t>
+            </a:r>
+          </a:p>
+          <a:p>
+            <a:endParaRPr lang="zh-CN" altLang="en-US" dirty="0"/>
+          </a:p>
+          <a:p>
+            <a:r>
+              <a:rPr lang="zh-CN" altLang="en-US" dirty="0"/>
+              <a:t>但是，它并不能保证您的应用程序中只有一个实例，同时，在编码规范中，也明确指出，</a:t>
+            </a:r>
+          </a:p>
+          <a:p>
+            <a:endParaRPr lang="zh-CN" altLang="en-US" dirty="0"/>
+          </a:p>
+          <a:p>
+            <a:r>
+              <a:rPr lang="zh-CN" altLang="en-US" dirty="0"/>
+              <a:t>应该要少用全局变量，因为过多的使用全局变量，会造成代码难读，</a:t>
+            </a:r>
+          </a:p>
+          <a:p>
+            <a:endParaRPr lang="zh-CN" altLang="en-US" dirty="0"/>
+          </a:p>
+          <a:p>
+            <a:r>
+              <a:rPr lang="zh-CN" altLang="en-US" dirty="0"/>
+              <a:t>还有就是全局变量并不能实现继承（虽然单例模式在继承上也不能很好的处理，但是还是可以实现继承的）</a:t>
+            </a:r>
+          </a:p>
+          <a:p>
+            <a:endParaRPr lang="zh-CN" altLang="en-US" dirty="0"/>
+          </a:p>
+          <a:p>
+            <a:r>
+              <a:rPr lang="zh-CN" altLang="en-US" dirty="0"/>
+              <a:t>而单例模式的话，其在类中保存了它的唯一实例，这个类，它可以保证只能创建一个实例，</a:t>
+            </a:r>
+          </a:p>
+          <a:p>
+            <a:endParaRPr lang="zh-CN" altLang="en-US" dirty="0"/>
+          </a:p>
+          <a:p>
+            <a:r>
+              <a:rPr lang="zh-CN" altLang="en-US" dirty="0"/>
+              <a:t>同时，它还提供了一个访问该唯一实例的全局访问点。</a:t>
+            </a:r>
+          </a:p>
+        </p:txBody>
+      </p:sp>
+    </p:spTree>
+    <p:extLst>
+      <p:ext uri="{BB962C8B-B14F-4D97-AF65-F5344CB8AC3E}">
+        <p14:creationId xmlns:p14="http://schemas.microsoft.com/office/powerpoint/2010/main" val="1270793153"/>
+      </p:ext>
+    </p:extLst>
+  </p:cSld>
+  <p:clrMapOvr>
+    <a:masterClrMapping/>
+  </p:clrMapOvr>
+</p:sld>
+</file>
+
+<file path=ppt/slides/slide22.xml><?xml version="1.0" encoding="utf-8"?>
+<p:sld xmlns:a="http://schemas.openxmlformats.org/drawingml/2006/main" xmlns:r="http://schemas.openxmlformats.org/officeDocument/2006/relationships" xmlns:p="http://schemas.openxmlformats.org/presentationml/2006/main">
+  <p:cSld>
+    <p:spTree>
+      <p:nvGrpSpPr>
+        <p:cNvPr id="1" name=""/>
+        <p:cNvGrpSpPr/>
+        <p:nvPr/>
+      </p:nvGrpSpPr>
+      <p:grpSpPr>
+        <a:xfrm>
+          <a:off x="0" y="0"/>
+          <a:ext cx="0" cy="0"/>
+          <a:chOff x="0" y="0"/>
+          <a:chExt cx="0" cy="0"/>
+        </a:xfrm>
+      </p:grpSpPr>
+      <p:sp>
+        <p:nvSpPr>
+          <p:cNvPr id="2" name="标题 1">
+            <a:extLst>
+              <a:ext uri="{FF2B5EF4-FFF2-40B4-BE49-F238E27FC236}">
+                <a16:creationId xmlns:a16="http://schemas.microsoft.com/office/drawing/2014/main" id="{D192EE21-770D-47E0-B8BE-D58ED9EE3253}"/>
+              </a:ext>
+            </a:extLst>
+          </p:cNvPr>
+          <p:cNvSpPr>
+            <a:spLocks noGrp="1"/>
+          </p:cNvSpPr>
+          <p:nvPr>
+            <p:ph type="title"/>
+          </p:nvPr>
+        </p:nvSpPr>
+        <p:spPr/>
+        <p:txBody>
+          <a:bodyPr/>
+          <a:lstStyle/>
+          <a:p>
+            <a:r>
+              <a:rPr lang="en-US" altLang="zh-CN" dirty="0"/>
+              <a:t>5.</a:t>
+            </a:r>
+            <a:r>
+              <a:rPr lang="zh-CN" altLang="en-US" dirty="0"/>
+              <a:t>简单的设计模式运用：单例模式</a:t>
+            </a:r>
+          </a:p>
+        </p:txBody>
+      </p:sp>
+      <p:sp>
+        <p:nvSpPr>
+          <p:cNvPr id="3" name="内容占位符 2">
+            <a:extLst>
+              <a:ext uri="{FF2B5EF4-FFF2-40B4-BE49-F238E27FC236}">
+                <a16:creationId xmlns:a16="http://schemas.microsoft.com/office/drawing/2014/main" id="{DBD68E55-4F0C-408E-BBDE-C3046CBC9D33}"/>
+              </a:ext>
+            </a:extLst>
+          </p:cNvPr>
+          <p:cNvSpPr>
+            <a:spLocks noGrp="1"/>
+          </p:cNvSpPr>
+          <p:nvPr>
+            <p:ph idx="1"/>
+          </p:nvPr>
+        </p:nvSpPr>
+        <p:spPr/>
+        <p:txBody>
+          <a:bodyPr/>
+          <a:lstStyle/>
+          <a:p>
+            <a:r>
+              <a:rPr lang="zh-CN" altLang="en-US" b="1" dirty="0"/>
+              <a:t>优点</a:t>
+            </a:r>
+          </a:p>
+          <a:p>
+            <a:r>
+              <a:rPr lang="en-US" altLang="zh-CN" dirty="0"/>
+              <a:t>1.</a:t>
+            </a:r>
+            <a:r>
+              <a:rPr lang="zh-CN" altLang="en-US" dirty="0"/>
+              <a:t>减少了时间和空间的开销（</a:t>
+            </a:r>
+            <a:r>
+              <a:rPr lang="en-US" altLang="zh-CN" dirty="0"/>
+              <a:t>new</a:t>
+            </a:r>
+            <a:r>
+              <a:rPr lang="zh-CN" altLang="en-US" dirty="0"/>
+              <a:t>实例的开销）。</a:t>
+            </a:r>
+          </a:p>
+          <a:p>
+            <a:r>
+              <a:rPr lang="en-US" altLang="zh-CN" dirty="0"/>
+              <a:t>2.</a:t>
+            </a:r>
+            <a:r>
+              <a:rPr lang="zh-CN" altLang="en-US" dirty="0"/>
+              <a:t>提高了封装性，使得外部不易改动实例。</a:t>
+            </a:r>
+          </a:p>
+          <a:p>
+            <a:r>
+              <a:rPr lang="zh-CN" altLang="en-US" dirty="0"/>
+              <a:t> </a:t>
+            </a:r>
+          </a:p>
+          <a:p>
+            <a:r>
+              <a:rPr lang="zh-CN" altLang="en-US" b="1" dirty="0"/>
+              <a:t>缺点</a:t>
+            </a:r>
+          </a:p>
+          <a:p>
+            <a:r>
+              <a:rPr lang="en-US" altLang="zh-CN" dirty="0"/>
+              <a:t>1.</a:t>
+            </a:r>
+            <a:r>
+              <a:rPr lang="zh-CN" altLang="en-US" dirty="0"/>
+              <a:t>懒汉式是以时间换空间的方式。</a:t>
+            </a:r>
+          </a:p>
+          <a:p>
+            <a:r>
+              <a:rPr lang="en-US" altLang="zh-CN" dirty="0"/>
+              <a:t>2.</a:t>
+            </a:r>
+            <a:r>
+              <a:rPr lang="zh-CN" altLang="en-US" dirty="0"/>
+              <a:t>饿汉式是以空间换时间的方式。</a:t>
+            </a:r>
+          </a:p>
+          <a:p>
+            <a:endParaRPr lang="zh-CN" altLang="en-US" dirty="0"/>
+          </a:p>
+        </p:txBody>
+      </p:sp>
+    </p:spTree>
+    <p:extLst>
+      <p:ext uri="{BB962C8B-B14F-4D97-AF65-F5344CB8AC3E}">
+        <p14:creationId xmlns:p14="http://schemas.microsoft.com/office/powerpoint/2010/main" val="3447879550"/>
+      </p:ext>
+    </p:extLst>
+  </p:cSld>
+  <p:clrMapOvr>
+    <a:masterClrMapping/>
+  </p:clrMapOvr>
+</p:sld>
+</file>
+
+<file path=ppt/slides/slide23.xml><?xml version="1.0" encoding="utf-8"?>
+<p:sld xmlns:a="http://schemas.openxmlformats.org/drawingml/2006/main" xmlns:r="http://schemas.openxmlformats.org/officeDocument/2006/relationships" xmlns:p="http://schemas.openxmlformats.org/presentationml/2006/main">
+  <p:cSld>
+    <p:spTree>
+      <p:nvGrpSpPr>
+        <p:cNvPr id="1" name=""/>
+        <p:cNvGrpSpPr/>
+        <p:nvPr/>
+      </p:nvGrpSpPr>
+      <p:grpSpPr>
+        <a:xfrm>
+          <a:off x="0" y="0"/>
+          <a:ext cx="0" cy="0"/>
+          <a:chOff x="0" y="0"/>
+          <a:chExt cx="0" cy="0"/>
+        </a:xfrm>
+      </p:grpSpPr>
+      <p:sp>
+        <p:nvSpPr>
+          <p:cNvPr id="2" name="标题 1">
+            <a:extLst>
+              <a:ext uri="{FF2B5EF4-FFF2-40B4-BE49-F238E27FC236}">
+                <a16:creationId xmlns:a16="http://schemas.microsoft.com/office/drawing/2014/main" id="{1315CE99-638B-459A-9363-465A519EB012}"/>
+              </a:ext>
+            </a:extLst>
+          </p:cNvPr>
+          <p:cNvSpPr>
+            <a:spLocks noGrp="1"/>
+          </p:cNvSpPr>
+          <p:nvPr>
+            <p:ph type="title"/>
+          </p:nvPr>
+        </p:nvSpPr>
+        <p:spPr/>
+        <p:txBody>
+          <a:bodyPr/>
+          <a:lstStyle/>
+          <a:p>
+            <a:r>
+              <a:rPr lang="en-US" altLang="zh-CN" dirty="0"/>
+              <a:t>6.</a:t>
+            </a:r>
+            <a:r>
+              <a:rPr lang="zh-CN" altLang="en-US" dirty="0"/>
+              <a:t>功能拓展</a:t>
+            </a:r>
+          </a:p>
+        </p:txBody>
+      </p:sp>
+      <p:sp>
+        <p:nvSpPr>
+          <p:cNvPr id="3" name="内容占位符 2">
+            <a:extLst>
+              <a:ext uri="{FF2B5EF4-FFF2-40B4-BE49-F238E27FC236}">
+                <a16:creationId xmlns:a16="http://schemas.microsoft.com/office/drawing/2014/main" id="{8EB42DA6-49B5-4325-8D92-C17FAF047BEA}"/>
+              </a:ext>
+            </a:extLst>
+          </p:cNvPr>
+          <p:cNvSpPr>
+            <a:spLocks noGrp="1"/>
+          </p:cNvSpPr>
+          <p:nvPr>
+            <p:ph idx="1"/>
+          </p:nvPr>
+        </p:nvSpPr>
+        <p:spPr/>
+        <p:txBody>
+          <a:bodyPr/>
+          <a:lstStyle/>
+          <a:p>
+            <a:r>
+              <a:rPr lang="zh-CN" altLang="en-US" dirty="0"/>
+              <a:t>用户图形界面</a:t>
+            </a:r>
+          </a:p>
+        </p:txBody>
+      </p:sp>
+    </p:spTree>
+    <p:extLst>
+      <p:ext uri="{BB962C8B-B14F-4D97-AF65-F5344CB8AC3E}">
+        <p14:creationId xmlns:p14="http://schemas.microsoft.com/office/powerpoint/2010/main" val="1707917491"/>
       </p:ext>
     </p:extLst>
   </p:cSld>
@@ -5013,7 +7234,7 @@
           <p:cNvPr id="2" name="标题 1">
             <a:extLst>
               <a:ext uri="{FF2B5EF4-FFF2-40B4-BE49-F238E27FC236}">
-                <a16:creationId xmlns:a16="http://schemas.microsoft.com/office/drawing/2014/main" id="{42083DA4-8DC2-40EC-9802-56148CE13811}"/>
+                <a16:creationId xmlns:a16="http://schemas.microsoft.com/office/drawing/2014/main" id="{1A9C6D7E-332D-49FD-BFA3-1B73705B33B1}"/>
               </a:ext>
             </a:extLst>
           </p:cNvPr>
@@ -5031,7 +7252,7 @@
           <a:p>
             <a:r>
               <a:rPr lang="zh-CN" altLang="en-US" dirty="0"/>
-              <a:t>用户结构</a:t>
+              <a:t>基于通用结构的已购清单特化</a:t>
             </a:r>
           </a:p>
         </p:txBody>
@@ -5041,7 +7262,7 @@
           <p:cNvPr id="5" name="内容占位符 4">
             <a:extLst>
               <a:ext uri="{FF2B5EF4-FFF2-40B4-BE49-F238E27FC236}">
-                <a16:creationId xmlns:a16="http://schemas.microsoft.com/office/drawing/2014/main" id="{619D9EA5-A455-4BB4-9A2C-A1FB519CC430}"/>
+                <a16:creationId xmlns:a16="http://schemas.microsoft.com/office/drawing/2014/main" id="{3BE16E76-1946-4FD2-9B22-EA213D167D68}"/>
               </a:ext>
             </a:extLst>
           </p:cNvPr>
@@ -5066,8 +7287,8 @@
         </p:blipFill>
         <p:spPr>
           <a:xfrm>
-            <a:off x="838200" y="1800345"/>
-            <a:ext cx="4204934" cy="2088164"/>
+            <a:off x="838200" y="1961007"/>
+            <a:ext cx="4896613" cy="1678838"/>
           </a:xfrm>
         </p:spPr>
       </p:pic>
@@ -5076,7 +7297,7 @@
           <p:cNvPr id="6" name="文本框 5">
             <a:extLst>
               <a:ext uri="{FF2B5EF4-FFF2-40B4-BE49-F238E27FC236}">
-                <a16:creationId xmlns:a16="http://schemas.microsoft.com/office/drawing/2014/main" id="{96FB0E58-0EED-4DE9-94DA-1FF8B64558EE}"/>
+                <a16:creationId xmlns:a16="http://schemas.microsoft.com/office/drawing/2014/main" id="{F18243B1-7547-453D-B677-6A194EBE5D1E}"/>
               </a:ext>
             </a:extLst>
           </p:cNvPr>
@@ -5085,8 +7306,8 @@
         </p:nvSpPr>
         <p:spPr>
           <a:xfrm>
-            <a:off x="5366327" y="1902692"/>
-            <a:ext cx="3389746" cy="1846659"/>
+            <a:off x="6096000" y="2165272"/>
+            <a:ext cx="3909134" cy="1384995"/>
           </a:xfrm>
           <a:prstGeom prst="rect">
             <a:avLst/>
@@ -5100,41 +7321,18 @@
           <a:lstStyle/>
           <a:p>
             <a:r>
-              <a:rPr lang="zh-CN" altLang="en-US" sz="3200" dirty="0"/>
-              <a:t>从上至下：</a:t>
-            </a:r>
-            <a:endParaRPr lang="en-US" altLang="zh-CN" sz="3200" dirty="0"/>
-          </a:p>
-          <a:p>
-            <a:r>
-              <a:rPr lang="en-US" altLang="zh-CN" sz="3200" dirty="0"/>
-              <a:t>1.</a:t>
-            </a:r>
-            <a:r>
-              <a:rPr lang="zh-CN" altLang="en-US" sz="3200" dirty="0"/>
-              <a:t>用户名</a:t>
-            </a:r>
-            <a:endParaRPr lang="en-US" altLang="zh-CN" sz="3200" dirty="0"/>
-          </a:p>
-          <a:p>
-            <a:r>
-              <a:rPr lang="en-US" altLang="zh-CN" sz="3200" dirty="0"/>
-              <a:t>2.</a:t>
-            </a:r>
-            <a:r>
-              <a:rPr lang="zh-CN" altLang="en-US" sz="3200" dirty="0"/>
-              <a:t>用户密码</a:t>
-            </a:r>
-            <a:endParaRPr lang="en-US" altLang="zh-CN" sz="3200" dirty="0"/>
-          </a:p>
-          <a:p>
-            <a:r>
-              <a:rPr lang="en-US" altLang="zh-CN" dirty="0"/>
-              <a:t>//</a:t>
-            </a:r>
-            <a:r>
-              <a:rPr lang="zh-CN" altLang="en-US" dirty="0"/>
-              <a:t>明文令人头大</a:t>
+              <a:rPr lang="zh-CN" altLang="en-US" sz="2800" dirty="0"/>
+              <a:t>补充：</a:t>
+            </a:r>
+            <a:endParaRPr lang="en-US" altLang="zh-CN" sz="2800" dirty="0"/>
+          </a:p>
+          <a:p>
+            <a:endParaRPr lang="en-US" altLang="zh-CN" sz="2800" dirty="0"/>
+          </a:p>
+          <a:p>
+            <a:r>
+              <a:rPr lang="zh-CN" altLang="en-US" sz="2800" dirty="0"/>
+              <a:t>已购清单中的用户名</a:t>
             </a:r>
           </a:p>
         </p:txBody>
@@ -5142,7 +7340,7 @@
     </p:spTree>
     <p:extLst>
       <p:ext uri="{BB962C8B-B14F-4D97-AF65-F5344CB8AC3E}">
-        <p14:creationId xmlns:p14="http://schemas.microsoft.com/office/powerpoint/2010/main" val="3657445686"/>
+        <p14:creationId xmlns:p14="http://schemas.microsoft.com/office/powerpoint/2010/main" val="476822923"/>
       </p:ext>
     </p:extLst>
   </p:cSld>
@@ -5174,7 +7372,7 @@
           <p:cNvPr id="2" name="标题 1">
             <a:extLst>
               <a:ext uri="{FF2B5EF4-FFF2-40B4-BE49-F238E27FC236}">
-                <a16:creationId xmlns:a16="http://schemas.microsoft.com/office/drawing/2014/main" id="{0DF8D1B5-B5AF-40AD-BD6B-B8911E3D5248}"/>
+                <a16:creationId xmlns:a16="http://schemas.microsoft.com/office/drawing/2014/main" id="{42083DA4-8DC2-40EC-9802-56148CE13811}"/>
               </a:ext>
             </a:extLst>
           </p:cNvPr>
@@ -5191,731 +7389,111 @@
           <a:lstStyle/>
           <a:p>
             <a:r>
-              <a:rPr lang="en-US" altLang="zh-CN" dirty="0"/>
-              <a:t>4.</a:t>
-            </a:r>
-            <a:r>
               <a:rPr lang="zh-CN" altLang="en-US" dirty="0"/>
-              <a:t>模块设计</a:t>
-            </a:r>
-          </a:p>
-        </p:txBody>
-      </p:sp>
-      <p:sp>
-        <p:nvSpPr>
-          <p:cNvPr id="4" name="矩形: 圆角 3">
-            <a:extLst>
-              <a:ext uri="{FF2B5EF4-FFF2-40B4-BE49-F238E27FC236}">
-                <a16:creationId xmlns:a16="http://schemas.microsoft.com/office/drawing/2014/main" id="{EDDDA017-055A-41F1-AB6B-71641D4B880C}"/>
-              </a:ext>
-            </a:extLst>
-          </p:cNvPr>
-          <p:cNvSpPr/>
+              <a:t>用户结构</a:t>
+            </a:r>
+          </a:p>
+        </p:txBody>
+      </p:sp>
+      <p:pic>
+        <p:nvPicPr>
+          <p:cNvPr id="5" name="内容占位符 4">
+            <a:extLst>
+              <a:ext uri="{FF2B5EF4-FFF2-40B4-BE49-F238E27FC236}">
+                <a16:creationId xmlns:a16="http://schemas.microsoft.com/office/drawing/2014/main" id="{619D9EA5-A455-4BB4-9A2C-A1FB519CC430}"/>
+              </a:ext>
+            </a:extLst>
+          </p:cNvPr>
+          <p:cNvPicPr>
+            <a:picLocks noGrp="1" noChangeAspect="1"/>
+          </p:cNvPicPr>
+          <p:nvPr>
+            <p:ph idx="1"/>
+          </p:nvPr>
+        </p:nvPicPr>
+        <p:blipFill>
+          <a:blip r:embed="rId2">
+            <a:extLst>
+              <a:ext uri="{28A0092B-C50C-407E-A947-70E740481C1C}">
+                <a14:useLocalDpi xmlns:a14="http://schemas.microsoft.com/office/drawing/2010/main" val="0"/>
+              </a:ext>
+            </a:extLst>
+          </a:blip>
+          <a:stretch>
+            <a:fillRect/>
+          </a:stretch>
+        </p:blipFill>
+        <p:spPr>
+          <a:xfrm>
+            <a:off x="838200" y="1800345"/>
+            <a:ext cx="4204934" cy="2088164"/>
+          </a:xfrm>
+        </p:spPr>
+      </p:pic>
+      <p:sp>
+        <p:nvSpPr>
+          <p:cNvPr id="6" name="文本框 5">
+            <a:extLst>
+              <a:ext uri="{FF2B5EF4-FFF2-40B4-BE49-F238E27FC236}">
+                <a16:creationId xmlns:a16="http://schemas.microsoft.com/office/drawing/2014/main" id="{96FB0E58-0EED-4DE9-94DA-1FF8B64558EE}"/>
+              </a:ext>
+            </a:extLst>
+          </p:cNvPr>
+          <p:cNvSpPr txBox="1"/>
           <p:nvPr/>
         </p:nvSpPr>
         <p:spPr>
           <a:xfrm>
-            <a:off x="4527885" y="5404978"/>
-            <a:ext cx="2117557" cy="850232"/>
-          </a:xfrm>
-          <a:prstGeom prst="roundRect">
-            <a:avLst/>
-          </a:prstGeom>
-        </p:spPr>
-        <p:style>
-          <a:lnRef idx="2">
-            <a:schemeClr val="accent1">
-              <a:shade val="50000"/>
-            </a:schemeClr>
-          </a:lnRef>
-          <a:fillRef idx="1">
-            <a:schemeClr val="accent1"/>
-          </a:fillRef>
-          <a:effectRef idx="0">
-            <a:schemeClr val="accent1"/>
-          </a:effectRef>
-          <a:fontRef idx="minor">
-            <a:schemeClr val="lt1"/>
-          </a:fontRef>
-        </p:style>
-        <p:txBody>
-          <a:bodyPr rtlCol="0" anchor="ctr"/>
-          <a:lstStyle/>
-          <a:p>
-            <a:pPr algn="ctr"/>
-            <a:r>
-              <a:rPr lang="en-US" altLang="zh-CN" dirty="0"/>
-              <a:t>Main.cpp</a:t>
-            </a:r>
-            <a:endParaRPr lang="zh-CN" altLang="en-US" dirty="0"/>
-          </a:p>
-        </p:txBody>
-      </p:sp>
-      <p:sp>
-        <p:nvSpPr>
-          <p:cNvPr id="5" name="矩形: 圆角 4">
-            <a:extLst>
-              <a:ext uri="{FF2B5EF4-FFF2-40B4-BE49-F238E27FC236}">
-                <a16:creationId xmlns:a16="http://schemas.microsoft.com/office/drawing/2014/main" id="{CB573A72-2FD6-4DD3-BB2E-3B1EB9804B93}"/>
-              </a:ext>
-            </a:extLst>
-          </p:cNvPr>
-          <p:cNvSpPr/>
-          <p:nvPr/>
-        </p:nvSpPr>
-        <p:spPr>
-          <a:xfrm>
-            <a:off x="5161550" y="2791137"/>
-            <a:ext cx="2117557" cy="593558"/>
-          </a:xfrm>
-          <a:prstGeom prst="roundRect">
-            <a:avLst/>
-          </a:prstGeom>
-        </p:spPr>
-        <p:style>
-          <a:lnRef idx="2">
-            <a:schemeClr val="accent1">
-              <a:shade val="50000"/>
-            </a:schemeClr>
-          </a:lnRef>
-          <a:fillRef idx="1">
-            <a:schemeClr val="accent1"/>
-          </a:fillRef>
-          <a:effectRef idx="0">
-            <a:schemeClr val="accent1"/>
-          </a:effectRef>
-          <a:fontRef idx="minor">
-            <a:schemeClr val="lt1"/>
-          </a:fontRef>
-        </p:style>
-        <p:txBody>
-          <a:bodyPr rtlCol="0" anchor="ctr"/>
-          <a:lstStyle/>
-          <a:p>
-            <a:pPr algn="ctr"/>
-            <a:r>
-              <a:rPr lang="en-US" altLang="zh-CN" dirty="0" err="1"/>
-              <a:t>Struct.h</a:t>
-            </a:r>
-            <a:endParaRPr lang="zh-CN" altLang="en-US" dirty="0"/>
-          </a:p>
-        </p:txBody>
-      </p:sp>
-      <p:sp>
-        <p:nvSpPr>
-          <p:cNvPr id="6" name="矩形: 圆角 5">
-            <a:extLst>
-              <a:ext uri="{FF2B5EF4-FFF2-40B4-BE49-F238E27FC236}">
-                <a16:creationId xmlns:a16="http://schemas.microsoft.com/office/drawing/2014/main" id="{957B0182-43DC-481C-8F5F-84ECFBCAB615}"/>
-              </a:ext>
-            </a:extLst>
-          </p:cNvPr>
-          <p:cNvSpPr/>
-          <p:nvPr/>
-        </p:nvSpPr>
-        <p:spPr>
-          <a:xfrm>
-            <a:off x="994610" y="4296317"/>
-            <a:ext cx="2197768" cy="898358"/>
-          </a:xfrm>
-          <a:prstGeom prst="roundRect">
-            <a:avLst/>
-          </a:prstGeom>
-        </p:spPr>
-        <p:style>
-          <a:lnRef idx="2">
-            <a:schemeClr val="accent1">
-              <a:shade val="50000"/>
-            </a:schemeClr>
-          </a:lnRef>
-          <a:fillRef idx="1">
-            <a:schemeClr val="accent1"/>
-          </a:fillRef>
-          <a:effectRef idx="0">
-            <a:schemeClr val="accent1"/>
-          </a:effectRef>
-          <a:fontRef idx="minor">
-            <a:schemeClr val="lt1"/>
-          </a:fontRef>
-        </p:style>
-        <p:txBody>
-          <a:bodyPr rtlCol="0" anchor="ctr"/>
-          <a:lstStyle/>
-          <a:p>
-            <a:pPr algn="ctr"/>
-            <a:r>
-              <a:rPr lang="en-US" altLang="zh-CN" dirty="0" err="1"/>
-              <a:t>Admin.h</a:t>
-            </a:r>
-            <a:r>
-              <a:rPr lang="en-US" altLang="zh-CN" dirty="0"/>
-              <a:t>/.</a:t>
-            </a:r>
-            <a:r>
-              <a:rPr lang="en-US" altLang="zh-CN" dirty="0" err="1"/>
-              <a:t>cpp</a:t>
-            </a:r>
-            <a:endParaRPr lang="zh-CN" altLang="en-US" dirty="0"/>
-          </a:p>
-        </p:txBody>
-      </p:sp>
-      <p:sp>
-        <p:nvSpPr>
-          <p:cNvPr id="7" name="矩形: 圆角 6">
-            <a:extLst>
-              <a:ext uri="{FF2B5EF4-FFF2-40B4-BE49-F238E27FC236}">
-                <a16:creationId xmlns:a16="http://schemas.microsoft.com/office/drawing/2014/main" id="{6CDF92F2-B77C-465C-8D0F-4F3692EE2418}"/>
-              </a:ext>
-            </a:extLst>
-          </p:cNvPr>
-          <p:cNvSpPr/>
-          <p:nvPr/>
-        </p:nvSpPr>
-        <p:spPr>
-          <a:xfrm>
-            <a:off x="8562474" y="2359589"/>
-            <a:ext cx="2117557" cy="795839"/>
-          </a:xfrm>
-          <a:prstGeom prst="roundRect">
-            <a:avLst/>
-          </a:prstGeom>
-        </p:spPr>
-        <p:style>
-          <a:lnRef idx="2">
-            <a:schemeClr val="accent1">
-              <a:shade val="50000"/>
-            </a:schemeClr>
-          </a:lnRef>
-          <a:fillRef idx="1">
-            <a:schemeClr val="accent1"/>
-          </a:fillRef>
-          <a:effectRef idx="0">
-            <a:schemeClr val="accent1"/>
-          </a:effectRef>
-          <a:fontRef idx="minor">
-            <a:schemeClr val="lt1"/>
-          </a:fontRef>
-        </p:style>
-        <p:txBody>
-          <a:bodyPr rtlCol="0" anchor="ctr"/>
-          <a:lstStyle/>
-          <a:p>
-            <a:pPr algn="ctr"/>
-            <a:r>
-              <a:rPr lang="en-US" altLang="zh-CN" dirty="0" err="1"/>
-              <a:t>Shop.h</a:t>
-            </a:r>
-            <a:r>
-              <a:rPr lang="en-US" altLang="zh-CN" dirty="0"/>
-              <a:t>/.</a:t>
-            </a:r>
-            <a:r>
-              <a:rPr lang="en-US" altLang="zh-CN" dirty="0" err="1"/>
-              <a:t>cpp</a:t>
-            </a:r>
-            <a:endParaRPr lang="zh-CN" altLang="en-US" dirty="0"/>
-          </a:p>
-        </p:txBody>
-      </p:sp>
-      <p:sp>
-        <p:nvSpPr>
-          <p:cNvPr id="8" name="矩形: 圆角 7">
-            <a:extLst>
-              <a:ext uri="{FF2B5EF4-FFF2-40B4-BE49-F238E27FC236}">
-                <a16:creationId xmlns:a16="http://schemas.microsoft.com/office/drawing/2014/main" id="{A43B576A-60CD-4279-AAD1-5485BBB9B47A}"/>
-              </a:ext>
-            </a:extLst>
-          </p:cNvPr>
-          <p:cNvSpPr/>
-          <p:nvPr/>
-        </p:nvSpPr>
-        <p:spPr>
-          <a:xfrm>
-            <a:off x="8795086" y="4296317"/>
-            <a:ext cx="2117557" cy="850232"/>
-          </a:xfrm>
-          <a:prstGeom prst="roundRect">
-            <a:avLst/>
-          </a:prstGeom>
-        </p:spPr>
-        <p:style>
-          <a:lnRef idx="2">
-            <a:schemeClr val="accent1">
-              <a:shade val="50000"/>
-            </a:schemeClr>
-          </a:lnRef>
-          <a:fillRef idx="1">
-            <a:schemeClr val="accent1"/>
-          </a:fillRef>
-          <a:effectRef idx="0">
-            <a:schemeClr val="accent1"/>
-          </a:effectRef>
-          <a:fontRef idx="minor">
-            <a:schemeClr val="lt1"/>
-          </a:fontRef>
-        </p:style>
-        <p:txBody>
-          <a:bodyPr rtlCol="0" anchor="ctr"/>
-          <a:lstStyle/>
-          <a:p>
-            <a:pPr algn="ctr"/>
-            <a:r>
-              <a:rPr lang="en-US" altLang="zh-CN" dirty="0" err="1"/>
-              <a:t>User.h</a:t>
-            </a:r>
-            <a:r>
-              <a:rPr lang="en-US" altLang="zh-CN" dirty="0"/>
-              <a:t>/.</a:t>
-            </a:r>
-            <a:r>
-              <a:rPr lang="en-US" altLang="zh-CN" dirty="0" err="1"/>
-              <a:t>cpp</a:t>
-            </a:r>
-            <a:endParaRPr lang="zh-CN" altLang="en-US" dirty="0"/>
-          </a:p>
-        </p:txBody>
-      </p:sp>
-      <p:cxnSp>
-        <p:nvCxnSpPr>
-          <p:cNvPr id="10" name="连接符: 曲线 9">
-            <a:extLst>
-              <a:ext uri="{FF2B5EF4-FFF2-40B4-BE49-F238E27FC236}">
-                <a16:creationId xmlns:a16="http://schemas.microsoft.com/office/drawing/2014/main" id="{223C6F10-F38F-43D3-AF90-477D2321D098}"/>
-              </a:ext>
-            </a:extLst>
-          </p:cNvPr>
-          <p:cNvCxnSpPr>
-            <a:cxnSpLocks/>
-            <a:stCxn id="5" idx="2"/>
-            <a:endCxn id="6" idx="0"/>
-          </p:cNvCxnSpPr>
-          <p:nvPr/>
-        </p:nvCxnSpPr>
-        <p:spPr>
-          <a:xfrm rot="5400000">
-            <a:off x="3701101" y="1777089"/>
-            <a:ext cx="911622" cy="4126835"/>
-          </a:xfrm>
-          <a:prstGeom prst="curvedConnector3">
-            <a:avLst>
-              <a:gd name="adj1" fmla="val 50000"/>
-            </a:avLst>
-          </a:prstGeom>
-          <a:ln>
-            <a:solidFill>
-              <a:schemeClr val="accent4">
-                <a:lumMod val="50000"/>
-              </a:schemeClr>
-            </a:solidFill>
-            <a:tailEnd type="triangle"/>
-          </a:ln>
-        </p:spPr>
-        <p:style>
-          <a:lnRef idx="1">
-            <a:schemeClr val="accent1"/>
-          </a:lnRef>
-          <a:fillRef idx="0">
-            <a:schemeClr val="accent1"/>
-          </a:fillRef>
-          <a:effectRef idx="0">
-            <a:schemeClr val="accent1"/>
-          </a:effectRef>
-          <a:fontRef idx="minor">
-            <a:schemeClr val="tx1"/>
-          </a:fontRef>
-        </p:style>
-      </p:cxnSp>
-      <p:cxnSp>
-        <p:nvCxnSpPr>
-          <p:cNvPr id="16" name="连接符: 曲线 15">
-            <a:extLst>
-              <a:ext uri="{FF2B5EF4-FFF2-40B4-BE49-F238E27FC236}">
-                <a16:creationId xmlns:a16="http://schemas.microsoft.com/office/drawing/2014/main" id="{EEDC4E21-B34B-4B1D-80C9-D5D26784D09E}"/>
-              </a:ext>
-            </a:extLst>
-          </p:cNvPr>
-          <p:cNvCxnSpPr>
-            <a:stCxn id="5" idx="2"/>
-            <a:endCxn id="8" idx="0"/>
-          </p:cNvCxnSpPr>
-          <p:nvPr/>
-        </p:nvCxnSpPr>
-        <p:spPr>
-          <a:xfrm rot="16200000" flipH="1">
-            <a:off x="7581286" y="2023738"/>
-            <a:ext cx="911622" cy="3633536"/>
-          </a:xfrm>
-          <a:prstGeom prst="curvedConnector3">
-            <a:avLst>
-              <a:gd name="adj1" fmla="val 50000"/>
-            </a:avLst>
-          </a:prstGeom>
-          <a:ln>
-            <a:solidFill>
-              <a:schemeClr val="accent4">
-                <a:lumMod val="50000"/>
-              </a:schemeClr>
-            </a:solidFill>
-            <a:tailEnd type="triangle"/>
-          </a:ln>
-        </p:spPr>
-        <p:style>
-          <a:lnRef idx="1">
-            <a:schemeClr val="accent1"/>
-          </a:lnRef>
-          <a:fillRef idx="0">
-            <a:schemeClr val="accent1"/>
-          </a:fillRef>
-          <a:effectRef idx="0">
-            <a:schemeClr val="accent1"/>
-          </a:effectRef>
-          <a:fontRef idx="minor">
-            <a:schemeClr val="tx1"/>
-          </a:fontRef>
-        </p:style>
-      </p:cxnSp>
-      <p:cxnSp>
-        <p:nvCxnSpPr>
-          <p:cNvPr id="19" name="连接符: 曲线 18">
-            <a:extLst>
-              <a:ext uri="{FF2B5EF4-FFF2-40B4-BE49-F238E27FC236}">
-                <a16:creationId xmlns:a16="http://schemas.microsoft.com/office/drawing/2014/main" id="{D44BCE74-77DA-4E4A-ABC1-3F51875C8902}"/>
-              </a:ext>
-            </a:extLst>
-          </p:cNvPr>
-          <p:cNvCxnSpPr>
-            <a:stCxn id="5" idx="2"/>
-            <a:endCxn id="7" idx="0"/>
-          </p:cNvCxnSpPr>
-          <p:nvPr/>
-        </p:nvCxnSpPr>
-        <p:spPr>
-          <a:xfrm rot="5400000" flipH="1" flipV="1">
-            <a:off x="7408238" y="1171680"/>
-            <a:ext cx="1025106" cy="3400924"/>
-          </a:xfrm>
-          <a:prstGeom prst="curvedConnector5">
-            <a:avLst>
-              <a:gd name="adj1" fmla="val -22300"/>
-              <a:gd name="adj2" fmla="val 50000"/>
-              <a:gd name="adj3" fmla="val 122300"/>
-            </a:avLst>
-          </a:prstGeom>
-          <a:ln>
-            <a:solidFill>
-              <a:schemeClr val="accent4">
-                <a:lumMod val="50000"/>
-              </a:schemeClr>
-            </a:solidFill>
-            <a:tailEnd type="triangle"/>
-          </a:ln>
-        </p:spPr>
-        <p:style>
-          <a:lnRef idx="1">
-            <a:schemeClr val="accent1"/>
-          </a:lnRef>
-          <a:fillRef idx="0">
-            <a:schemeClr val="accent1"/>
-          </a:fillRef>
-          <a:effectRef idx="0">
-            <a:schemeClr val="accent1"/>
-          </a:effectRef>
-          <a:fontRef idx="minor">
-            <a:schemeClr val="tx1"/>
-          </a:fontRef>
-        </p:style>
-      </p:cxnSp>
-      <p:cxnSp>
-        <p:nvCxnSpPr>
-          <p:cNvPr id="21" name="连接符: 曲线 20">
-            <a:extLst>
-              <a:ext uri="{FF2B5EF4-FFF2-40B4-BE49-F238E27FC236}">
-                <a16:creationId xmlns:a16="http://schemas.microsoft.com/office/drawing/2014/main" id="{7AE62848-72D3-4179-B578-9F736BC5803D}"/>
-              </a:ext>
-            </a:extLst>
-          </p:cNvPr>
-          <p:cNvCxnSpPr>
-            <a:cxnSpLocks/>
-            <a:stCxn id="8" idx="1"/>
-            <a:endCxn id="6" idx="3"/>
-          </p:cNvCxnSpPr>
-          <p:nvPr/>
-        </p:nvCxnSpPr>
-        <p:spPr>
-          <a:xfrm rot="10800000" flipV="1">
-            <a:off x="3192378" y="4721432"/>
-            <a:ext cx="5602708" cy="24063"/>
-          </a:xfrm>
-          <a:prstGeom prst="curvedConnector3">
-            <a:avLst>
-              <a:gd name="adj1" fmla="val 50000"/>
-            </a:avLst>
-          </a:prstGeom>
-          <a:ln>
-            <a:solidFill>
-              <a:schemeClr val="accent4">
-                <a:lumMod val="50000"/>
-              </a:schemeClr>
-            </a:solidFill>
-            <a:tailEnd type="triangle"/>
-          </a:ln>
-        </p:spPr>
-        <p:style>
-          <a:lnRef idx="1">
-            <a:schemeClr val="accent1"/>
-          </a:lnRef>
-          <a:fillRef idx="0">
-            <a:schemeClr val="accent1"/>
-          </a:fillRef>
-          <a:effectRef idx="0">
-            <a:schemeClr val="accent1"/>
-          </a:effectRef>
-          <a:fontRef idx="minor">
-            <a:schemeClr val="tx1"/>
-          </a:fontRef>
-        </p:style>
-      </p:cxnSp>
-      <p:cxnSp>
-        <p:nvCxnSpPr>
-          <p:cNvPr id="23" name="连接符: 曲线 22">
-            <a:extLst>
-              <a:ext uri="{FF2B5EF4-FFF2-40B4-BE49-F238E27FC236}">
-                <a16:creationId xmlns:a16="http://schemas.microsoft.com/office/drawing/2014/main" id="{37946CFB-5404-4CAB-8E85-728B2DAD6468}"/>
-              </a:ext>
-            </a:extLst>
-          </p:cNvPr>
-          <p:cNvCxnSpPr>
-            <a:cxnSpLocks/>
-            <a:stCxn id="7" idx="3"/>
-            <a:endCxn id="8" idx="1"/>
-          </p:cNvCxnSpPr>
-          <p:nvPr/>
-        </p:nvCxnSpPr>
-        <p:spPr>
-          <a:xfrm flipH="1">
-            <a:off x="8795086" y="2757509"/>
-            <a:ext cx="1884945" cy="1963924"/>
-          </a:xfrm>
-          <a:prstGeom prst="curvedConnector5">
-            <a:avLst>
-              <a:gd name="adj1" fmla="val -12128"/>
-              <a:gd name="adj2" fmla="val 49308"/>
-              <a:gd name="adj3" fmla="val 112128"/>
-            </a:avLst>
-          </a:prstGeom>
-          <a:ln>
-            <a:solidFill>
-              <a:schemeClr val="accent4">
-                <a:lumMod val="50000"/>
-              </a:schemeClr>
-            </a:solidFill>
-            <a:tailEnd type="triangle"/>
-          </a:ln>
-        </p:spPr>
-        <p:style>
-          <a:lnRef idx="1">
-            <a:schemeClr val="accent1"/>
-          </a:lnRef>
-          <a:fillRef idx="0">
-            <a:schemeClr val="accent1"/>
-          </a:fillRef>
-          <a:effectRef idx="0">
-            <a:schemeClr val="accent1"/>
-          </a:effectRef>
-          <a:fontRef idx="minor">
-            <a:schemeClr val="tx1"/>
-          </a:fontRef>
-        </p:style>
-      </p:cxnSp>
-      <p:cxnSp>
-        <p:nvCxnSpPr>
-          <p:cNvPr id="62" name="连接符: 曲线 61">
-            <a:extLst>
-              <a:ext uri="{FF2B5EF4-FFF2-40B4-BE49-F238E27FC236}">
-                <a16:creationId xmlns:a16="http://schemas.microsoft.com/office/drawing/2014/main" id="{FC11E138-5AE1-483D-99F1-467B0DD542CC}"/>
-              </a:ext>
-            </a:extLst>
-          </p:cNvPr>
-          <p:cNvCxnSpPr>
-            <a:stCxn id="8" idx="2"/>
-            <a:endCxn id="4" idx="0"/>
-          </p:cNvCxnSpPr>
-          <p:nvPr/>
-        </p:nvCxnSpPr>
-        <p:spPr>
-          <a:xfrm rot="5400000">
-            <a:off x="7591051" y="3142163"/>
-            <a:ext cx="258429" cy="4267201"/>
-          </a:xfrm>
-          <a:prstGeom prst="curvedConnector3">
-            <a:avLst/>
-          </a:prstGeom>
-          <a:ln>
-            <a:solidFill>
-              <a:schemeClr val="accent2">
-                <a:lumMod val="50000"/>
-              </a:schemeClr>
-            </a:solidFill>
-            <a:tailEnd type="triangle"/>
-          </a:ln>
-        </p:spPr>
-        <p:style>
-          <a:lnRef idx="1">
-            <a:schemeClr val="accent1"/>
-          </a:lnRef>
-          <a:fillRef idx="0">
-            <a:schemeClr val="accent1"/>
-          </a:fillRef>
-          <a:effectRef idx="0">
-            <a:schemeClr val="accent1"/>
-          </a:effectRef>
-          <a:fontRef idx="minor">
-            <a:schemeClr val="tx1"/>
-          </a:fontRef>
-        </p:style>
-      </p:cxnSp>
-      <p:cxnSp>
-        <p:nvCxnSpPr>
-          <p:cNvPr id="64" name="连接符: 曲线 63">
-            <a:extLst>
-              <a:ext uri="{FF2B5EF4-FFF2-40B4-BE49-F238E27FC236}">
-                <a16:creationId xmlns:a16="http://schemas.microsoft.com/office/drawing/2014/main" id="{AFE68976-9D70-4F49-9E42-74A0A93D6303}"/>
-              </a:ext>
-            </a:extLst>
-          </p:cNvPr>
-          <p:cNvCxnSpPr>
-            <a:stCxn id="6" idx="2"/>
-            <a:endCxn id="4" idx="0"/>
-          </p:cNvCxnSpPr>
-          <p:nvPr/>
-        </p:nvCxnSpPr>
-        <p:spPr>
-          <a:xfrm rot="16200000" flipH="1">
-            <a:off x="3734928" y="3553241"/>
-            <a:ext cx="210303" cy="3493170"/>
-          </a:xfrm>
-          <a:prstGeom prst="curvedConnector3">
-            <a:avLst/>
-          </a:prstGeom>
-          <a:ln>
-            <a:solidFill>
-              <a:schemeClr val="accent4">
-                <a:lumMod val="50000"/>
-              </a:schemeClr>
-            </a:solidFill>
-            <a:tailEnd type="triangle"/>
-          </a:ln>
-        </p:spPr>
-        <p:style>
-          <a:lnRef idx="1">
-            <a:schemeClr val="accent1"/>
-          </a:lnRef>
-          <a:fillRef idx="0">
-            <a:schemeClr val="accent1"/>
-          </a:fillRef>
-          <a:effectRef idx="0">
-            <a:schemeClr val="accent1"/>
-          </a:effectRef>
-          <a:fontRef idx="minor">
-            <a:schemeClr val="tx1"/>
-          </a:fontRef>
-        </p:style>
-      </p:cxnSp>
-      <p:sp>
-        <p:nvSpPr>
-          <p:cNvPr id="89" name="箭头: 直角上 88">
-            <a:extLst>
-              <a:ext uri="{FF2B5EF4-FFF2-40B4-BE49-F238E27FC236}">
-                <a16:creationId xmlns:a16="http://schemas.microsoft.com/office/drawing/2014/main" id="{E1A7D576-6A37-425C-AC93-61D3B46ACBD3}"/>
-              </a:ext>
-            </a:extLst>
-          </p:cNvPr>
-          <p:cNvSpPr/>
-          <p:nvPr/>
-        </p:nvSpPr>
-        <p:spPr>
-          <a:xfrm rot="16200000">
-            <a:off x="6693474" y="2264642"/>
-            <a:ext cx="525378" cy="621443"/>
-          </a:xfrm>
-          <a:prstGeom prst="bentUpArrow">
-            <a:avLst>
-              <a:gd name="adj1" fmla="val 28053"/>
-              <a:gd name="adj2" fmla="val 25000"/>
-              <a:gd name="adj3" fmla="val 50000"/>
-            </a:avLst>
-          </a:prstGeom>
-        </p:spPr>
-        <p:style>
-          <a:lnRef idx="2">
-            <a:schemeClr val="accent1">
-              <a:shade val="50000"/>
-            </a:schemeClr>
-          </a:lnRef>
-          <a:fillRef idx="1">
-            <a:schemeClr val="accent1"/>
-          </a:fillRef>
-          <a:effectRef idx="0">
-            <a:schemeClr val="accent1"/>
-          </a:effectRef>
-          <a:fontRef idx="minor">
-            <a:schemeClr val="lt1"/>
-          </a:fontRef>
-        </p:style>
-        <p:txBody>
-          <a:bodyPr rtlCol="0" anchor="ctr"/>
-          <a:lstStyle/>
-          <a:p>
-            <a:pPr algn="ctr"/>
-            <a:endParaRPr lang="zh-CN" altLang="en-US"/>
-          </a:p>
-        </p:txBody>
-      </p:sp>
-      <p:sp>
-        <p:nvSpPr>
-          <p:cNvPr id="90" name="矩形 89">
-            <a:extLst>
-              <a:ext uri="{FF2B5EF4-FFF2-40B4-BE49-F238E27FC236}">
-                <a16:creationId xmlns:a16="http://schemas.microsoft.com/office/drawing/2014/main" id="{22B3392E-BE4B-46AC-B5F5-F25ED40A0BB9}"/>
-              </a:ext>
-            </a:extLst>
-          </p:cNvPr>
-          <p:cNvSpPr/>
-          <p:nvPr/>
-        </p:nvSpPr>
-        <p:spPr>
-          <a:xfrm>
-            <a:off x="5546560" y="1306715"/>
-            <a:ext cx="1086659" cy="1227747"/>
+            <a:off x="5366327" y="1902692"/>
+            <a:ext cx="3389746" cy="1846659"/>
           </a:xfrm>
           <a:prstGeom prst="rect">
             <a:avLst/>
           </a:prstGeom>
-        </p:spPr>
-        <p:style>
-          <a:lnRef idx="2">
-            <a:schemeClr val="accent1">
-              <a:shade val="50000"/>
-            </a:schemeClr>
-          </a:lnRef>
-          <a:fillRef idx="1">
-            <a:schemeClr val="accent1"/>
-          </a:fillRef>
-          <a:effectRef idx="0">
-            <a:schemeClr val="accent1"/>
-          </a:effectRef>
-          <a:fontRef idx="minor">
-            <a:schemeClr val="lt1"/>
-          </a:fontRef>
-        </p:style>
-        <p:txBody>
-          <a:bodyPr rtlCol="0" anchor="ctr"/>
-          <a:lstStyle/>
-          <a:p>
-            <a:pPr algn="ctr"/>
+          <a:noFill/>
+        </p:spPr>
+        <p:txBody>
+          <a:bodyPr wrap="square" rtlCol="0">
+            <a:spAutoFit/>
+          </a:bodyPr>
+          <a:lstStyle/>
+          <a:p>
+            <a:r>
+              <a:rPr lang="zh-CN" altLang="en-US" sz="3200" dirty="0"/>
+              <a:t>从上至下：</a:t>
+            </a:r>
+            <a:endParaRPr lang="en-US" altLang="zh-CN" sz="3200" dirty="0"/>
+          </a:p>
+          <a:p>
+            <a:r>
+              <a:rPr lang="en-US" altLang="zh-CN" sz="3200" dirty="0"/>
+              <a:t>1.</a:t>
+            </a:r>
+            <a:r>
+              <a:rPr lang="zh-CN" altLang="en-US" sz="3200" dirty="0"/>
+              <a:t>用户名</a:t>
+            </a:r>
+            <a:endParaRPr lang="en-US" altLang="zh-CN" sz="3200" dirty="0"/>
+          </a:p>
+          <a:p>
+            <a:r>
+              <a:rPr lang="en-US" altLang="zh-CN" sz="3200" dirty="0"/>
+              <a:t>2.</a:t>
+            </a:r>
+            <a:r>
+              <a:rPr lang="zh-CN" altLang="en-US" sz="3200" dirty="0"/>
+              <a:t>用户密码</a:t>
+            </a:r>
+            <a:endParaRPr lang="en-US" altLang="zh-CN" sz="3200" dirty="0"/>
+          </a:p>
+          <a:p>
+            <a:r>
+              <a:rPr lang="en-US" altLang="zh-CN" dirty="0"/>
+              <a:t>//</a:t>
+            </a:r>
             <a:r>
               <a:rPr lang="zh-CN" altLang="en-US" dirty="0"/>
-              <a:t>前面数据结构</a:t>
+              <a:t>明文令人头大</a:t>
             </a:r>
           </a:p>
         </p:txBody>
@@ -5923,7 +7501,7 @@
     </p:spTree>
     <p:extLst>
       <p:ext uri="{BB962C8B-B14F-4D97-AF65-F5344CB8AC3E}">
-        <p14:creationId xmlns:p14="http://schemas.microsoft.com/office/powerpoint/2010/main" val="1180483237"/>
+        <p14:creationId xmlns:p14="http://schemas.microsoft.com/office/powerpoint/2010/main" val="3657445686"/>
       </p:ext>
     </p:extLst>
   </p:cSld>
@@ -5955,7 +7533,7 @@
           <p:cNvPr id="2" name="标题 1">
             <a:extLst>
               <a:ext uri="{FF2B5EF4-FFF2-40B4-BE49-F238E27FC236}">
-                <a16:creationId xmlns:a16="http://schemas.microsoft.com/office/drawing/2014/main" id="{7A103EA6-3451-4B6C-9797-F20CCB7CFB9A}"/>
+                <a16:creationId xmlns:a16="http://schemas.microsoft.com/office/drawing/2014/main" id="{0DF8D1B5-B5AF-40AD-BD6B-B8911E3D5248}"/>
               </a:ext>
             </a:extLst>
           </p:cNvPr>
@@ -5971,6 +7549,275 @@
           <a:bodyPr/>
           <a:lstStyle/>
           <a:p>
+            <a:r>
+              <a:rPr lang="en-US" altLang="zh-CN" dirty="0"/>
+              <a:t>4.</a:t>
+            </a:r>
+            <a:r>
+              <a:rPr lang="zh-CN" altLang="en-US" dirty="0"/>
+              <a:t>模块设计</a:t>
+            </a:r>
+          </a:p>
+        </p:txBody>
+      </p:sp>
+      <p:sp>
+        <p:nvSpPr>
+          <p:cNvPr id="4" name="矩形: 圆角 3">
+            <a:extLst>
+              <a:ext uri="{FF2B5EF4-FFF2-40B4-BE49-F238E27FC236}">
+                <a16:creationId xmlns:a16="http://schemas.microsoft.com/office/drawing/2014/main" id="{EDDDA017-055A-41F1-AB6B-71641D4B880C}"/>
+              </a:ext>
+            </a:extLst>
+          </p:cNvPr>
+          <p:cNvSpPr/>
+          <p:nvPr/>
+        </p:nvSpPr>
+        <p:spPr>
+          <a:xfrm>
+            <a:off x="5444820" y="5520343"/>
+            <a:ext cx="2117557" cy="850232"/>
+          </a:xfrm>
+          <a:prstGeom prst="roundRect">
+            <a:avLst/>
+          </a:prstGeom>
+        </p:spPr>
+        <p:style>
+          <a:lnRef idx="2">
+            <a:schemeClr val="accent1">
+              <a:shade val="50000"/>
+            </a:schemeClr>
+          </a:lnRef>
+          <a:fillRef idx="1">
+            <a:schemeClr val="accent1"/>
+          </a:fillRef>
+          <a:effectRef idx="0">
+            <a:schemeClr val="accent1"/>
+          </a:effectRef>
+          <a:fontRef idx="minor">
+            <a:schemeClr val="lt1"/>
+          </a:fontRef>
+        </p:style>
+        <p:txBody>
+          <a:bodyPr rtlCol="0" anchor="ctr"/>
+          <a:lstStyle/>
+          <a:p>
+            <a:pPr algn="ctr"/>
+            <a:r>
+              <a:rPr lang="en-US" altLang="zh-CN" dirty="0"/>
+              <a:t>Main.cpp</a:t>
+            </a:r>
+            <a:endParaRPr lang="zh-CN" altLang="en-US" dirty="0"/>
+          </a:p>
+        </p:txBody>
+      </p:sp>
+      <p:sp>
+        <p:nvSpPr>
+          <p:cNvPr id="5" name="矩形: 圆角 4">
+            <a:extLst>
+              <a:ext uri="{FF2B5EF4-FFF2-40B4-BE49-F238E27FC236}">
+                <a16:creationId xmlns:a16="http://schemas.microsoft.com/office/drawing/2014/main" id="{CB573A72-2FD6-4DD3-BB2E-3B1EB9804B93}"/>
+              </a:ext>
+            </a:extLst>
+          </p:cNvPr>
+          <p:cNvSpPr/>
+          <p:nvPr/>
+        </p:nvSpPr>
+        <p:spPr>
+          <a:xfrm>
+            <a:off x="5755542" y="2393492"/>
+            <a:ext cx="2117557" cy="593558"/>
+          </a:xfrm>
+          <a:prstGeom prst="roundRect">
+            <a:avLst/>
+          </a:prstGeom>
+        </p:spPr>
+        <p:style>
+          <a:lnRef idx="2">
+            <a:schemeClr val="accent1">
+              <a:shade val="50000"/>
+            </a:schemeClr>
+          </a:lnRef>
+          <a:fillRef idx="1">
+            <a:schemeClr val="accent1"/>
+          </a:fillRef>
+          <a:effectRef idx="0">
+            <a:schemeClr val="accent1"/>
+          </a:effectRef>
+          <a:fontRef idx="minor">
+            <a:schemeClr val="lt1"/>
+          </a:fontRef>
+        </p:style>
+        <p:txBody>
+          <a:bodyPr rtlCol="0" anchor="ctr"/>
+          <a:lstStyle/>
+          <a:p>
+            <a:pPr algn="ctr"/>
+            <a:r>
+              <a:rPr lang="en-US" altLang="zh-CN" dirty="0" err="1"/>
+              <a:t>Struct.h</a:t>
+            </a:r>
+            <a:endParaRPr lang="zh-CN" altLang="en-US" dirty="0"/>
+          </a:p>
+        </p:txBody>
+      </p:sp>
+      <p:sp>
+        <p:nvSpPr>
+          <p:cNvPr id="6" name="矩形: 圆角 5">
+            <a:extLst>
+              <a:ext uri="{FF2B5EF4-FFF2-40B4-BE49-F238E27FC236}">
+                <a16:creationId xmlns:a16="http://schemas.microsoft.com/office/drawing/2014/main" id="{957B0182-43DC-481C-8F5F-84ECFBCAB615}"/>
+              </a:ext>
+            </a:extLst>
+          </p:cNvPr>
+          <p:cNvSpPr/>
+          <p:nvPr/>
+        </p:nvSpPr>
+        <p:spPr>
+          <a:xfrm>
+            <a:off x="2731607" y="3641728"/>
+            <a:ext cx="2197768" cy="898358"/>
+          </a:xfrm>
+          <a:prstGeom prst="roundRect">
+            <a:avLst/>
+          </a:prstGeom>
+        </p:spPr>
+        <p:style>
+          <a:lnRef idx="2">
+            <a:schemeClr val="accent1">
+              <a:shade val="50000"/>
+            </a:schemeClr>
+          </a:lnRef>
+          <a:fillRef idx="1">
+            <a:schemeClr val="accent1"/>
+          </a:fillRef>
+          <a:effectRef idx="0">
+            <a:schemeClr val="accent1"/>
+          </a:effectRef>
+          <a:fontRef idx="minor">
+            <a:schemeClr val="lt1"/>
+          </a:fontRef>
+        </p:style>
+        <p:txBody>
+          <a:bodyPr rtlCol="0" anchor="ctr"/>
+          <a:lstStyle/>
+          <a:p>
+            <a:pPr algn="ctr"/>
+            <a:r>
+              <a:rPr lang="en-US" altLang="zh-CN" dirty="0" err="1"/>
+              <a:t>Admin.h</a:t>
+            </a:r>
+            <a:r>
+              <a:rPr lang="en-US" altLang="zh-CN" dirty="0"/>
+              <a:t>/.</a:t>
+            </a:r>
+            <a:r>
+              <a:rPr lang="en-US" altLang="zh-CN" dirty="0" err="1"/>
+              <a:t>cpp</a:t>
+            </a:r>
+            <a:endParaRPr lang="zh-CN" altLang="en-US" dirty="0"/>
+          </a:p>
+        </p:txBody>
+      </p:sp>
+      <p:sp>
+        <p:nvSpPr>
+          <p:cNvPr id="7" name="矩形: 圆角 6">
+            <a:extLst>
+              <a:ext uri="{FF2B5EF4-FFF2-40B4-BE49-F238E27FC236}">
+                <a16:creationId xmlns:a16="http://schemas.microsoft.com/office/drawing/2014/main" id="{6CDF92F2-B77C-465C-8D0F-4F3692EE2418}"/>
+              </a:ext>
+            </a:extLst>
+          </p:cNvPr>
+          <p:cNvSpPr/>
+          <p:nvPr/>
+        </p:nvSpPr>
+        <p:spPr>
+          <a:xfrm>
+            <a:off x="8562474" y="1337657"/>
+            <a:ext cx="2117557" cy="795839"/>
+          </a:xfrm>
+          <a:prstGeom prst="roundRect">
+            <a:avLst/>
+          </a:prstGeom>
+        </p:spPr>
+        <p:style>
+          <a:lnRef idx="2">
+            <a:schemeClr val="accent1">
+              <a:shade val="50000"/>
+            </a:schemeClr>
+          </a:lnRef>
+          <a:fillRef idx="1">
+            <a:schemeClr val="accent1"/>
+          </a:fillRef>
+          <a:effectRef idx="0">
+            <a:schemeClr val="accent1"/>
+          </a:effectRef>
+          <a:fontRef idx="minor">
+            <a:schemeClr val="lt1"/>
+          </a:fontRef>
+        </p:style>
+        <p:txBody>
+          <a:bodyPr rtlCol="0" anchor="ctr"/>
+          <a:lstStyle/>
+          <a:p>
+            <a:pPr algn="ctr"/>
+            <a:r>
+              <a:rPr lang="en-US" altLang="zh-CN" dirty="0" err="1"/>
+              <a:t>Shop.h</a:t>
+            </a:r>
+            <a:r>
+              <a:rPr lang="en-US" altLang="zh-CN" dirty="0"/>
+              <a:t>/.</a:t>
+            </a:r>
+            <a:r>
+              <a:rPr lang="en-US" altLang="zh-CN" dirty="0" err="1"/>
+              <a:t>cpp</a:t>
+            </a:r>
+            <a:endParaRPr lang="zh-CN" altLang="en-US" dirty="0"/>
+          </a:p>
+        </p:txBody>
+      </p:sp>
+      <p:sp>
+        <p:nvSpPr>
+          <p:cNvPr id="8" name="矩形: 圆角 7">
+            <a:extLst>
+              <a:ext uri="{FF2B5EF4-FFF2-40B4-BE49-F238E27FC236}">
+                <a16:creationId xmlns:a16="http://schemas.microsoft.com/office/drawing/2014/main" id="{A43B576A-60CD-4279-AAD1-5485BBB9B47A}"/>
+              </a:ext>
+            </a:extLst>
+          </p:cNvPr>
+          <p:cNvSpPr/>
+          <p:nvPr/>
+        </p:nvSpPr>
+        <p:spPr>
+          <a:xfrm>
+            <a:off x="7736307" y="3689854"/>
+            <a:ext cx="2117557" cy="850232"/>
+          </a:xfrm>
+          <a:prstGeom prst="roundRect">
+            <a:avLst/>
+          </a:prstGeom>
+        </p:spPr>
+        <p:style>
+          <a:lnRef idx="2">
+            <a:schemeClr val="accent1">
+              <a:shade val="50000"/>
+            </a:schemeClr>
+          </a:lnRef>
+          <a:fillRef idx="1">
+            <a:schemeClr val="accent1"/>
+          </a:fillRef>
+          <a:effectRef idx="0">
+            <a:schemeClr val="accent1"/>
+          </a:effectRef>
+          <a:fontRef idx="minor">
+            <a:schemeClr val="lt1"/>
+          </a:fontRef>
+        </p:style>
+        <p:txBody>
+          <a:bodyPr rtlCol="0" anchor="ctr"/>
+          <a:lstStyle/>
+          <a:p>
+            <a:pPr algn="ctr"/>
             <a:r>
               <a:rPr lang="en-US" altLang="zh-CN" dirty="0" err="1"/>
               <a:t>User.h</a:t>
@@ -5987,45 +7834,455 @@
           </a:p>
         </p:txBody>
       </p:sp>
-      <p:pic>
-        <p:nvPicPr>
-          <p:cNvPr id="9" name="内容占位符 8">
-            <a:extLst>
-              <a:ext uri="{FF2B5EF4-FFF2-40B4-BE49-F238E27FC236}">
-                <a16:creationId xmlns:a16="http://schemas.microsoft.com/office/drawing/2014/main" id="{3F89A3B6-6EBB-4D2F-BDB4-654234F7A7E7}"/>
-              </a:ext>
-            </a:extLst>
-          </p:cNvPr>
-          <p:cNvPicPr>
-            <a:picLocks noGrp="1" noChangeAspect="1"/>
-          </p:cNvPicPr>
-          <p:nvPr>
-            <p:ph idx="1"/>
-          </p:nvPr>
-        </p:nvPicPr>
-        <p:blipFill>
-          <a:blip r:embed="rId2">
-            <a:extLst>
-              <a:ext uri="{28A0092B-C50C-407E-A947-70E740481C1C}">
-                <a14:useLocalDpi xmlns:a14="http://schemas.microsoft.com/office/drawing/2010/main" val="0"/>
-              </a:ext>
-            </a:extLst>
-          </a:blip>
-          <a:stretch>
-            <a:fillRect/>
-          </a:stretch>
-        </p:blipFill>
+      <p:cxnSp>
+        <p:nvCxnSpPr>
+          <p:cNvPr id="10" name="连接符: 曲线 9">
+            <a:extLst>
+              <a:ext uri="{FF2B5EF4-FFF2-40B4-BE49-F238E27FC236}">
+                <a16:creationId xmlns:a16="http://schemas.microsoft.com/office/drawing/2014/main" id="{223C6F10-F38F-43D3-AF90-477D2321D098}"/>
+              </a:ext>
+            </a:extLst>
+          </p:cNvPr>
+          <p:cNvCxnSpPr>
+            <a:cxnSpLocks/>
+            <a:stCxn id="5" idx="2"/>
+            <a:endCxn id="6" idx="0"/>
+          </p:cNvCxnSpPr>
+          <p:nvPr/>
+        </p:nvCxnSpPr>
+        <p:spPr>
+          <a:xfrm rot="5400000">
+            <a:off x="4995067" y="1822474"/>
+            <a:ext cx="654678" cy="2983830"/>
+          </a:xfrm>
+          <a:prstGeom prst="curvedConnector3">
+            <a:avLst>
+              <a:gd name="adj1" fmla="val 50000"/>
+            </a:avLst>
+          </a:prstGeom>
+          <a:ln>
+            <a:solidFill>
+              <a:schemeClr val="accent4">
+                <a:lumMod val="50000"/>
+              </a:schemeClr>
+            </a:solidFill>
+            <a:tailEnd type="triangle"/>
+          </a:ln>
+        </p:spPr>
+        <p:style>
+          <a:lnRef idx="1">
+            <a:schemeClr val="accent1"/>
+          </a:lnRef>
+          <a:fillRef idx="0">
+            <a:schemeClr val="accent1"/>
+          </a:fillRef>
+          <a:effectRef idx="0">
+            <a:schemeClr val="accent1"/>
+          </a:effectRef>
+          <a:fontRef idx="minor">
+            <a:schemeClr val="tx1"/>
+          </a:fontRef>
+        </p:style>
+      </p:cxnSp>
+      <p:cxnSp>
+        <p:nvCxnSpPr>
+          <p:cNvPr id="16" name="连接符: 曲线 15">
+            <a:extLst>
+              <a:ext uri="{FF2B5EF4-FFF2-40B4-BE49-F238E27FC236}">
+                <a16:creationId xmlns:a16="http://schemas.microsoft.com/office/drawing/2014/main" id="{EEDC4E21-B34B-4B1D-80C9-D5D26784D09E}"/>
+              </a:ext>
+            </a:extLst>
+          </p:cNvPr>
+          <p:cNvCxnSpPr>
+            <a:stCxn id="5" idx="2"/>
+            <a:endCxn id="8" idx="0"/>
+          </p:cNvCxnSpPr>
+          <p:nvPr/>
+        </p:nvCxnSpPr>
+        <p:spPr>
+          <a:xfrm rot="16200000" flipH="1">
+            <a:off x="7453301" y="2348069"/>
+            <a:ext cx="702804" cy="1980765"/>
+          </a:xfrm>
+          <a:prstGeom prst="curvedConnector3">
+            <a:avLst>
+              <a:gd name="adj1" fmla="val 50000"/>
+            </a:avLst>
+          </a:prstGeom>
+          <a:ln>
+            <a:solidFill>
+              <a:schemeClr val="accent4">
+                <a:lumMod val="50000"/>
+              </a:schemeClr>
+            </a:solidFill>
+            <a:tailEnd type="triangle"/>
+          </a:ln>
+        </p:spPr>
+        <p:style>
+          <a:lnRef idx="1">
+            <a:schemeClr val="accent1"/>
+          </a:lnRef>
+          <a:fillRef idx="0">
+            <a:schemeClr val="accent1"/>
+          </a:fillRef>
+          <a:effectRef idx="0">
+            <a:schemeClr val="accent1"/>
+          </a:effectRef>
+          <a:fontRef idx="minor">
+            <a:schemeClr val="tx1"/>
+          </a:fontRef>
+        </p:style>
+      </p:cxnSp>
+      <p:cxnSp>
+        <p:nvCxnSpPr>
+          <p:cNvPr id="19" name="连接符: 曲线 18">
+            <a:extLst>
+              <a:ext uri="{FF2B5EF4-FFF2-40B4-BE49-F238E27FC236}">
+                <a16:creationId xmlns:a16="http://schemas.microsoft.com/office/drawing/2014/main" id="{D44BCE74-77DA-4E4A-ABC1-3F51875C8902}"/>
+              </a:ext>
+            </a:extLst>
+          </p:cNvPr>
+          <p:cNvCxnSpPr>
+            <a:stCxn id="5" idx="2"/>
+            <a:endCxn id="7" idx="0"/>
+          </p:cNvCxnSpPr>
+          <p:nvPr/>
+        </p:nvCxnSpPr>
+        <p:spPr>
+          <a:xfrm rot="5400000" flipH="1" flipV="1">
+            <a:off x="7393090" y="758888"/>
+            <a:ext cx="1649393" cy="2806932"/>
+          </a:xfrm>
+          <a:prstGeom prst="curvedConnector5">
+            <a:avLst>
+              <a:gd name="adj1" fmla="val -13860"/>
+              <a:gd name="adj2" fmla="val 50000"/>
+              <a:gd name="adj3" fmla="val 113860"/>
+            </a:avLst>
+          </a:prstGeom>
+          <a:ln>
+            <a:solidFill>
+              <a:schemeClr val="accent4">
+                <a:lumMod val="50000"/>
+              </a:schemeClr>
+            </a:solidFill>
+            <a:tailEnd type="triangle"/>
+          </a:ln>
+        </p:spPr>
+        <p:style>
+          <a:lnRef idx="1">
+            <a:schemeClr val="accent1"/>
+          </a:lnRef>
+          <a:fillRef idx="0">
+            <a:schemeClr val="accent1"/>
+          </a:fillRef>
+          <a:effectRef idx="0">
+            <a:schemeClr val="accent1"/>
+          </a:effectRef>
+          <a:fontRef idx="minor">
+            <a:schemeClr val="tx1"/>
+          </a:fontRef>
+        </p:style>
+      </p:cxnSp>
+      <p:cxnSp>
+        <p:nvCxnSpPr>
+          <p:cNvPr id="21" name="连接符: 曲线 20">
+            <a:extLst>
+              <a:ext uri="{FF2B5EF4-FFF2-40B4-BE49-F238E27FC236}">
+                <a16:creationId xmlns:a16="http://schemas.microsoft.com/office/drawing/2014/main" id="{7AE62848-72D3-4179-B578-9F736BC5803D}"/>
+              </a:ext>
+            </a:extLst>
+          </p:cNvPr>
+          <p:cNvCxnSpPr>
+            <a:cxnSpLocks/>
+            <a:stCxn id="8" idx="1"/>
+            <a:endCxn id="6" idx="3"/>
+          </p:cNvCxnSpPr>
+          <p:nvPr/>
+        </p:nvCxnSpPr>
+        <p:spPr>
+          <a:xfrm rot="10800000">
+            <a:off x="4929375" y="4090908"/>
+            <a:ext cx="2806932" cy="24063"/>
+          </a:xfrm>
+          <a:prstGeom prst="curvedConnector3">
+            <a:avLst>
+              <a:gd name="adj1" fmla="val 50000"/>
+            </a:avLst>
+          </a:prstGeom>
+          <a:ln>
+            <a:solidFill>
+              <a:schemeClr val="accent4">
+                <a:lumMod val="50000"/>
+              </a:schemeClr>
+            </a:solidFill>
+            <a:tailEnd type="triangle"/>
+          </a:ln>
+        </p:spPr>
+        <p:style>
+          <a:lnRef idx="1">
+            <a:schemeClr val="accent1"/>
+          </a:lnRef>
+          <a:fillRef idx="0">
+            <a:schemeClr val="accent1"/>
+          </a:fillRef>
+          <a:effectRef idx="0">
+            <a:schemeClr val="accent1"/>
+          </a:effectRef>
+          <a:fontRef idx="minor">
+            <a:schemeClr val="tx1"/>
+          </a:fontRef>
+        </p:style>
+      </p:cxnSp>
+      <p:cxnSp>
+        <p:nvCxnSpPr>
+          <p:cNvPr id="23" name="连接符: 曲线 22">
+            <a:extLst>
+              <a:ext uri="{FF2B5EF4-FFF2-40B4-BE49-F238E27FC236}">
+                <a16:creationId xmlns:a16="http://schemas.microsoft.com/office/drawing/2014/main" id="{37946CFB-5404-4CAB-8E85-728B2DAD6468}"/>
+              </a:ext>
+            </a:extLst>
+          </p:cNvPr>
+          <p:cNvCxnSpPr>
+            <a:cxnSpLocks/>
+            <a:stCxn id="7" idx="3"/>
+            <a:endCxn id="8" idx="1"/>
+          </p:cNvCxnSpPr>
+          <p:nvPr/>
+        </p:nvCxnSpPr>
+        <p:spPr>
+          <a:xfrm flipH="1">
+            <a:off x="7736307" y="1735577"/>
+            <a:ext cx="2943724" cy="2379393"/>
+          </a:xfrm>
+          <a:prstGeom prst="curvedConnector5">
+            <a:avLst>
+              <a:gd name="adj1" fmla="val -7766"/>
+              <a:gd name="adj2" fmla="val 49428"/>
+              <a:gd name="adj3" fmla="val 107766"/>
+            </a:avLst>
+          </a:prstGeom>
+          <a:ln>
+            <a:solidFill>
+              <a:schemeClr val="accent4">
+                <a:lumMod val="50000"/>
+              </a:schemeClr>
+            </a:solidFill>
+            <a:tailEnd type="triangle"/>
+          </a:ln>
+        </p:spPr>
+        <p:style>
+          <a:lnRef idx="1">
+            <a:schemeClr val="accent1"/>
+          </a:lnRef>
+          <a:fillRef idx="0">
+            <a:schemeClr val="accent1"/>
+          </a:fillRef>
+          <a:effectRef idx="0">
+            <a:schemeClr val="accent1"/>
+          </a:effectRef>
+          <a:fontRef idx="minor">
+            <a:schemeClr val="tx1"/>
+          </a:fontRef>
+        </p:style>
+      </p:cxnSp>
+      <p:cxnSp>
+        <p:nvCxnSpPr>
+          <p:cNvPr id="62" name="连接符: 曲线 61">
+            <a:extLst>
+              <a:ext uri="{FF2B5EF4-FFF2-40B4-BE49-F238E27FC236}">
+                <a16:creationId xmlns:a16="http://schemas.microsoft.com/office/drawing/2014/main" id="{FC11E138-5AE1-483D-99F1-467B0DD542CC}"/>
+              </a:ext>
+            </a:extLst>
+          </p:cNvPr>
+          <p:cNvCxnSpPr>
+            <a:stCxn id="8" idx="2"/>
+            <a:endCxn id="4" idx="0"/>
+          </p:cNvCxnSpPr>
+          <p:nvPr/>
+        </p:nvCxnSpPr>
+        <p:spPr>
+          <a:xfrm rot="5400000">
+            <a:off x="7159215" y="3884471"/>
+            <a:ext cx="980257" cy="2291487"/>
+          </a:xfrm>
+          <a:prstGeom prst="curvedConnector3">
+            <a:avLst/>
+          </a:prstGeom>
+          <a:ln>
+            <a:solidFill>
+              <a:schemeClr val="accent2">
+                <a:lumMod val="50000"/>
+              </a:schemeClr>
+            </a:solidFill>
+            <a:tailEnd type="triangle"/>
+          </a:ln>
+        </p:spPr>
+        <p:style>
+          <a:lnRef idx="1">
+            <a:schemeClr val="accent1"/>
+          </a:lnRef>
+          <a:fillRef idx="0">
+            <a:schemeClr val="accent1"/>
+          </a:fillRef>
+          <a:effectRef idx="0">
+            <a:schemeClr val="accent1"/>
+          </a:effectRef>
+          <a:fontRef idx="minor">
+            <a:schemeClr val="tx1"/>
+          </a:fontRef>
+        </p:style>
+      </p:cxnSp>
+      <p:cxnSp>
+        <p:nvCxnSpPr>
+          <p:cNvPr id="64" name="连接符: 曲线 63">
+            <a:extLst>
+              <a:ext uri="{FF2B5EF4-FFF2-40B4-BE49-F238E27FC236}">
+                <a16:creationId xmlns:a16="http://schemas.microsoft.com/office/drawing/2014/main" id="{AFE68976-9D70-4F49-9E42-74A0A93D6303}"/>
+              </a:ext>
+            </a:extLst>
+          </p:cNvPr>
+          <p:cNvCxnSpPr>
+            <a:stCxn id="6" idx="2"/>
+            <a:endCxn id="4" idx="0"/>
+          </p:cNvCxnSpPr>
+          <p:nvPr/>
+        </p:nvCxnSpPr>
+        <p:spPr>
+          <a:xfrm rot="16200000" flipH="1">
+            <a:off x="4676917" y="3693660"/>
+            <a:ext cx="980257" cy="2673108"/>
+          </a:xfrm>
+          <a:prstGeom prst="curvedConnector3">
+            <a:avLst/>
+          </a:prstGeom>
+          <a:ln>
+            <a:solidFill>
+              <a:schemeClr val="accent4">
+                <a:lumMod val="50000"/>
+              </a:schemeClr>
+            </a:solidFill>
+            <a:tailEnd type="triangle"/>
+          </a:ln>
+        </p:spPr>
+        <p:style>
+          <a:lnRef idx="1">
+            <a:schemeClr val="accent1"/>
+          </a:lnRef>
+          <a:fillRef idx="0">
+            <a:schemeClr val="accent1"/>
+          </a:fillRef>
+          <a:effectRef idx="0">
+            <a:schemeClr val="accent1"/>
+          </a:effectRef>
+          <a:fontRef idx="minor">
+            <a:schemeClr val="tx1"/>
+          </a:fontRef>
+        </p:style>
+      </p:cxnSp>
+      <p:sp>
+        <p:nvSpPr>
+          <p:cNvPr id="89" name="箭头: 直角上 88">
+            <a:extLst>
+              <a:ext uri="{FF2B5EF4-FFF2-40B4-BE49-F238E27FC236}">
+                <a16:creationId xmlns:a16="http://schemas.microsoft.com/office/drawing/2014/main" id="{E1A7D576-6A37-425C-AC93-61D3B46ACBD3}"/>
+              </a:ext>
+            </a:extLst>
+          </p:cNvPr>
+          <p:cNvSpPr/>
+          <p:nvPr/>
+        </p:nvSpPr>
+        <p:spPr>
+          <a:xfrm rot="16200000">
+            <a:off x="6551632" y="1822774"/>
+            <a:ext cx="525378" cy="621443"/>
+          </a:xfrm>
+          <a:prstGeom prst="bentUpArrow">
+            <a:avLst>
+              <a:gd name="adj1" fmla="val 28053"/>
+              <a:gd name="adj2" fmla="val 25000"/>
+              <a:gd name="adj3" fmla="val 50000"/>
+            </a:avLst>
+          </a:prstGeom>
+        </p:spPr>
+        <p:style>
+          <a:lnRef idx="2">
+            <a:schemeClr val="accent1">
+              <a:shade val="50000"/>
+            </a:schemeClr>
+          </a:lnRef>
+          <a:fillRef idx="1">
+            <a:schemeClr val="accent1"/>
+          </a:fillRef>
+          <a:effectRef idx="0">
+            <a:schemeClr val="accent1"/>
+          </a:effectRef>
+          <a:fontRef idx="minor">
+            <a:schemeClr val="lt1"/>
+          </a:fontRef>
+        </p:style>
+        <p:txBody>
+          <a:bodyPr rtlCol="0" anchor="ctr"/>
+          <a:lstStyle/>
+          <a:p>
+            <a:pPr algn="ctr"/>
+            <a:endParaRPr lang="zh-CN" altLang="en-US"/>
+          </a:p>
+        </p:txBody>
+      </p:sp>
+      <p:sp>
+        <p:nvSpPr>
+          <p:cNvPr id="90" name="矩形 89">
+            <a:extLst>
+              <a:ext uri="{FF2B5EF4-FFF2-40B4-BE49-F238E27FC236}">
+                <a16:creationId xmlns:a16="http://schemas.microsoft.com/office/drawing/2014/main" id="{22B3392E-BE4B-46AC-B5F5-F25ED40A0BB9}"/>
+              </a:ext>
+            </a:extLst>
+          </p:cNvPr>
+          <p:cNvSpPr/>
+          <p:nvPr/>
+        </p:nvSpPr>
         <p:spPr>
           <a:xfrm>
-            <a:off x="964722" y="1408374"/>
-            <a:ext cx="7593352" cy="5154924"/>
-          </a:xfrm>
-        </p:spPr>
-      </p:pic>
+            <a:off x="5390777" y="839147"/>
+            <a:ext cx="1086659" cy="1227747"/>
+          </a:xfrm>
+          <a:prstGeom prst="rect">
+            <a:avLst/>
+          </a:prstGeom>
+        </p:spPr>
+        <p:style>
+          <a:lnRef idx="2">
+            <a:schemeClr val="accent1">
+              <a:shade val="50000"/>
+            </a:schemeClr>
+          </a:lnRef>
+          <a:fillRef idx="1">
+            <a:schemeClr val="accent1"/>
+          </a:fillRef>
+          <a:effectRef idx="0">
+            <a:schemeClr val="accent1"/>
+          </a:effectRef>
+          <a:fontRef idx="minor">
+            <a:schemeClr val="lt1"/>
+          </a:fontRef>
+        </p:style>
+        <p:txBody>
+          <a:bodyPr rtlCol="0" anchor="ctr"/>
+          <a:lstStyle/>
+          <a:p>
+            <a:pPr algn="ctr"/>
+            <a:r>
+              <a:rPr lang="zh-CN" altLang="en-US" dirty="0"/>
+              <a:t>前面数据结构</a:t>
+            </a:r>
+          </a:p>
+        </p:txBody>
+      </p:sp>
     </p:spTree>
     <p:extLst>
       <p:ext uri="{BB962C8B-B14F-4D97-AF65-F5344CB8AC3E}">
-        <p14:creationId xmlns:p14="http://schemas.microsoft.com/office/powerpoint/2010/main" val="444168247"/>
+        <p14:creationId xmlns:p14="http://schemas.microsoft.com/office/powerpoint/2010/main" val="1180483237"/>
       </p:ext>
     </p:extLst>
   </p:cSld>
